--- a/RepoDb.Wiki/Files/HLA.pptx
+++ b/RepoDb.Wiki/Files/HLA.pptx
@@ -2950,6 +2950,14 @@
 <file path=ppt/slides/slide1.xml><?xml version="1.0" encoding="utf-8"?>
 <p:sld xmlns:a="http://schemas.openxmlformats.org/drawingml/2006/main" xmlns:r="http://schemas.openxmlformats.org/officeDocument/2006/relationships" xmlns:p="http://schemas.openxmlformats.org/presentationml/2006/main">
   <p:cSld>
+    <p:bg>
+      <p:bgPr>
+        <a:solidFill>
+          <a:schemeClr val="bg1"/>
+        </a:solidFill>
+        <a:effectLst/>
+      </p:bgPr>
+    </p:bg>
     <p:spTree>
       <p:nvGrpSpPr>
         <p:cNvPr id="1" name=""/>
@@ -3322,14 +3330,14 @@
           <a:p>
             <a:pPr algn="ctr"/>
             <a:r>
-              <a:rPr lang="en-US" sz="900" dirty="0" err="1" smtClean="0">
+              <a:rPr lang="en-US" sz="900" b="1" dirty="0" err="1" smtClean="0">
                 <a:solidFill>
                   <a:schemeClr val="tx1"/>
                 </a:solidFill>
               </a:rPr>
               <a:t>IDbConnection</a:t>
             </a:r>
-            <a:endParaRPr lang="en-US" sz="900" dirty="0">
+            <a:endParaRPr lang="en-US" sz="900" b="1" dirty="0">
               <a:solidFill>
                 <a:schemeClr val="tx1"/>
               </a:solidFill>
@@ -3387,14 +3395,14 @@
           <a:p>
             <a:pPr algn="ctr"/>
             <a:r>
-              <a:rPr lang="en-US" sz="900" dirty="0" err="1" smtClean="0">
+              <a:rPr lang="en-US" sz="900" b="1" dirty="0" err="1" smtClean="0">
                 <a:solidFill>
                   <a:schemeClr val="tx1"/>
                 </a:solidFill>
               </a:rPr>
               <a:t>DbRepository</a:t>
             </a:r>
-            <a:endParaRPr lang="en-US" sz="900" dirty="0">
+            <a:endParaRPr lang="en-US" sz="900" b="1" dirty="0">
               <a:solidFill>
                 <a:schemeClr val="tx1"/>
               </a:solidFill>
@@ -3484,14 +3492,14 @@
           <a:p>
             <a:pPr algn="ctr"/>
             <a:r>
-              <a:rPr lang="en-US" sz="900" dirty="0" err="1" smtClean="0">
+              <a:rPr lang="en-US" sz="900" b="1" dirty="0" err="1" smtClean="0">
                 <a:solidFill>
                   <a:schemeClr val="tx1"/>
                 </a:solidFill>
               </a:rPr>
               <a:t>BaseRepository</a:t>
             </a:r>
-            <a:endParaRPr lang="en-US" sz="900" dirty="0">
+            <a:endParaRPr lang="en-US" sz="900" b="1" dirty="0">
               <a:solidFill>
                 <a:schemeClr val="tx1"/>
               </a:solidFill>
@@ -3513,7 +3521,7 @@
                   <a:schemeClr val="tx1"/>
                 </a:solidFill>
               </a:rPr>
-              <a:t>Tentity</a:t>
+              <a:t>TEntity</a:t>
             </a:r>
             <a:r>
               <a:rPr lang="en-US" sz="900" dirty="0" smtClean="0">
@@ -3592,14 +3600,14 @@
           <a:p>
             <a:pPr algn="ctr"/>
             <a:r>
-              <a:rPr lang="en-US" sz="900" dirty="0" err="1" smtClean="0">
+              <a:rPr lang="en-US" sz="900" b="1" dirty="0" err="1" smtClean="0">
                 <a:solidFill>
                   <a:schemeClr val="tx1"/>
                 </a:solidFill>
               </a:rPr>
               <a:t>ITrace</a:t>
             </a:r>
-            <a:endParaRPr lang="en-US" sz="900" dirty="0">
+            <a:endParaRPr lang="en-US" sz="900" b="1" dirty="0">
               <a:solidFill>
                 <a:schemeClr val="tx1"/>
               </a:solidFill>
@@ -3716,14 +3724,14 @@
           <a:p>
             <a:pPr algn="ctr"/>
             <a:r>
-              <a:rPr lang="en-US" sz="900" dirty="0" err="1" smtClean="0">
+              <a:rPr lang="en-US" sz="900" b="1" dirty="0" err="1" smtClean="0">
                 <a:solidFill>
                   <a:schemeClr val="tx1"/>
                 </a:solidFill>
               </a:rPr>
               <a:t>IDbOperationProvider</a:t>
             </a:r>
-            <a:endParaRPr lang="en-US" sz="900" dirty="0" smtClean="0">
+            <a:endParaRPr lang="en-US" sz="900" b="1" dirty="0" smtClean="0">
               <a:solidFill>
                 <a:schemeClr val="tx1"/>
               </a:solidFill>
@@ -4184,14 +4192,14 @@
           <a:p>
             <a:pPr algn="ctr"/>
             <a:r>
-              <a:rPr lang="en-US" sz="900" dirty="0" err="1" smtClean="0">
+              <a:rPr lang="en-US" sz="900" b="1" dirty="0" err="1" smtClean="0">
                 <a:solidFill>
                   <a:schemeClr val="tx1"/>
                 </a:solidFill>
               </a:rPr>
               <a:t>IStamentBuilder</a:t>
             </a:r>
-            <a:endParaRPr lang="en-US" sz="900" dirty="0" smtClean="0">
+            <a:endParaRPr lang="en-US" sz="900" b="1" dirty="0" smtClean="0">
               <a:solidFill>
                 <a:schemeClr val="tx1"/>
               </a:solidFill>
@@ -4308,14 +4316,14 @@
           <a:p>
             <a:pPr algn="ctr"/>
             <a:r>
-              <a:rPr lang="en-US" sz="900" dirty="0" err="1" smtClean="0">
+              <a:rPr lang="en-US" sz="900" b="1" dirty="0" err="1" smtClean="0">
                 <a:solidFill>
                   <a:schemeClr val="tx1"/>
                 </a:solidFill>
               </a:rPr>
               <a:t>ICache</a:t>
             </a:r>
-            <a:endParaRPr lang="en-US" sz="900" dirty="0">
+            <a:endParaRPr lang="en-US" sz="900" b="1" dirty="0">
               <a:solidFill>
                 <a:schemeClr val="tx1"/>
               </a:solidFill>
@@ -4432,14 +4440,14 @@
           <a:p>
             <a:pPr algn="ctr"/>
             <a:r>
-              <a:rPr lang="en-US" sz="900" dirty="0" err="1" smtClean="0">
+              <a:rPr lang="en-US" sz="900" b="1" dirty="0" err="1" smtClean="0">
                 <a:solidFill>
                   <a:schemeClr val="tx1"/>
                 </a:solidFill>
               </a:rPr>
               <a:t>IDbHelper</a:t>
             </a:r>
-            <a:endParaRPr lang="en-US" sz="900" dirty="0">
+            <a:endParaRPr lang="en-US" sz="900" b="1" dirty="0">
               <a:solidFill>
                 <a:schemeClr val="tx1"/>
               </a:solidFill>
@@ -4683,14 +4691,14 @@
           <a:p>
             <a:pPr algn="ctr"/>
             <a:r>
-              <a:rPr lang="en-US" sz="900" dirty="0" err="1" smtClean="0">
+              <a:rPr lang="en-US" sz="900" b="1" dirty="0" err="1" smtClean="0">
                 <a:solidFill>
                   <a:schemeClr val="tx1"/>
                 </a:solidFill>
               </a:rPr>
               <a:t>IResolver</a:t>
             </a:r>
-            <a:endParaRPr lang="en-US" sz="900" dirty="0" smtClean="0">
+            <a:endParaRPr lang="en-US" sz="900" b="1" dirty="0" smtClean="0">
               <a:solidFill>
                 <a:schemeClr val="tx1"/>
               </a:solidFill>

--- a/RepoDb.Wiki/Files/HLA.pptx
+++ b/RepoDb.Wiki/Files/HLA.pptx
@@ -104,6 +104,11 @@
       </a:defRPr>
     </a:lvl9pPr>
   </p:defaultTextStyle>
+  <p:extLst>
+    <p:ext uri="{EFAFB233-063F-42B5-8137-9DF3F51BA10A}">
+      <p15:sldGuideLst xmlns:p15="http://schemas.microsoft.com/office/powerpoint/2012/main"/>
+    </p:ext>
+  </p:extLst>
 </p:presentation>
 </file>
 
@@ -2974,31 +2979,68 @@
       </p:grpSpPr>
       <p:sp>
         <p:nvSpPr>
+          <p:cNvPr id="2" name="Rectangle 1"/>
+          <p:cNvSpPr/>
+          <p:nvPr/>
+        </p:nvSpPr>
+        <p:spPr>
+          <a:xfrm>
+            <a:off x="1247775" y="571498"/>
+            <a:ext cx="9839325" cy="5757863"/>
+          </a:xfrm>
+          <a:prstGeom prst="rect">
+            <a:avLst/>
+          </a:prstGeom>
+          <a:ln>
+            <a:prstDash val="dash"/>
+          </a:ln>
+        </p:spPr>
+        <p:style>
+          <a:lnRef idx="2">
+            <a:schemeClr val="dk1"/>
+          </a:lnRef>
+          <a:fillRef idx="1">
+            <a:schemeClr val="lt1"/>
+          </a:fillRef>
+          <a:effectRef idx="0">
+            <a:schemeClr val="dk1"/>
+          </a:effectRef>
+          <a:fontRef idx="minor">
+            <a:schemeClr val="dk1"/>
+          </a:fontRef>
+        </p:style>
+        <p:txBody>
+          <a:bodyPr rtlCol="0" anchor="ctr"/>
+          <a:lstStyle/>
+          <a:p>
+            <a:pPr algn="ctr"/>
+            <a:endParaRPr lang="en-US"/>
+          </a:p>
+        </p:txBody>
+      </p:sp>
+      <p:sp>
+        <p:nvSpPr>
           <p:cNvPr id="4" name="Flowchart: Magnetic Disk 3"/>
           <p:cNvSpPr/>
           <p:nvPr/>
         </p:nvSpPr>
         <p:spPr>
           <a:xfrm>
-            <a:off x="6352992" y="5601222"/>
-            <a:ext cx="1237550" cy="597593"/>
+            <a:off x="5529612" y="5283920"/>
+            <a:ext cx="1237550" cy="874340"/>
           </a:xfrm>
           <a:prstGeom prst="flowChartMagneticDisk">
             <a:avLst/>
           </a:prstGeom>
-          <a:solidFill>
-            <a:schemeClr val="accent1">
-              <a:lumMod val="20000"/>
-              <a:lumOff val="80000"/>
-            </a:schemeClr>
-          </a:solidFill>
-          <a:ln w="9525">
+          <a:noFill/>
+          <a:ln w="12700">
             <a:solidFill>
-              <a:schemeClr val="bg1">
-                <a:lumMod val="50000"/>
+              <a:schemeClr val="tx1">
+                <a:lumMod val="95000"/>
+                <a:lumOff val="5000"/>
               </a:schemeClr>
             </a:solidFill>
-            <a:prstDash val="dash"/>
+            <a:prstDash val="solid"/>
           </a:ln>
           <a:effectLst/>
         </p:spPr>
@@ -3027,7 +3069,66 @@
                   <a:schemeClr val="tx1"/>
                 </a:solidFill>
               </a:rPr>
-              <a:t>DB (Oracle)</a:t>
+              <a:t>Database</a:t>
+            </a:r>
+          </a:p>
+          <a:p>
+            <a:pPr algn="ctr"/>
+            <a:r>
+              <a:rPr lang="en-US" sz="900" b="1" dirty="0" smtClean="0">
+                <a:solidFill>
+                  <a:schemeClr val="tx1"/>
+                </a:solidFill>
+              </a:rPr>
+              <a:t>(</a:t>
+            </a:r>
+            <a:r>
+              <a:rPr lang="en-US" sz="900" b="1" dirty="0" err="1" smtClean="0">
+                <a:solidFill>
+                  <a:schemeClr val="tx1"/>
+                </a:solidFill>
+              </a:rPr>
+              <a:t>Sql</a:t>
+            </a:r>
+            <a:r>
+              <a:rPr lang="en-US" sz="900" b="1" dirty="0" smtClean="0">
+                <a:solidFill>
+                  <a:schemeClr val="tx1"/>
+                </a:solidFill>
+              </a:rPr>
+              <a:t>, Oracle, </a:t>
+            </a:r>
+            <a:r>
+              <a:rPr lang="en-US" sz="900" b="1" dirty="0" err="1" smtClean="0">
+                <a:solidFill>
+                  <a:schemeClr val="tx1"/>
+                </a:solidFill>
+              </a:rPr>
+              <a:t>MySql</a:t>
+            </a:r>
+            <a:r>
+              <a:rPr lang="en-US" sz="900" b="1" dirty="0" smtClean="0">
+                <a:solidFill>
+                  <a:schemeClr val="tx1"/>
+                </a:solidFill>
+              </a:rPr>
+              <a:t>, </a:t>
+            </a:r>
+            <a:r>
+              <a:rPr lang="en-US" sz="900" b="1" dirty="0" err="1" smtClean="0">
+                <a:solidFill>
+                  <a:schemeClr val="tx1"/>
+                </a:solidFill>
+              </a:rPr>
+              <a:t>etc</a:t>
+            </a:r>
+            <a:r>
+              <a:rPr lang="en-US" sz="900" b="1" dirty="0" smtClean="0">
+                <a:solidFill>
+                  <a:schemeClr val="tx1"/>
+                </a:solidFill>
+              </a:rPr>
+              <a:t>)</a:t>
             </a:r>
             <a:endParaRPr lang="en-US" sz="900" b="1" dirty="0">
               <a:solidFill>
@@ -3039,274 +3140,27 @@
       </p:sp>
       <p:sp>
         <p:nvSpPr>
-          <p:cNvPr id="5" name="Flowchart: Magnetic Disk 4"/>
-          <p:cNvSpPr/>
-          <p:nvPr/>
-        </p:nvSpPr>
-        <p:spPr>
-          <a:xfrm>
-            <a:off x="4583513" y="5601220"/>
-            <a:ext cx="1237550" cy="597593"/>
-          </a:xfrm>
-          <a:prstGeom prst="flowChartMagneticDisk">
-            <a:avLst/>
-          </a:prstGeom>
-          <a:solidFill>
-            <a:schemeClr val="accent1">
-              <a:lumMod val="20000"/>
-              <a:lumOff val="80000"/>
-            </a:schemeClr>
-          </a:solidFill>
-          <a:ln w="9525">
-            <a:solidFill>
-              <a:schemeClr val="bg1">
-                <a:lumMod val="50000"/>
-              </a:schemeClr>
-            </a:solidFill>
-            <a:prstDash val="dash"/>
-          </a:ln>
-          <a:effectLst/>
-        </p:spPr>
-        <p:style>
-          <a:lnRef idx="1">
-            <a:schemeClr val="accent1"/>
-          </a:lnRef>
-          <a:fillRef idx="2">
-            <a:schemeClr val="accent1"/>
-          </a:fillRef>
-          <a:effectRef idx="1">
-            <a:schemeClr val="accent1"/>
-          </a:effectRef>
-          <a:fontRef idx="minor">
-            <a:schemeClr val="dk1"/>
-          </a:fontRef>
-        </p:style>
-        <p:txBody>
-          <a:bodyPr rtlCol="0" anchor="ctr"/>
-          <a:lstStyle/>
-          <a:p>
-            <a:pPr algn="ctr"/>
-            <a:r>
-              <a:rPr lang="en-US" sz="900" b="1" dirty="0" smtClean="0">
-                <a:solidFill>
-                  <a:schemeClr val="tx1"/>
-                </a:solidFill>
-              </a:rPr>
-              <a:t>DB (</a:t>
-            </a:r>
-            <a:r>
-              <a:rPr lang="en-US" sz="900" b="1" dirty="0" err="1" smtClean="0">
-                <a:solidFill>
-                  <a:schemeClr val="tx1"/>
-                </a:solidFill>
-              </a:rPr>
-              <a:t>SqlServer</a:t>
-            </a:r>
-            <a:r>
-              <a:rPr lang="en-US" sz="900" b="1" dirty="0" smtClean="0">
-                <a:solidFill>
-                  <a:schemeClr val="tx1"/>
-                </a:solidFill>
-              </a:rPr>
-              <a:t>)</a:t>
-            </a:r>
-            <a:endParaRPr lang="en-US" sz="900" b="1" dirty="0">
-              <a:solidFill>
-                <a:schemeClr val="tx1"/>
-              </a:solidFill>
-            </a:endParaRPr>
-          </a:p>
-        </p:txBody>
-      </p:sp>
-      <p:sp>
-        <p:nvSpPr>
-          <p:cNvPr id="6" name="Flowchart: Magnetic Disk 5"/>
-          <p:cNvSpPr/>
-          <p:nvPr/>
-        </p:nvSpPr>
-        <p:spPr>
-          <a:xfrm>
-            <a:off x="2814035" y="5601221"/>
-            <a:ext cx="1237550" cy="597593"/>
-          </a:xfrm>
-          <a:prstGeom prst="flowChartMagneticDisk">
-            <a:avLst/>
-          </a:prstGeom>
-          <a:solidFill>
-            <a:schemeClr val="accent1">
-              <a:lumMod val="20000"/>
-              <a:lumOff val="80000"/>
-            </a:schemeClr>
-          </a:solidFill>
-          <a:ln w="9525">
-            <a:solidFill>
-              <a:schemeClr val="bg1">
-                <a:lumMod val="50000"/>
-              </a:schemeClr>
-            </a:solidFill>
-            <a:prstDash val="dash"/>
-          </a:ln>
-          <a:effectLst/>
-        </p:spPr>
-        <p:style>
-          <a:lnRef idx="1">
-            <a:schemeClr val="accent1"/>
-          </a:lnRef>
-          <a:fillRef idx="2">
-            <a:schemeClr val="accent1"/>
-          </a:fillRef>
-          <a:effectRef idx="1">
-            <a:schemeClr val="accent1"/>
-          </a:effectRef>
-          <a:fontRef idx="minor">
-            <a:schemeClr val="dk1"/>
-          </a:fontRef>
-        </p:style>
-        <p:txBody>
-          <a:bodyPr rtlCol="0" anchor="ctr"/>
-          <a:lstStyle/>
-          <a:p>
-            <a:pPr algn="ctr"/>
-            <a:r>
-              <a:rPr lang="en-US" sz="900" b="1" dirty="0" smtClean="0">
-                <a:solidFill>
-                  <a:schemeClr val="tx1"/>
-                </a:solidFill>
-              </a:rPr>
-              <a:t>DB (</a:t>
-            </a:r>
-            <a:r>
-              <a:rPr lang="en-US" sz="900" b="1" dirty="0" err="1" smtClean="0">
-                <a:solidFill>
-                  <a:schemeClr val="tx1"/>
-                </a:solidFill>
-              </a:rPr>
-              <a:t>MySql</a:t>
-            </a:r>
-            <a:r>
-              <a:rPr lang="en-US" sz="900" b="1" dirty="0" smtClean="0">
-                <a:solidFill>
-                  <a:schemeClr val="tx1"/>
-                </a:solidFill>
-              </a:rPr>
-              <a:t>)</a:t>
-            </a:r>
-            <a:endParaRPr lang="en-US" sz="900" b="1" dirty="0">
-              <a:solidFill>
-                <a:schemeClr val="tx1"/>
-              </a:solidFill>
-            </a:endParaRPr>
-          </a:p>
-        </p:txBody>
-      </p:sp>
-      <p:sp>
-        <p:nvSpPr>
-          <p:cNvPr id="7" name="Flowchart: Magnetic Disk 6"/>
-          <p:cNvSpPr/>
-          <p:nvPr/>
-        </p:nvSpPr>
-        <p:spPr>
-          <a:xfrm>
-            <a:off x="8127723" y="5601221"/>
-            <a:ext cx="1251837" cy="597593"/>
-          </a:xfrm>
-          <a:prstGeom prst="flowChartMagneticDisk">
-            <a:avLst/>
-          </a:prstGeom>
-          <a:solidFill>
-            <a:schemeClr val="accent1">
-              <a:lumMod val="20000"/>
-              <a:lumOff val="80000"/>
-            </a:schemeClr>
-          </a:solidFill>
-          <a:ln w="9525">
-            <a:solidFill>
-              <a:schemeClr val="bg1">
-                <a:lumMod val="50000"/>
-              </a:schemeClr>
-            </a:solidFill>
-            <a:prstDash val="dash"/>
-          </a:ln>
-          <a:effectLst/>
-        </p:spPr>
-        <p:style>
-          <a:lnRef idx="1">
-            <a:schemeClr val="accent1"/>
-          </a:lnRef>
-          <a:fillRef idx="2">
-            <a:schemeClr val="accent1"/>
-          </a:fillRef>
-          <a:effectRef idx="1">
-            <a:schemeClr val="accent1"/>
-          </a:effectRef>
-          <a:fontRef idx="minor">
-            <a:schemeClr val="dk1"/>
-          </a:fontRef>
-        </p:style>
-        <p:txBody>
-          <a:bodyPr rtlCol="0" anchor="ctr"/>
-          <a:lstStyle/>
-          <a:p>
-            <a:pPr algn="ctr"/>
-            <a:r>
-              <a:rPr lang="en-US" sz="900" b="1" dirty="0" smtClean="0">
-                <a:solidFill>
-                  <a:schemeClr val="tx1"/>
-                </a:solidFill>
-              </a:rPr>
-              <a:t>DB (</a:t>
-            </a:r>
-            <a:r>
-              <a:rPr lang="en-US" sz="900" b="1" dirty="0" err="1" smtClean="0">
-                <a:solidFill>
-                  <a:schemeClr val="tx1"/>
-                </a:solidFill>
-              </a:rPr>
-              <a:t>PostgreSql</a:t>
-            </a:r>
-            <a:r>
-              <a:rPr lang="en-US" sz="900" b="1" dirty="0" smtClean="0">
-                <a:solidFill>
-                  <a:schemeClr val="tx1"/>
-                </a:solidFill>
-              </a:rPr>
-              <a:t>)</a:t>
-            </a:r>
-            <a:endParaRPr lang="en-US" sz="900" b="1" dirty="0">
-              <a:solidFill>
-                <a:schemeClr val="tx1"/>
-              </a:solidFill>
-            </a:endParaRPr>
-          </a:p>
-        </p:txBody>
-      </p:sp>
-      <p:sp>
-        <p:nvSpPr>
           <p:cNvPr id="8" name="Flowchart: Alternate Process 7"/>
           <p:cNvSpPr/>
           <p:nvPr/>
         </p:nvSpPr>
         <p:spPr>
           <a:xfrm>
-            <a:off x="5253835" y="3307126"/>
+            <a:off x="5263360" y="3221399"/>
             <a:ext cx="1685925" cy="484061"/>
           </a:xfrm>
           <a:prstGeom prst="flowChartAlternateProcess">
             <a:avLst/>
           </a:prstGeom>
-          <a:solidFill>
-            <a:schemeClr val="accent6">
-              <a:lumMod val="20000"/>
-              <a:lumOff val="80000"/>
-            </a:schemeClr>
-          </a:solidFill>
-          <a:ln>
+          <a:noFill/>
+          <a:ln w="12700">
             <a:solidFill>
-              <a:schemeClr val="bg1">
-                <a:lumMod val="50000"/>
+              <a:schemeClr val="tx1">
+                <a:lumMod val="95000"/>
+                <a:lumOff val="5000"/>
               </a:schemeClr>
             </a:solidFill>
-            <a:prstDash val="dash"/>
+            <a:prstDash val="solid"/>
           </a:ln>
           <a:effectLst/>
         </p:spPr>
@@ -3353,25 +3207,21 @@
         </p:nvSpPr>
         <p:spPr>
           <a:xfrm>
-            <a:off x="5249418" y="2475061"/>
+            <a:off x="5258943" y="2389334"/>
             <a:ext cx="1685925" cy="484061"/>
           </a:xfrm>
           <a:prstGeom prst="flowChartAlternateProcess">
             <a:avLst/>
           </a:prstGeom>
-          <a:solidFill>
-            <a:schemeClr val="tx2">
-              <a:lumMod val="20000"/>
-              <a:lumOff val="80000"/>
-            </a:schemeClr>
-          </a:solidFill>
-          <a:ln>
+          <a:noFill/>
+          <a:ln w="12700">
             <a:solidFill>
-              <a:schemeClr val="bg1">
-                <a:lumMod val="50000"/>
+              <a:schemeClr val="tx1">
+                <a:lumMod val="95000"/>
+                <a:lumOff val="5000"/>
               </a:schemeClr>
             </a:solidFill>
-            <a:prstDash val="dash"/>
+            <a:prstDash val="solid"/>
           </a:ln>
           <a:effectLst/>
         </p:spPr>
@@ -3450,25 +3300,21 @@
         </p:nvSpPr>
         <p:spPr>
           <a:xfrm>
-            <a:off x="5249735" y="1700894"/>
+            <a:off x="5259260" y="1615167"/>
             <a:ext cx="1685925" cy="484061"/>
           </a:xfrm>
           <a:prstGeom prst="flowChartAlternateProcess">
             <a:avLst/>
           </a:prstGeom>
-          <a:solidFill>
-            <a:schemeClr val="tx2">
-              <a:lumMod val="20000"/>
-              <a:lumOff val="80000"/>
-            </a:schemeClr>
-          </a:solidFill>
-          <a:ln>
+          <a:noFill/>
+          <a:ln w="12700">
             <a:solidFill>
-              <a:schemeClr val="bg1">
-                <a:lumMod val="50000"/>
+              <a:schemeClr val="tx1">
+                <a:lumMod val="95000"/>
+                <a:lumOff val="5000"/>
               </a:schemeClr>
             </a:solidFill>
-            <a:prstDash val="dash"/>
+            <a:prstDash val="solid"/>
           </a:ln>
           <a:effectLst/>
         </p:spPr>
@@ -3563,20 +3409,21 @@
         </p:nvSpPr>
         <p:spPr>
           <a:xfrm>
-            <a:off x="7693635" y="859811"/>
+            <a:off x="7703160" y="774084"/>
             <a:ext cx="1685925" cy="484061"/>
           </a:xfrm>
           <a:prstGeom prst="flowChartAlternateProcess">
             <a:avLst/>
           </a:prstGeom>
           <a:noFill/>
-          <a:ln>
+          <a:ln w="12700">
             <a:solidFill>
-              <a:schemeClr val="bg1">
-                <a:lumMod val="50000"/>
+              <a:schemeClr val="tx1">
+                <a:lumMod val="95000"/>
+                <a:lumOff val="5000"/>
               </a:schemeClr>
             </a:solidFill>
-            <a:prstDash val="dash"/>
+            <a:prstDash val="solid"/>
           </a:ln>
           <a:effectLst/>
         </p:spPr>
@@ -3687,17 +3534,18 @@
         </p:nvSpPr>
         <p:spPr>
           <a:xfrm>
-            <a:off x="7299048" y="3310859"/>
+            <a:off x="7308573" y="3225132"/>
             <a:ext cx="1685925" cy="484061"/>
           </a:xfrm>
           <a:prstGeom prst="flowChartAlternateProcess">
             <a:avLst/>
           </a:prstGeom>
           <a:noFill/>
-          <a:ln>
+          <a:ln w="12700">
             <a:solidFill>
-              <a:schemeClr val="bg1">
-                <a:lumMod val="50000"/>
+              <a:schemeClr val="tx1">
+                <a:lumMod val="95000"/>
+                <a:lumOff val="5000"/>
               </a:schemeClr>
             </a:solidFill>
             <a:prstDash val="dash"/>
@@ -3806,17 +3654,18 @@
         </p:nvSpPr>
         <p:spPr>
           <a:xfrm>
-            <a:off x="4135138" y="4157515"/>
+            <a:off x="4144663" y="4071788"/>
             <a:ext cx="1685925" cy="733424"/>
           </a:xfrm>
           <a:prstGeom prst="flowChartAlternateProcess">
             <a:avLst/>
           </a:prstGeom>
           <a:noFill/>
-          <a:ln>
+          <a:ln w="12700">
             <a:solidFill>
-              <a:schemeClr val="bg1">
-                <a:lumMod val="50000"/>
+              <a:schemeClr val="tx1">
+                <a:lumMod val="95000"/>
+                <a:lumOff val="5000"/>
               </a:schemeClr>
             </a:solidFill>
             <a:prstDash val="dash"/>
@@ -3933,17 +3782,18 @@
         </p:nvSpPr>
         <p:spPr>
           <a:xfrm>
-            <a:off x="1482492" y="3093388"/>
-            <a:ext cx="1366842" cy="904632"/>
+            <a:off x="1487602" y="3208398"/>
+            <a:ext cx="1366842" cy="484061"/>
           </a:xfrm>
           <a:prstGeom prst="flowChartAlternateProcess">
             <a:avLst/>
           </a:prstGeom>
           <a:noFill/>
-          <a:ln>
+          <a:ln w="12700">
             <a:solidFill>
-              <a:schemeClr val="bg1">
-                <a:lumMod val="50000"/>
+              <a:schemeClr val="tx1">
+                <a:lumMod val="95000"/>
+                <a:lumOff val="5000"/>
               </a:schemeClr>
             </a:solidFill>
             <a:prstDash val="dash"/>
@@ -3988,38 +3838,6 @@
               </a:rPr>
               <a:t>GetFields</a:t>
             </a:r>
-            <a:endParaRPr lang="en-US" sz="900" dirty="0" smtClean="0">
-              <a:solidFill>
-                <a:schemeClr val="tx1"/>
-              </a:solidFill>
-            </a:endParaRPr>
-          </a:p>
-          <a:p>
-            <a:pPr algn="ctr"/>
-            <a:r>
-              <a:rPr lang="en-US" sz="900" dirty="0" err="1" smtClean="0">
-                <a:solidFill>
-                  <a:schemeClr val="tx1"/>
-                </a:solidFill>
-              </a:rPr>
-              <a:t>GetSchema</a:t>
-            </a:r>
-            <a:endParaRPr lang="en-US" sz="900" dirty="0" smtClean="0">
-              <a:solidFill>
-                <a:schemeClr val="tx1"/>
-              </a:solidFill>
-            </a:endParaRPr>
-          </a:p>
-          <a:p>
-            <a:pPr algn="ctr"/>
-            <a:r>
-              <a:rPr lang="en-US" sz="900" dirty="0" err="1" smtClean="0">
-                <a:solidFill>
-                  <a:schemeClr val="tx1"/>
-                </a:solidFill>
-              </a:rPr>
-              <a:t>GetVersion</a:t>
-            </a:r>
             <a:endParaRPr lang="en-US" sz="900" dirty="0">
               <a:solidFill>
                 <a:schemeClr val="tx1"/>
@@ -4036,17 +3854,18 @@
         </p:nvSpPr>
         <p:spPr>
           <a:xfrm>
-            <a:off x="9344261" y="3101660"/>
-            <a:ext cx="1518049" cy="904632"/>
+            <a:off x="9353786" y="3221397"/>
+            <a:ext cx="1518049" cy="484061"/>
           </a:xfrm>
           <a:prstGeom prst="flowChartAlternateProcess">
             <a:avLst/>
           </a:prstGeom>
           <a:noFill/>
-          <a:ln>
+          <a:ln w="12700">
             <a:solidFill>
-              <a:schemeClr val="bg1">
-                <a:lumMod val="50000"/>
+              <a:schemeClr val="tx1">
+                <a:lumMod val="95000"/>
+                <a:lumOff val="5000"/>
               </a:schemeClr>
             </a:solidFill>
             <a:prstDash val="dash"/>
@@ -4091,54 +3910,6 @@
               </a:rPr>
               <a:t>BulkInsert</a:t>
             </a:r>
-            <a:endParaRPr lang="en-US" sz="900" dirty="0" smtClean="0">
-              <a:solidFill>
-                <a:schemeClr val="tx1"/>
-              </a:solidFill>
-            </a:endParaRPr>
-          </a:p>
-          <a:p>
-            <a:pPr algn="ctr"/>
-            <a:r>
-              <a:rPr lang="en-US" sz="900" dirty="0" err="1" smtClean="0">
-                <a:solidFill>
-                  <a:schemeClr val="tx1"/>
-                </a:solidFill>
-              </a:rPr>
-              <a:t>AllowIdentityInsert</a:t>
-            </a:r>
-            <a:endParaRPr lang="en-US" sz="900" dirty="0" smtClean="0">
-              <a:solidFill>
-                <a:schemeClr val="tx1"/>
-              </a:solidFill>
-            </a:endParaRPr>
-          </a:p>
-          <a:p>
-            <a:pPr algn="ctr"/>
-            <a:r>
-              <a:rPr lang="en-US" sz="900" dirty="0" err="1" smtClean="0">
-                <a:solidFill>
-                  <a:schemeClr val="tx1"/>
-                </a:solidFill>
-              </a:rPr>
-              <a:t>DisallowIdentityInsert</a:t>
-            </a:r>
-            <a:endParaRPr lang="en-US" sz="900" dirty="0" smtClean="0">
-              <a:solidFill>
-                <a:schemeClr val="tx1"/>
-              </a:solidFill>
-            </a:endParaRPr>
-          </a:p>
-          <a:p>
-            <a:pPr algn="ctr"/>
-            <a:r>
-              <a:rPr lang="en-US" sz="900" dirty="0" err="1" smtClean="0">
-                <a:solidFill>
-                  <a:schemeClr val="tx1"/>
-                </a:solidFill>
-              </a:rPr>
-              <a:t>EnableBroker</a:t>
-            </a:r>
             <a:endParaRPr lang="en-US" sz="900" dirty="0">
               <a:solidFill>
                 <a:schemeClr val="tx1"/>
@@ -4155,20 +3926,21 @@
         </p:nvSpPr>
         <p:spPr>
           <a:xfrm>
-            <a:off x="2814034" y="885196"/>
+            <a:off x="2823559" y="799469"/>
             <a:ext cx="1685925" cy="484061"/>
           </a:xfrm>
           <a:prstGeom prst="flowChartAlternateProcess">
             <a:avLst/>
           </a:prstGeom>
           <a:noFill/>
-          <a:ln>
+          <a:ln w="12700">
             <a:solidFill>
-              <a:schemeClr val="bg1">
-                <a:lumMod val="50000"/>
+              <a:schemeClr val="tx1">
+                <a:lumMod val="95000"/>
+                <a:lumOff val="5000"/>
               </a:schemeClr>
             </a:solidFill>
-            <a:prstDash val="dash"/>
+            <a:prstDash val="solid"/>
           </a:ln>
           <a:effectLst/>
         </p:spPr>
@@ -4197,7 +3969,7 @@
                   <a:schemeClr val="tx1"/>
                 </a:solidFill>
               </a:rPr>
-              <a:t>IStamentBuilder</a:t>
+              <a:t>IStatementBuilder</a:t>
             </a:r>
             <a:endParaRPr lang="en-US" sz="900" b="1" dirty="0" smtClean="0">
               <a:solidFill>
@@ -4279,20 +4051,21 @@
         </p:nvSpPr>
         <p:spPr>
           <a:xfrm>
-            <a:off x="5249419" y="890056"/>
+            <a:off x="5258944" y="804329"/>
             <a:ext cx="1685925" cy="484061"/>
           </a:xfrm>
           <a:prstGeom prst="flowChartAlternateProcess">
             <a:avLst/>
           </a:prstGeom>
           <a:noFill/>
-          <a:ln>
+          <a:ln w="12700">
             <a:solidFill>
-              <a:schemeClr val="bg1">
-                <a:lumMod val="50000"/>
+              <a:schemeClr val="tx1">
+                <a:lumMod val="95000"/>
+                <a:lumOff val="5000"/>
               </a:schemeClr>
             </a:solidFill>
-            <a:prstDash val="dash"/>
+            <a:prstDash val="solid"/>
           </a:ln>
           <a:effectLst/>
         </p:spPr>
@@ -4403,17 +4176,18 @@
         </p:nvSpPr>
         <p:spPr>
           <a:xfrm>
-            <a:off x="3208622" y="3307124"/>
+            <a:off x="3218147" y="3221397"/>
             <a:ext cx="1685925" cy="484061"/>
           </a:xfrm>
           <a:prstGeom prst="flowChartAlternateProcess">
             <a:avLst/>
           </a:prstGeom>
           <a:noFill/>
-          <a:ln>
+          <a:ln w="12700">
             <a:solidFill>
-              <a:schemeClr val="bg1">
-                <a:lumMod val="50000"/>
+              <a:schemeClr val="tx1">
+                <a:lumMod val="95000"/>
+                <a:lumOff val="5000"/>
               </a:schemeClr>
             </a:solidFill>
             <a:prstDash val="dash"/>
@@ -4527,17 +4301,18 @@
         </p:nvSpPr>
         <p:spPr>
           <a:xfrm>
-            <a:off x="6352992" y="4157515"/>
+            <a:off x="6362517" y="4071788"/>
             <a:ext cx="1685925" cy="733424"/>
           </a:xfrm>
           <a:prstGeom prst="flowChartAlternateProcess">
             <a:avLst/>
           </a:prstGeom>
           <a:noFill/>
-          <a:ln>
+          <a:ln w="12700">
             <a:solidFill>
-              <a:schemeClr val="bg1">
-                <a:lumMod val="50000"/>
+              <a:schemeClr val="tx1">
+                <a:lumMod val="95000"/>
+                <a:lumOff val="5000"/>
               </a:schemeClr>
             </a:solidFill>
             <a:prstDash val="dash"/>
@@ -4654,17 +4429,18 @@
         </p:nvSpPr>
         <p:spPr>
           <a:xfrm>
-            <a:off x="1482492" y="2009881"/>
+            <a:off x="1492017" y="1924154"/>
             <a:ext cx="1685925" cy="484061"/>
           </a:xfrm>
           <a:prstGeom prst="flowChartAlternateProcess">
             <a:avLst/>
           </a:prstGeom>
           <a:noFill/>
-          <a:ln>
+          <a:ln w="12700">
             <a:solidFill>
-              <a:schemeClr val="bg1">
-                <a:lumMod val="50000"/>
+              <a:schemeClr val="tx1">
+                <a:lumMod val="95000"/>
+                <a:lumOff val="5000"/>
               </a:schemeClr>
             </a:solidFill>
             <a:prstDash val="dash"/>
@@ -4765,7 +4541,7 @@
         </p:nvCxnSpPr>
         <p:spPr>
           <a:xfrm>
-            <a:off x="4499959" y="1127227"/>
+            <a:off x="4509484" y="1041500"/>
             <a:ext cx="749776" cy="815698"/>
           </a:xfrm>
           <a:prstGeom prst="bentConnector3">
@@ -4773,10 +4549,11 @@
               <a:gd name="adj1" fmla="val 50000"/>
             </a:avLst>
           </a:prstGeom>
-          <a:ln w="9525">
+          <a:ln w="12700">
             <a:solidFill>
-              <a:schemeClr val="bg1">
-                <a:lumMod val="50000"/>
+              <a:schemeClr val="tx1">
+                <a:lumMod val="95000"/>
+                <a:lumOff val="5000"/>
               </a:schemeClr>
             </a:solidFill>
             <a:prstDash val="dash"/>
@@ -4809,7 +4586,7 @@
         </p:nvCxnSpPr>
         <p:spPr>
           <a:xfrm rot="16200000" flipH="1">
-            <a:off x="5929152" y="1537347"/>
+            <a:off x="5938677" y="1451620"/>
             <a:ext cx="326777" cy="316"/>
           </a:xfrm>
           <a:prstGeom prst="bentConnector3">
@@ -4817,10 +4594,11 @@
               <a:gd name="adj1" fmla="val 50000"/>
             </a:avLst>
           </a:prstGeom>
-          <a:ln w="9525">
+          <a:ln w="12700">
             <a:solidFill>
-              <a:schemeClr val="bg1">
-                <a:lumMod val="50000"/>
+              <a:schemeClr val="tx1">
+                <a:lumMod val="95000"/>
+                <a:lumOff val="5000"/>
               </a:schemeClr>
             </a:solidFill>
             <a:prstDash val="dash"/>
@@ -4853,7 +4631,7 @@
         </p:nvCxnSpPr>
         <p:spPr>
           <a:xfrm rot="10800000" flipV="1">
-            <a:off x="6935661" y="1101841"/>
+            <a:off x="6945186" y="1016114"/>
             <a:ext cx="757975" cy="841083"/>
           </a:xfrm>
           <a:prstGeom prst="bentConnector3">
@@ -4861,10 +4639,11 @@
               <a:gd name="adj1" fmla="val 50000"/>
             </a:avLst>
           </a:prstGeom>
-          <a:ln w="9525">
+          <a:ln w="12700">
             <a:solidFill>
-              <a:schemeClr val="bg1">
-                <a:lumMod val="50000"/>
+              <a:schemeClr val="tx1">
+                <a:lumMod val="95000"/>
+                <a:lumOff val="5000"/>
               </a:schemeClr>
             </a:solidFill>
             <a:prstDash val="dash"/>
@@ -4897,16 +4676,17 @@
         </p:nvCxnSpPr>
         <p:spPr>
           <a:xfrm flipV="1">
-            <a:off x="6935343" y="1343872"/>
+            <a:off x="6944868" y="1258145"/>
             <a:ext cx="1601255" cy="1373220"/>
           </a:xfrm>
           <a:prstGeom prst="bentConnector2">
             <a:avLst/>
           </a:prstGeom>
-          <a:ln w="9525">
+          <a:ln w="12700">
             <a:solidFill>
-              <a:schemeClr val="bg1">
-                <a:lumMod val="50000"/>
+              <a:schemeClr val="tx1">
+                <a:lumMod val="95000"/>
+                <a:lumOff val="5000"/>
               </a:schemeClr>
             </a:solidFill>
             <a:prstDash val="dash"/>
@@ -4939,16 +4719,17 @@
         </p:nvCxnSpPr>
         <p:spPr>
           <a:xfrm rot="16200000" flipH="1">
-            <a:off x="3779290" y="1246963"/>
+            <a:off x="3788815" y="1161236"/>
             <a:ext cx="1347835" cy="1592421"/>
           </a:xfrm>
           <a:prstGeom prst="bentConnector2">
             <a:avLst/>
           </a:prstGeom>
-          <a:ln w="9525">
+          <a:ln w="12700">
             <a:solidFill>
-              <a:schemeClr val="bg1">
-                <a:lumMod val="50000"/>
+              <a:schemeClr val="tx1">
+                <a:lumMod val="95000"/>
+                <a:lumOff val="5000"/>
               </a:schemeClr>
             </a:solidFill>
             <a:prstDash val="dash"/>
@@ -4981,7 +4762,7 @@
         </p:nvCxnSpPr>
         <p:spPr>
           <a:xfrm rot="5400000" flipH="1" flipV="1">
-            <a:off x="5947486" y="2329850"/>
+            <a:off x="5957011" y="2244123"/>
             <a:ext cx="290106" cy="317"/>
           </a:xfrm>
           <a:prstGeom prst="bentConnector3">
@@ -4989,10 +4770,11 @@
               <a:gd name="adj1" fmla="val 50000"/>
             </a:avLst>
           </a:prstGeom>
-          <a:ln w="9525">
+          <a:ln w="12700">
             <a:solidFill>
-              <a:schemeClr val="bg1">
-                <a:lumMod val="50000"/>
+              <a:schemeClr val="tx1">
+                <a:lumMod val="95000"/>
+                <a:lumOff val="5000"/>
               </a:schemeClr>
             </a:solidFill>
             <a:prstDash val="dash"/>
@@ -5025,7 +4807,7 @@
         </p:nvCxnSpPr>
         <p:spPr>
           <a:xfrm rot="16200000" flipV="1">
-            <a:off x="5920588" y="3130915"/>
+            <a:off x="5930113" y="3045188"/>
             <a:ext cx="348004" cy="4417"/>
           </a:xfrm>
           <a:prstGeom prst="bentConnector3">
@@ -5033,10 +4815,11 @@
               <a:gd name="adj1" fmla="val 50000"/>
             </a:avLst>
           </a:prstGeom>
-          <a:ln w="9525">
+          <a:ln w="12700">
             <a:solidFill>
-              <a:schemeClr val="bg1">
-                <a:lumMod val="50000"/>
+              <a:schemeClr val="tx1">
+                <a:lumMod val="95000"/>
+                <a:lumOff val="5000"/>
               </a:schemeClr>
             </a:solidFill>
             <a:prstDash val="dash"/>
@@ -5069,7 +4852,7 @@
         </p:nvCxnSpPr>
         <p:spPr>
           <a:xfrm rot="16200000" flipH="1">
-            <a:off x="2781929" y="2037468"/>
+            <a:off x="2791454" y="1951741"/>
             <a:ext cx="813182" cy="1726130"/>
           </a:xfrm>
           <a:prstGeom prst="bentConnector3">
@@ -5077,10 +4860,11 @@
               <a:gd name="adj1" fmla="val 50000"/>
             </a:avLst>
           </a:prstGeom>
-          <a:ln w="9525">
+          <a:ln w="12700">
             <a:solidFill>
-              <a:schemeClr val="bg1">
-                <a:lumMod val="50000"/>
+              <a:schemeClr val="tx1">
+                <a:lumMod val="95000"/>
+                <a:lumOff val="5000"/>
               </a:schemeClr>
             </a:solidFill>
             <a:prstDash val="dash"/>
@@ -5113,18 +4897,19 @@
         </p:nvCxnSpPr>
         <p:spPr>
           <a:xfrm>
-            <a:off x="2849334" y="3545704"/>
-            <a:ext cx="359288" cy="3451"/>
+            <a:off x="2854444" y="3450429"/>
+            <a:ext cx="363703" cy="12999"/>
           </a:xfrm>
           <a:prstGeom prst="bentConnector3">
             <a:avLst>
               <a:gd name="adj1" fmla="val 50000"/>
             </a:avLst>
           </a:prstGeom>
-          <a:ln w="9525">
+          <a:ln w="12700">
             <a:solidFill>
-              <a:schemeClr val="bg1">
-                <a:lumMod val="50000"/>
+              <a:schemeClr val="tx1">
+                <a:lumMod val="95000"/>
+                <a:lumOff val="5000"/>
               </a:schemeClr>
             </a:solidFill>
             <a:prstDash val="dash"/>
@@ -5156,19 +4941,20 @@
           <p:nvPr/>
         </p:nvCxnSpPr>
         <p:spPr>
-          <a:xfrm>
-            <a:off x="8984973" y="3552890"/>
-            <a:ext cx="359288" cy="1086"/>
+          <a:xfrm flipV="1">
+            <a:off x="8994498" y="3463428"/>
+            <a:ext cx="359288" cy="3735"/>
           </a:xfrm>
           <a:prstGeom prst="bentConnector3">
             <a:avLst>
               <a:gd name="adj1" fmla="val 50000"/>
             </a:avLst>
           </a:prstGeom>
-          <a:ln w="9525">
+          <a:ln w="12700">
             <a:solidFill>
-              <a:schemeClr val="bg1">
-                <a:lumMod val="50000"/>
+              <a:schemeClr val="tx1">
+                <a:lumMod val="95000"/>
+                <a:lumOff val="5000"/>
               </a:schemeClr>
             </a:solidFill>
             <a:prstDash val="dash"/>
@@ -5201,7 +4987,7 @@
         </p:nvCxnSpPr>
         <p:spPr>
           <a:xfrm rot="10800000">
-            <a:off x="4894547" y="3549155"/>
+            <a:off x="4904072" y="3463428"/>
             <a:ext cx="359288" cy="2"/>
           </a:xfrm>
           <a:prstGeom prst="bentConnector3">
@@ -5209,10 +4995,11 @@
               <a:gd name="adj1" fmla="val 50000"/>
             </a:avLst>
           </a:prstGeom>
-          <a:ln w="9525">
+          <a:ln w="12700">
             <a:solidFill>
-              <a:schemeClr val="bg1">
-                <a:lumMod val="50000"/>
+              <a:schemeClr val="tx1">
+                <a:lumMod val="95000"/>
+                <a:lumOff val="5000"/>
               </a:schemeClr>
             </a:solidFill>
             <a:prstDash val="dash"/>
@@ -5245,16 +5032,17 @@
         </p:nvCxnSpPr>
         <p:spPr>
           <a:xfrm rot="5400000">
-            <a:off x="7725811" y="4108026"/>
+            <a:off x="7735336" y="4022299"/>
             <a:ext cx="729307" cy="103094"/>
           </a:xfrm>
           <a:prstGeom prst="bentConnector2">
             <a:avLst/>
           </a:prstGeom>
-          <a:ln w="9525">
+          <a:ln w="12700">
             <a:solidFill>
-              <a:schemeClr val="bg1">
-                <a:lumMod val="50000"/>
+              <a:schemeClr val="tx1">
+                <a:lumMod val="95000"/>
+                <a:lumOff val="5000"/>
               </a:schemeClr>
             </a:solidFill>
             <a:prstDash val="dash"/>
@@ -5287,7 +5075,7 @@
         </p:nvCxnSpPr>
         <p:spPr>
           <a:xfrm rot="16200000" flipV="1">
-            <a:off x="6463213" y="3424772"/>
+            <a:off x="6472738" y="3339045"/>
             <a:ext cx="366328" cy="1099157"/>
           </a:xfrm>
           <a:prstGeom prst="bentConnector3">
@@ -5295,10 +5083,11 @@
               <a:gd name="adj1" fmla="val 50000"/>
             </a:avLst>
           </a:prstGeom>
-          <a:ln w="9525">
+          <a:ln w="12700">
             <a:solidFill>
-              <a:schemeClr val="bg1">
-                <a:lumMod val="50000"/>
+              <a:schemeClr val="tx1">
+                <a:lumMod val="95000"/>
+                <a:lumOff val="5000"/>
               </a:schemeClr>
             </a:solidFill>
             <a:prstDash val="dash"/>
@@ -5331,7 +5120,7 @@
         </p:nvCxnSpPr>
         <p:spPr>
           <a:xfrm rot="5400000" flipH="1" flipV="1">
-            <a:off x="5354285" y="3415003"/>
+            <a:off x="5363810" y="3329276"/>
             <a:ext cx="366328" cy="1118697"/>
           </a:xfrm>
           <a:prstGeom prst="bentConnector3">
@@ -5339,98 +5128,11 @@
               <a:gd name="adj1" fmla="val 50000"/>
             </a:avLst>
           </a:prstGeom>
-          <a:ln w="9525">
+          <a:ln w="12700">
             <a:solidFill>
-              <a:schemeClr val="bg1">
-                <a:lumMod val="50000"/>
-              </a:schemeClr>
-            </a:solidFill>
-            <a:prstDash val="dash"/>
-          </a:ln>
-          <a:effectLst/>
-        </p:spPr>
-        <p:style>
-          <a:lnRef idx="1">
-            <a:schemeClr val="accent1"/>
-          </a:lnRef>
-          <a:fillRef idx="0">
-            <a:schemeClr val="accent1"/>
-          </a:fillRef>
-          <a:effectRef idx="0">
-            <a:schemeClr val="accent1"/>
-          </a:effectRef>
-          <a:fontRef idx="minor">
-            <a:schemeClr val="tx1"/>
-          </a:fontRef>
-        </p:style>
-      </p:cxnSp>
-      <p:cxnSp>
-        <p:nvCxnSpPr>
-          <p:cNvPr id="96" name="Elbow Connector 95"/>
-          <p:cNvCxnSpPr>
-            <a:stCxn id="7" idx="1"/>
-            <a:endCxn id="6" idx="1"/>
-          </p:cNvCxnSpPr>
-          <p:nvPr/>
-        </p:nvCxnSpPr>
-        <p:spPr>
-          <a:xfrm rot="16200000" flipV="1">
-            <a:off x="6093226" y="2940805"/>
-            <a:ext cx="12700" cy="5320832"/>
-          </a:xfrm>
-          <a:prstGeom prst="bentConnector3">
-            <a:avLst>
-              <a:gd name="adj1" fmla="val 2832504"/>
-            </a:avLst>
-          </a:prstGeom>
-          <a:ln w="9525">
-            <a:solidFill>
-              <a:schemeClr val="bg1">
-                <a:lumMod val="50000"/>
-              </a:schemeClr>
-            </a:solidFill>
-            <a:prstDash val="dash"/>
-          </a:ln>
-          <a:effectLst/>
-        </p:spPr>
-        <p:style>
-          <a:lnRef idx="1">
-            <a:schemeClr val="accent1"/>
-          </a:lnRef>
-          <a:fillRef idx="0">
-            <a:schemeClr val="accent1"/>
-          </a:fillRef>
-          <a:effectRef idx="0">
-            <a:schemeClr val="accent1"/>
-          </a:effectRef>
-          <a:fontRef idx="minor">
-            <a:schemeClr val="tx1"/>
-          </a:fontRef>
-        </p:style>
-      </p:cxnSp>
-      <p:cxnSp>
-        <p:nvCxnSpPr>
-          <p:cNvPr id="112" name="Elbow Connector 111"/>
-          <p:cNvCxnSpPr>
-            <a:stCxn id="13" idx="2"/>
-            <a:endCxn id="5" idx="1"/>
-          </p:cNvCxnSpPr>
-          <p:nvPr/>
-        </p:nvCxnSpPr>
-        <p:spPr>
-          <a:xfrm rot="16200000" flipH="1">
-            <a:off x="4735054" y="5133985"/>
-            <a:ext cx="710281" cy="224187"/>
-          </a:xfrm>
-          <a:prstGeom prst="bentConnector3">
-            <a:avLst>
-              <a:gd name="adj1" fmla="val 50000"/>
-            </a:avLst>
-          </a:prstGeom>
-          <a:ln w="9525">
-            <a:solidFill>
-              <a:schemeClr val="bg1">
-                <a:lumMod val="50000"/>
+              <a:schemeClr val="tx1">
+                <a:lumMod val="95000"/>
+                <a:lumOff val="5000"/>
               </a:schemeClr>
             </a:solidFill>
             <a:prstDash val="dash"/>
@@ -5456,25 +5158,24 @@
         <p:nvCxnSpPr>
           <p:cNvPr id="115" name="Elbow Connector 114"/>
           <p:cNvCxnSpPr>
-            <a:stCxn id="4" idx="1"/>
+            <a:stCxn id="4" idx="4"/>
             <a:endCxn id="27" idx="2"/>
           </p:cNvCxnSpPr>
           <p:nvPr/>
         </p:nvCxnSpPr>
         <p:spPr>
-          <a:xfrm rot="5400000" flipH="1" flipV="1">
-            <a:off x="6728720" y="5133987"/>
-            <a:ext cx="710283" cy="224188"/>
+          <a:xfrm flipV="1">
+            <a:off x="6767162" y="4805212"/>
+            <a:ext cx="438318" cy="915878"/>
           </a:xfrm>
-          <a:prstGeom prst="bentConnector3">
-            <a:avLst>
-              <a:gd name="adj1" fmla="val 50000"/>
-            </a:avLst>
+          <a:prstGeom prst="bentConnector2">
+            <a:avLst/>
           </a:prstGeom>
-          <a:ln w="9525">
+          <a:ln w="12700">
             <a:solidFill>
-              <a:schemeClr val="bg1">
-                <a:lumMod val="50000"/>
+              <a:schemeClr val="tx1">
+                <a:lumMod val="95000"/>
+                <a:lumOff val="5000"/>
               </a:schemeClr>
             </a:solidFill>
             <a:prstDash val="dash"/>
@@ -5496,6 +5197,104 @@
           </a:fontRef>
         </p:style>
       </p:cxnSp>
+      <p:cxnSp>
+        <p:nvCxnSpPr>
+          <p:cNvPr id="41" name="Elbow Connector 40"/>
+          <p:cNvCxnSpPr>
+            <a:stCxn id="4" idx="2"/>
+            <a:endCxn id="13" idx="2"/>
+          </p:cNvCxnSpPr>
+          <p:nvPr/>
+        </p:nvCxnSpPr>
+        <p:spPr>
+          <a:xfrm rot="10800000">
+            <a:off x="4987626" y="4805212"/>
+            <a:ext cx="541986" cy="915878"/>
+          </a:xfrm>
+          <a:prstGeom prst="bentConnector2">
+            <a:avLst/>
+          </a:prstGeom>
+          <a:ln w="12700">
+            <a:solidFill>
+              <a:schemeClr val="tx1">
+                <a:lumMod val="95000"/>
+                <a:lumOff val="5000"/>
+              </a:schemeClr>
+            </a:solidFill>
+            <a:prstDash val="dash"/>
+          </a:ln>
+          <a:effectLst/>
+        </p:spPr>
+        <p:style>
+          <a:lnRef idx="1">
+            <a:schemeClr val="accent1"/>
+          </a:lnRef>
+          <a:fillRef idx="0">
+            <a:schemeClr val="accent1"/>
+          </a:fillRef>
+          <a:effectRef idx="0">
+            <a:schemeClr val="accent1"/>
+          </a:effectRef>
+          <a:fontRef idx="minor">
+            <a:schemeClr val="tx1"/>
+          </a:fontRef>
+        </p:style>
+      </p:cxnSp>
+      <p:sp>
+        <p:nvSpPr>
+          <p:cNvPr id="23" name="Rectangle 22"/>
+          <p:cNvSpPr/>
+          <p:nvPr/>
+        </p:nvSpPr>
+        <p:spPr>
+          <a:xfrm>
+            <a:off x="1492016" y="5814670"/>
+            <a:ext cx="2569094" cy="343128"/>
+          </a:xfrm>
+          <a:prstGeom prst="rect">
+            <a:avLst/>
+          </a:prstGeom>
+          <a:noFill/>
+          <a:ln>
+            <a:noFill/>
+          </a:ln>
+        </p:spPr>
+        <p:style>
+          <a:lnRef idx="2">
+            <a:schemeClr val="accent1">
+              <a:shade val="50000"/>
+            </a:schemeClr>
+          </a:lnRef>
+          <a:fillRef idx="1">
+            <a:schemeClr val="accent1"/>
+          </a:fillRef>
+          <a:effectRef idx="0">
+            <a:schemeClr val="accent1"/>
+          </a:effectRef>
+          <a:fontRef idx="minor">
+            <a:schemeClr val="lt1"/>
+          </a:fontRef>
+        </p:style>
+        <p:txBody>
+          <a:bodyPr rtlCol="0" anchor="ctr"/>
+          <a:lstStyle/>
+          <a:p>
+            <a:r>
+              <a:rPr lang="en-US" sz="1400" dirty="0" smtClean="0">
+                <a:solidFill>
+                  <a:schemeClr val="tx1"/>
+                </a:solidFill>
+              </a:rPr>
+              <a:t>RepoDb High-Level Architecture</a:t>
+            </a:r>
+            <a:endParaRPr lang="en-US" sz="1400" dirty="0">
+              <a:solidFill>
+                <a:schemeClr val="tx1"/>
+              </a:solidFill>
+            </a:endParaRPr>
+          </a:p>
+        </p:txBody>
+      </p:sp>
     </p:spTree>
     <p:extLst>
       <p:ext uri="{BB962C8B-B14F-4D97-AF65-F5344CB8AC3E}">

--- a/RepoDb.Wiki/Files/HLA.pptx
+++ b/RepoDb.Wiki/Files/HLA.pptx
@@ -2991,7 +2991,12 @@
           <a:prstGeom prst="rect">
             <a:avLst/>
           </a:prstGeom>
-          <a:ln>
+          <a:ln w="6350">
+            <a:solidFill>
+              <a:schemeClr val="bg1">
+                <a:lumMod val="50000"/>
+              </a:schemeClr>
+            </a:solidFill>
             <a:prstDash val="dash"/>
           </a:ln>
         </p:spPr>
@@ -3032,17 +3037,24 @@
           <a:prstGeom prst="flowChartMagneticDisk">
             <a:avLst/>
           </a:prstGeom>
-          <a:noFill/>
-          <a:ln w="12700">
+          <a:solidFill>
+            <a:schemeClr val="bg1"/>
+          </a:solidFill>
+          <a:ln w="6350">
             <a:solidFill>
-              <a:schemeClr val="tx1">
-                <a:lumMod val="95000"/>
-                <a:lumOff val="5000"/>
+              <a:schemeClr val="bg1">
+                <a:lumMod val="50000"/>
               </a:schemeClr>
             </a:solidFill>
             <a:prstDash val="solid"/>
           </a:ln>
-          <a:effectLst/>
+          <a:effectLst>
+            <a:outerShdw blurRad="50800" dist="38100" dir="5400000" algn="t" rotWithShape="0">
+              <a:prstClr val="black">
+                <a:alpha val="40000"/>
+              </a:prstClr>
+            </a:outerShdw>
+          </a:effectLst>
         </p:spPr>
         <p:style>
           <a:lnRef idx="1">
@@ -3152,17 +3164,24 @@
           <a:prstGeom prst="flowChartAlternateProcess">
             <a:avLst/>
           </a:prstGeom>
-          <a:noFill/>
-          <a:ln w="12700">
+          <a:solidFill>
+            <a:schemeClr val="lt1"/>
+          </a:solidFill>
+          <a:ln w="6350">
             <a:solidFill>
-              <a:schemeClr val="tx1">
-                <a:lumMod val="95000"/>
-                <a:lumOff val="5000"/>
+              <a:schemeClr val="bg1">
+                <a:lumMod val="50000"/>
               </a:schemeClr>
             </a:solidFill>
             <a:prstDash val="solid"/>
           </a:ln>
-          <a:effectLst/>
+          <a:effectLst>
+            <a:outerShdw blurRad="50800" dist="38100" dir="5400000" algn="t" rotWithShape="0">
+              <a:prstClr val="black">
+                <a:alpha val="40000"/>
+              </a:prstClr>
+            </a:outerShdw>
+          </a:effectLst>
         </p:spPr>
         <p:style>
           <a:lnRef idx="0">
@@ -3213,17 +3232,24 @@
           <a:prstGeom prst="flowChartAlternateProcess">
             <a:avLst/>
           </a:prstGeom>
-          <a:noFill/>
-          <a:ln w="12700">
+          <a:solidFill>
+            <a:schemeClr val="lt1"/>
+          </a:solidFill>
+          <a:ln w="6350">
             <a:solidFill>
-              <a:schemeClr val="tx1">
-                <a:lumMod val="95000"/>
-                <a:lumOff val="5000"/>
+              <a:schemeClr val="bg1">
+                <a:lumMod val="50000"/>
               </a:schemeClr>
             </a:solidFill>
             <a:prstDash val="solid"/>
           </a:ln>
-          <a:effectLst/>
+          <a:effectLst>
+            <a:outerShdw blurRad="50800" dist="38100" dir="5400000" algn="t" rotWithShape="0">
+              <a:prstClr val="black">
+                <a:alpha val="40000"/>
+              </a:prstClr>
+            </a:outerShdw>
+          </a:effectLst>
         </p:spPr>
         <p:style>
           <a:lnRef idx="0">
@@ -3306,17 +3332,24 @@
           <a:prstGeom prst="flowChartAlternateProcess">
             <a:avLst/>
           </a:prstGeom>
-          <a:noFill/>
-          <a:ln w="12700">
+          <a:solidFill>
+            <a:schemeClr val="lt1"/>
+          </a:solidFill>
+          <a:ln w="6350">
             <a:solidFill>
-              <a:schemeClr val="tx1">
-                <a:lumMod val="95000"/>
-                <a:lumOff val="5000"/>
+              <a:schemeClr val="bg1">
+                <a:lumMod val="50000"/>
               </a:schemeClr>
             </a:solidFill>
             <a:prstDash val="solid"/>
           </a:ln>
-          <a:effectLst/>
+          <a:effectLst>
+            <a:outerShdw blurRad="50800" dist="38100" dir="5400000" algn="t" rotWithShape="0">
+              <a:prstClr val="black">
+                <a:alpha val="40000"/>
+              </a:prstClr>
+            </a:outerShdw>
+          </a:effectLst>
         </p:spPr>
         <p:style>
           <a:lnRef idx="0">
@@ -3415,17 +3448,24 @@
           <a:prstGeom prst="flowChartAlternateProcess">
             <a:avLst/>
           </a:prstGeom>
-          <a:noFill/>
-          <a:ln w="12700">
+          <a:solidFill>
+            <a:schemeClr val="bg1"/>
+          </a:solidFill>
+          <a:ln w="6350">
             <a:solidFill>
-              <a:schemeClr val="tx1">
-                <a:lumMod val="95000"/>
-                <a:lumOff val="5000"/>
+              <a:schemeClr val="bg1">
+                <a:lumMod val="50000"/>
               </a:schemeClr>
             </a:solidFill>
             <a:prstDash val="solid"/>
           </a:ln>
-          <a:effectLst/>
+          <a:effectLst>
+            <a:outerShdw blurRad="50800" dist="38100" dir="5400000" algn="t" rotWithShape="0">
+              <a:prstClr val="black">
+                <a:alpha val="40000"/>
+              </a:prstClr>
+            </a:outerShdw>
+          </a:effectLst>
         </p:spPr>
         <p:style>
           <a:lnRef idx="0">
@@ -3540,17 +3580,24 @@
           <a:prstGeom prst="flowChartAlternateProcess">
             <a:avLst/>
           </a:prstGeom>
-          <a:noFill/>
-          <a:ln w="12700">
+          <a:solidFill>
+            <a:schemeClr val="bg1"/>
+          </a:solidFill>
+          <a:ln w="6350">
             <a:solidFill>
-              <a:schemeClr val="tx1">
-                <a:lumMod val="95000"/>
-                <a:lumOff val="5000"/>
+              <a:schemeClr val="bg1">
+                <a:lumMod val="50000"/>
               </a:schemeClr>
             </a:solidFill>
-            <a:prstDash val="dash"/>
+            <a:prstDash val="solid"/>
           </a:ln>
-          <a:effectLst/>
+          <a:effectLst>
+            <a:outerShdw blurRad="50800" dist="38100" dir="5400000" algn="t" rotWithShape="0">
+              <a:prstClr val="black">
+                <a:alpha val="40000"/>
+              </a:prstClr>
+            </a:outerShdw>
+          </a:effectLst>
         </p:spPr>
         <p:style>
           <a:lnRef idx="0">
@@ -3661,11 +3708,10 @@
             <a:avLst/>
           </a:prstGeom>
           <a:noFill/>
-          <a:ln w="12700">
+          <a:ln w="6350">
             <a:solidFill>
-              <a:schemeClr val="tx1">
-                <a:lumMod val="95000"/>
-                <a:lumOff val="5000"/>
+              <a:schemeClr val="bg1">
+                <a:lumMod val="50000"/>
               </a:schemeClr>
             </a:solidFill>
             <a:prstDash val="dash"/>
@@ -3789,11 +3835,10 @@
             <a:avLst/>
           </a:prstGeom>
           <a:noFill/>
-          <a:ln w="12700">
+          <a:ln w="6350">
             <a:solidFill>
-              <a:schemeClr val="tx1">
-                <a:lumMod val="95000"/>
-                <a:lumOff val="5000"/>
+              <a:schemeClr val="bg1">
+                <a:lumMod val="50000"/>
               </a:schemeClr>
             </a:solidFill>
             <a:prstDash val="dash"/>
@@ -3861,11 +3906,10 @@
             <a:avLst/>
           </a:prstGeom>
           <a:noFill/>
-          <a:ln w="12700">
+          <a:ln w="6350">
             <a:solidFill>
-              <a:schemeClr val="tx1">
-                <a:lumMod val="95000"/>
-                <a:lumOff val="5000"/>
+              <a:schemeClr val="bg1">
+                <a:lumMod val="50000"/>
               </a:schemeClr>
             </a:solidFill>
             <a:prstDash val="dash"/>
@@ -3932,17 +3976,24 @@
           <a:prstGeom prst="flowChartAlternateProcess">
             <a:avLst/>
           </a:prstGeom>
-          <a:noFill/>
-          <a:ln w="12700">
+          <a:solidFill>
+            <a:schemeClr val="bg1"/>
+          </a:solidFill>
+          <a:ln w="6350">
             <a:solidFill>
-              <a:schemeClr val="tx1">
-                <a:lumMod val="95000"/>
-                <a:lumOff val="5000"/>
+              <a:schemeClr val="bg1">
+                <a:lumMod val="50000"/>
               </a:schemeClr>
             </a:solidFill>
             <a:prstDash val="solid"/>
           </a:ln>
-          <a:effectLst/>
+          <a:effectLst>
+            <a:outerShdw blurRad="50800" dist="38100" dir="5400000" algn="t" rotWithShape="0">
+              <a:prstClr val="black">
+                <a:alpha val="40000"/>
+              </a:prstClr>
+            </a:outerShdw>
+          </a:effectLst>
         </p:spPr>
         <p:style>
           <a:lnRef idx="0">
@@ -4057,17 +4108,24 @@
           <a:prstGeom prst="flowChartAlternateProcess">
             <a:avLst/>
           </a:prstGeom>
-          <a:noFill/>
-          <a:ln w="12700">
+          <a:solidFill>
+            <a:schemeClr val="lt1"/>
+          </a:solidFill>
+          <a:ln w="6350">
             <a:solidFill>
-              <a:schemeClr val="tx1">
-                <a:lumMod val="95000"/>
-                <a:lumOff val="5000"/>
+              <a:schemeClr val="bg1">
+                <a:lumMod val="50000"/>
               </a:schemeClr>
             </a:solidFill>
             <a:prstDash val="solid"/>
           </a:ln>
-          <a:effectLst/>
+          <a:effectLst>
+            <a:outerShdw blurRad="50800" dist="38100" dir="5400000" algn="t" rotWithShape="0">
+              <a:prstClr val="black">
+                <a:alpha val="40000"/>
+              </a:prstClr>
+            </a:outerShdw>
+          </a:effectLst>
         </p:spPr>
         <p:style>
           <a:lnRef idx="0">
@@ -4182,17 +4240,24 @@
           <a:prstGeom prst="flowChartAlternateProcess">
             <a:avLst/>
           </a:prstGeom>
-          <a:noFill/>
-          <a:ln w="12700">
+          <a:solidFill>
+            <a:schemeClr val="bg1"/>
+          </a:solidFill>
+          <a:ln w="6350">
             <a:solidFill>
-              <a:schemeClr val="tx1">
-                <a:lumMod val="95000"/>
-                <a:lumOff val="5000"/>
+              <a:schemeClr val="bg1">
+                <a:lumMod val="50000"/>
               </a:schemeClr>
             </a:solidFill>
-            <a:prstDash val="dash"/>
+            <a:prstDash val="solid"/>
           </a:ln>
-          <a:effectLst/>
+          <a:effectLst>
+            <a:outerShdw blurRad="50800" dist="38100" dir="5400000" algn="t" rotWithShape="0">
+              <a:prstClr val="black">
+                <a:alpha val="40000"/>
+              </a:prstClr>
+            </a:outerShdw>
+          </a:effectLst>
         </p:spPr>
         <p:style>
           <a:lnRef idx="0">
@@ -4308,11 +4373,10 @@
             <a:avLst/>
           </a:prstGeom>
           <a:noFill/>
-          <a:ln w="12700">
+          <a:ln w="6350">
             <a:solidFill>
-              <a:schemeClr val="tx1">
-                <a:lumMod val="95000"/>
-                <a:lumOff val="5000"/>
+              <a:schemeClr val="bg1">
+                <a:lumMod val="50000"/>
               </a:schemeClr>
             </a:solidFill>
             <a:prstDash val="dash"/>
@@ -4436,11 +4500,10 @@
             <a:avLst/>
           </a:prstGeom>
           <a:noFill/>
-          <a:ln w="12700">
+          <a:ln w="6350">
             <a:solidFill>
-              <a:schemeClr val="tx1">
-                <a:lumMod val="95000"/>
-                <a:lumOff val="5000"/>
+              <a:schemeClr val="bg1">
+                <a:lumMod val="50000"/>
               </a:schemeClr>
             </a:solidFill>
             <a:prstDash val="dash"/>
@@ -4549,11 +4612,10 @@
               <a:gd name="adj1" fmla="val 50000"/>
             </a:avLst>
           </a:prstGeom>
-          <a:ln w="12700">
+          <a:ln w="6350">
             <a:solidFill>
-              <a:schemeClr val="tx1">
-                <a:lumMod val="95000"/>
-                <a:lumOff val="5000"/>
+              <a:schemeClr val="bg1">
+                <a:lumMod val="50000"/>
               </a:schemeClr>
             </a:solidFill>
             <a:prstDash val="dash"/>
@@ -4594,11 +4656,10 @@
               <a:gd name="adj1" fmla="val 50000"/>
             </a:avLst>
           </a:prstGeom>
-          <a:ln w="12700">
+          <a:ln w="6350">
             <a:solidFill>
-              <a:schemeClr val="tx1">
-                <a:lumMod val="95000"/>
-                <a:lumOff val="5000"/>
+              <a:schemeClr val="bg1">
+                <a:lumMod val="50000"/>
               </a:schemeClr>
             </a:solidFill>
             <a:prstDash val="dash"/>
@@ -4639,11 +4700,10 @@
               <a:gd name="adj1" fmla="val 50000"/>
             </a:avLst>
           </a:prstGeom>
-          <a:ln w="12700">
+          <a:ln w="6350">
             <a:solidFill>
-              <a:schemeClr val="tx1">
-                <a:lumMod val="95000"/>
-                <a:lumOff val="5000"/>
+              <a:schemeClr val="bg1">
+                <a:lumMod val="50000"/>
               </a:schemeClr>
             </a:solidFill>
             <a:prstDash val="dash"/>
@@ -4682,11 +4742,10 @@
           <a:prstGeom prst="bentConnector2">
             <a:avLst/>
           </a:prstGeom>
-          <a:ln w="12700">
+          <a:ln w="6350">
             <a:solidFill>
-              <a:schemeClr val="tx1">
-                <a:lumMod val="95000"/>
-                <a:lumOff val="5000"/>
+              <a:schemeClr val="bg1">
+                <a:lumMod val="50000"/>
               </a:schemeClr>
             </a:solidFill>
             <a:prstDash val="dash"/>
@@ -4725,11 +4784,10 @@
           <a:prstGeom prst="bentConnector2">
             <a:avLst/>
           </a:prstGeom>
-          <a:ln w="12700">
+          <a:ln w="6350">
             <a:solidFill>
-              <a:schemeClr val="tx1">
-                <a:lumMod val="95000"/>
-                <a:lumOff val="5000"/>
+              <a:schemeClr val="bg1">
+                <a:lumMod val="50000"/>
               </a:schemeClr>
             </a:solidFill>
             <a:prstDash val="dash"/>
@@ -4770,11 +4828,10 @@
               <a:gd name="adj1" fmla="val 50000"/>
             </a:avLst>
           </a:prstGeom>
-          <a:ln w="12700">
+          <a:ln w="6350">
             <a:solidFill>
-              <a:schemeClr val="tx1">
-                <a:lumMod val="95000"/>
-                <a:lumOff val="5000"/>
+              <a:schemeClr val="bg1">
+                <a:lumMod val="50000"/>
               </a:schemeClr>
             </a:solidFill>
             <a:prstDash val="dash"/>
@@ -4815,11 +4872,10 @@
               <a:gd name="adj1" fmla="val 50000"/>
             </a:avLst>
           </a:prstGeom>
-          <a:ln w="12700">
+          <a:ln w="6350">
             <a:solidFill>
-              <a:schemeClr val="tx1">
-                <a:lumMod val="95000"/>
-                <a:lumOff val="5000"/>
+              <a:schemeClr val="bg1">
+                <a:lumMod val="50000"/>
               </a:schemeClr>
             </a:solidFill>
             <a:prstDash val="dash"/>
@@ -4860,11 +4916,10 @@
               <a:gd name="adj1" fmla="val 50000"/>
             </a:avLst>
           </a:prstGeom>
-          <a:ln w="12700">
+          <a:ln w="6350">
             <a:solidFill>
-              <a:schemeClr val="tx1">
-                <a:lumMod val="95000"/>
-                <a:lumOff val="5000"/>
+              <a:schemeClr val="bg1">
+                <a:lumMod val="50000"/>
               </a:schemeClr>
             </a:solidFill>
             <a:prstDash val="dash"/>
@@ -4905,11 +4960,10 @@
               <a:gd name="adj1" fmla="val 50000"/>
             </a:avLst>
           </a:prstGeom>
-          <a:ln w="12700">
+          <a:ln w="6350">
             <a:solidFill>
-              <a:schemeClr val="tx1">
-                <a:lumMod val="95000"/>
-                <a:lumOff val="5000"/>
+              <a:schemeClr val="bg1">
+                <a:lumMod val="50000"/>
               </a:schemeClr>
             </a:solidFill>
             <a:prstDash val="dash"/>
@@ -4950,11 +5004,10 @@
               <a:gd name="adj1" fmla="val 50000"/>
             </a:avLst>
           </a:prstGeom>
-          <a:ln w="12700">
+          <a:ln w="6350">
             <a:solidFill>
-              <a:schemeClr val="tx1">
-                <a:lumMod val="95000"/>
-                <a:lumOff val="5000"/>
+              <a:schemeClr val="bg1">
+                <a:lumMod val="50000"/>
               </a:schemeClr>
             </a:solidFill>
             <a:prstDash val="dash"/>
@@ -4995,11 +5048,10 @@
               <a:gd name="adj1" fmla="val 50000"/>
             </a:avLst>
           </a:prstGeom>
-          <a:ln w="12700">
+          <a:ln w="6350">
             <a:solidFill>
-              <a:schemeClr val="tx1">
-                <a:lumMod val="95000"/>
-                <a:lumOff val="5000"/>
+              <a:schemeClr val="bg1">
+                <a:lumMod val="50000"/>
               </a:schemeClr>
             </a:solidFill>
             <a:prstDash val="dash"/>
@@ -5038,11 +5090,10 @@
           <a:prstGeom prst="bentConnector2">
             <a:avLst/>
           </a:prstGeom>
-          <a:ln w="12700">
+          <a:ln w="6350">
             <a:solidFill>
-              <a:schemeClr val="tx1">
-                <a:lumMod val="95000"/>
-                <a:lumOff val="5000"/>
+              <a:schemeClr val="bg1">
+                <a:lumMod val="50000"/>
               </a:schemeClr>
             </a:solidFill>
             <a:prstDash val="dash"/>
@@ -5083,11 +5134,10 @@
               <a:gd name="adj1" fmla="val 50000"/>
             </a:avLst>
           </a:prstGeom>
-          <a:ln w="12700">
+          <a:ln w="6350">
             <a:solidFill>
-              <a:schemeClr val="tx1">
-                <a:lumMod val="95000"/>
-                <a:lumOff val="5000"/>
+              <a:schemeClr val="bg1">
+                <a:lumMod val="50000"/>
               </a:schemeClr>
             </a:solidFill>
             <a:prstDash val="dash"/>
@@ -5128,11 +5178,10 @@
               <a:gd name="adj1" fmla="val 50000"/>
             </a:avLst>
           </a:prstGeom>
-          <a:ln w="12700">
+          <a:ln w="6350">
             <a:solidFill>
-              <a:schemeClr val="tx1">
-                <a:lumMod val="95000"/>
-                <a:lumOff val="5000"/>
+              <a:schemeClr val="bg1">
+                <a:lumMod val="50000"/>
               </a:schemeClr>
             </a:solidFill>
             <a:prstDash val="dash"/>
@@ -5171,11 +5220,10 @@
           <a:prstGeom prst="bentConnector2">
             <a:avLst/>
           </a:prstGeom>
-          <a:ln w="12700">
+          <a:ln w="6350">
             <a:solidFill>
-              <a:schemeClr val="tx1">
-                <a:lumMod val="95000"/>
-                <a:lumOff val="5000"/>
+              <a:schemeClr val="bg1">
+                <a:lumMod val="50000"/>
               </a:schemeClr>
             </a:solidFill>
             <a:prstDash val="dash"/>
@@ -5214,11 +5262,10 @@
           <a:prstGeom prst="bentConnector2">
             <a:avLst/>
           </a:prstGeom>
-          <a:ln w="12700">
+          <a:ln w="6350">
             <a:solidFill>
-              <a:schemeClr val="tx1">
-                <a:lumMod val="95000"/>
-                <a:lumOff val="5000"/>
+              <a:schemeClr val="bg1">
+                <a:lumMod val="50000"/>
               </a:schemeClr>
             </a:solidFill>
             <a:prstDash val="dash"/>
@@ -5255,7 +5302,7 @@
             <a:avLst/>
           </a:prstGeom>
           <a:noFill/>
-          <a:ln>
+          <a:ln w="6350">
             <a:noFill/>
           </a:ln>
         </p:spPr>

--- a/RepoDb.Wiki/Files/HLA.pptx
+++ b/RepoDb.Wiki/Files/HLA.pptx
@@ -2979,95 +2979,34 @@
       </p:grpSpPr>
       <p:sp>
         <p:nvSpPr>
-          <p:cNvPr id="2" name="Rectangle 1"/>
-          <p:cNvSpPr/>
-          <p:nvPr/>
-        </p:nvSpPr>
-        <p:spPr>
-          <a:xfrm>
-            <a:off x="1247775" y="571498"/>
-            <a:ext cx="9839325" cy="5757863"/>
-          </a:xfrm>
-          <a:prstGeom prst="rect">
-            <a:avLst/>
-          </a:prstGeom>
-          <a:ln w="6350">
-            <a:solidFill>
-              <a:schemeClr val="bg1">
-                <a:lumMod val="50000"/>
-              </a:schemeClr>
-            </a:solidFill>
-            <a:prstDash val="dash"/>
-          </a:ln>
-        </p:spPr>
-        <p:style>
-          <a:lnRef idx="2">
-            <a:schemeClr val="dk1"/>
-          </a:lnRef>
-          <a:fillRef idx="1">
-            <a:schemeClr val="lt1"/>
-          </a:fillRef>
-          <a:effectRef idx="0">
-            <a:schemeClr val="dk1"/>
-          </a:effectRef>
-          <a:fontRef idx="minor">
-            <a:schemeClr val="dk1"/>
-          </a:fontRef>
-        </p:style>
-        <p:txBody>
-          <a:bodyPr rtlCol="0" anchor="ctr"/>
-          <a:lstStyle/>
-          <a:p>
-            <a:pPr algn="ctr"/>
-            <a:endParaRPr lang="en-US"/>
-          </a:p>
-        </p:txBody>
-      </p:sp>
-      <p:sp>
-        <p:nvSpPr>
           <p:cNvPr id="4" name="Flowchart: Magnetic Disk 3"/>
           <p:cNvSpPr/>
           <p:nvPr/>
         </p:nvSpPr>
         <p:spPr>
           <a:xfrm>
-            <a:off x="5529612" y="5283920"/>
-            <a:ext cx="1237550" cy="874340"/>
+            <a:off x="5258943" y="5283920"/>
+            <a:ext cx="1685925" cy="874340"/>
           </a:xfrm>
           <a:prstGeom prst="flowChartMagneticDisk">
             <a:avLst/>
           </a:prstGeom>
-          <a:solidFill>
-            <a:schemeClr val="bg1"/>
-          </a:solidFill>
-          <a:ln w="6350">
-            <a:solidFill>
-              <a:schemeClr val="bg1">
-                <a:lumMod val="50000"/>
-              </a:schemeClr>
-            </a:solidFill>
-            <a:prstDash val="solid"/>
-          </a:ln>
-          <a:effectLst>
-            <a:outerShdw blurRad="50800" dist="38100" dir="5400000" algn="t" rotWithShape="0">
-              <a:prstClr val="black">
-                <a:alpha val="40000"/>
-              </a:prstClr>
-            </a:outerShdw>
-          </a:effectLst>
+          <a:ln/>
         </p:spPr>
         <p:style>
-          <a:lnRef idx="1">
-            <a:schemeClr val="accent1"/>
+          <a:lnRef idx="2">
+            <a:schemeClr val="accent1">
+              <a:shade val="50000"/>
+            </a:schemeClr>
           </a:lnRef>
-          <a:fillRef idx="2">
+          <a:fillRef idx="1">
             <a:schemeClr val="accent1"/>
           </a:fillRef>
-          <a:effectRef idx="1">
+          <a:effectRef idx="0">
             <a:schemeClr val="accent1"/>
           </a:effectRef>
           <a:fontRef idx="minor">
-            <a:schemeClr val="dk1"/>
+            <a:schemeClr val="lt1"/>
           </a:fontRef>
         </p:style>
         <p:txBody>
@@ -3076,9 +3015,9 @@
           <a:p>
             <a:pPr algn="ctr"/>
             <a:r>
-              <a:rPr lang="en-US" sz="900" b="1" dirty="0" smtClean="0">
-                <a:solidFill>
-                  <a:schemeClr val="tx1"/>
+              <a:rPr lang="en-US" sz="1000" b="1" dirty="0" smtClean="0">
+                <a:solidFill>
+                  <a:schemeClr val="bg1"/>
                 </a:solidFill>
               </a:rPr>
               <a:t>Database</a:t>
@@ -3087,64 +3026,64 @@
           <a:p>
             <a:pPr algn="ctr"/>
             <a:r>
-              <a:rPr lang="en-US" sz="900" b="1" dirty="0" smtClean="0">
-                <a:solidFill>
-                  <a:schemeClr val="tx1"/>
+              <a:rPr lang="en-US" sz="1000" b="1" dirty="0" smtClean="0">
+                <a:solidFill>
+                  <a:schemeClr val="bg1"/>
                 </a:solidFill>
               </a:rPr>
               <a:t>(</a:t>
             </a:r>
             <a:r>
-              <a:rPr lang="en-US" sz="900" b="1" dirty="0" err="1" smtClean="0">
-                <a:solidFill>
-                  <a:schemeClr val="tx1"/>
+              <a:rPr lang="en-US" sz="1000" b="1" dirty="0" err="1" smtClean="0">
+                <a:solidFill>
+                  <a:schemeClr val="bg1"/>
                 </a:solidFill>
               </a:rPr>
               <a:t>Sql</a:t>
             </a:r>
             <a:r>
-              <a:rPr lang="en-US" sz="900" b="1" dirty="0" smtClean="0">
-                <a:solidFill>
-                  <a:schemeClr val="tx1"/>
+              <a:rPr lang="en-US" sz="1000" b="1" dirty="0" smtClean="0">
+                <a:solidFill>
+                  <a:schemeClr val="bg1"/>
                 </a:solidFill>
               </a:rPr>
               <a:t>, Oracle, </a:t>
             </a:r>
             <a:r>
-              <a:rPr lang="en-US" sz="900" b="1" dirty="0" err="1" smtClean="0">
-                <a:solidFill>
-                  <a:schemeClr val="tx1"/>
+              <a:rPr lang="en-US" sz="1000" b="1" dirty="0" err="1" smtClean="0">
+                <a:solidFill>
+                  <a:schemeClr val="bg1"/>
                 </a:solidFill>
               </a:rPr>
               <a:t>MySql</a:t>
             </a:r>
             <a:r>
-              <a:rPr lang="en-US" sz="900" b="1" dirty="0" smtClean="0">
-                <a:solidFill>
-                  <a:schemeClr val="tx1"/>
+              <a:rPr lang="en-US" sz="1000" b="1" dirty="0" smtClean="0">
+                <a:solidFill>
+                  <a:schemeClr val="bg1"/>
                 </a:solidFill>
               </a:rPr>
               <a:t>, </a:t>
             </a:r>
             <a:r>
-              <a:rPr lang="en-US" sz="900" b="1" dirty="0" err="1" smtClean="0">
-                <a:solidFill>
-                  <a:schemeClr val="tx1"/>
+              <a:rPr lang="en-US" sz="1000" b="1" dirty="0" err="1" smtClean="0">
+                <a:solidFill>
+                  <a:schemeClr val="bg1"/>
                 </a:solidFill>
               </a:rPr>
               <a:t>etc</a:t>
             </a:r>
             <a:r>
-              <a:rPr lang="en-US" sz="900" b="1" dirty="0" smtClean="0">
-                <a:solidFill>
-                  <a:schemeClr val="tx1"/>
+              <a:rPr lang="en-US" sz="1000" b="1" dirty="0" smtClean="0">
+                <a:solidFill>
+                  <a:schemeClr val="bg1"/>
                 </a:solidFill>
               </a:rPr>
               <a:t>)</a:t>
             </a:r>
-            <a:endParaRPr lang="en-US" sz="900" b="1" dirty="0">
+            <a:endParaRPr lang="en-US" sz="1000" b="1" dirty="0">
               <a:solidFill>
-                <a:schemeClr val="tx1"/>
+                <a:schemeClr val="bg1"/>
               </a:solidFill>
             </a:endParaRPr>
           </a:p>
@@ -3164,34 +3103,19 @@
           <a:prstGeom prst="flowChartAlternateProcess">
             <a:avLst/>
           </a:prstGeom>
-          <a:solidFill>
-            <a:schemeClr val="lt1"/>
-          </a:solidFill>
-          <a:ln w="6350">
-            <a:solidFill>
-              <a:schemeClr val="bg1">
-                <a:lumMod val="50000"/>
-              </a:schemeClr>
-            </a:solidFill>
-            <a:prstDash val="solid"/>
-          </a:ln>
-          <a:effectLst>
-            <a:outerShdw blurRad="50800" dist="38100" dir="5400000" algn="t" rotWithShape="0">
-              <a:prstClr val="black">
-                <a:alpha val="40000"/>
-              </a:prstClr>
-            </a:outerShdw>
-          </a:effectLst>
+          <a:ln/>
         </p:spPr>
         <p:style>
-          <a:lnRef idx="0">
-            <a:schemeClr val="accent5"/>
+          <a:lnRef idx="2">
+            <a:schemeClr val="accent6">
+              <a:shade val="50000"/>
+            </a:schemeClr>
           </a:lnRef>
-          <a:fillRef idx="3">
-            <a:schemeClr val="accent5"/>
+          <a:fillRef idx="1">
+            <a:schemeClr val="accent6"/>
           </a:fillRef>
-          <a:effectRef idx="3">
-            <a:schemeClr val="accent5"/>
+          <a:effectRef idx="0">
+            <a:schemeClr val="accent6"/>
           </a:effectRef>
           <a:fontRef idx="minor">
             <a:schemeClr val="lt1"/>
@@ -3203,16 +3127,16 @@
           <a:p>
             <a:pPr algn="ctr"/>
             <a:r>
-              <a:rPr lang="en-US" sz="900" b="1" dirty="0" err="1" smtClean="0">
-                <a:solidFill>
-                  <a:schemeClr val="tx1"/>
+              <a:rPr lang="en-US" sz="1050" b="1" dirty="0" err="1" smtClean="0">
+                <a:solidFill>
+                  <a:schemeClr val="bg1"/>
                 </a:solidFill>
               </a:rPr>
               <a:t>IDbConnection</a:t>
             </a:r>
-            <a:endParaRPr lang="en-US" sz="900" b="1" dirty="0">
+            <a:endParaRPr lang="en-US" sz="1050" b="1" dirty="0">
               <a:solidFill>
-                <a:schemeClr val="tx1"/>
+                <a:schemeClr val="bg1"/>
               </a:solidFill>
             </a:endParaRPr>
           </a:p>
@@ -3232,34 +3156,19 @@
           <a:prstGeom prst="flowChartAlternateProcess">
             <a:avLst/>
           </a:prstGeom>
-          <a:solidFill>
-            <a:schemeClr val="lt1"/>
-          </a:solidFill>
-          <a:ln w="6350">
-            <a:solidFill>
-              <a:schemeClr val="bg1">
-                <a:lumMod val="50000"/>
-              </a:schemeClr>
-            </a:solidFill>
-            <a:prstDash val="solid"/>
-          </a:ln>
-          <a:effectLst>
-            <a:outerShdw blurRad="50800" dist="38100" dir="5400000" algn="t" rotWithShape="0">
-              <a:prstClr val="black">
-                <a:alpha val="40000"/>
-              </a:prstClr>
-            </a:outerShdw>
-          </a:effectLst>
+          <a:ln/>
         </p:spPr>
         <p:style>
-          <a:lnRef idx="0">
-            <a:schemeClr val="accent5"/>
+          <a:lnRef idx="2">
+            <a:schemeClr val="accent6">
+              <a:shade val="50000"/>
+            </a:schemeClr>
           </a:lnRef>
-          <a:fillRef idx="3">
-            <a:schemeClr val="accent5"/>
+          <a:fillRef idx="1">
+            <a:schemeClr val="accent6"/>
           </a:fillRef>
-          <a:effectRef idx="3">
-            <a:schemeClr val="accent5"/>
+          <a:effectRef idx="0">
+            <a:schemeClr val="accent6"/>
           </a:effectRef>
           <a:fontRef idx="minor">
             <a:schemeClr val="lt1"/>
@@ -3271,48 +3180,48 @@
           <a:p>
             <a:pPr algn="ctr"/>
             <a:r>
-              <a:rPr lang="en-US" sz="900" b="1" dirty="0" err="1" smtClean="0">
-                <a:solidFill>
-                  <a:schemeClr val="tx1"/>
+              <a:rPr lang="en-US" sz="1050" b="1" dirty="0" err="1" smtClean="0">
+                <a:solidFill>
+                  <a:schemeClr val="bg1"/>
                 </a:solidFill>
               </a:rPr>
               <a:t>DbRepository</a:t>
             </a:r>
-            <a:endParaRPr lang="en-US" sz="900" b="1" dirty="0">
+            <a:endParaRPr lang="en-US" sz="1050" b="1" dirty="0">
               <a:solidFill>
-                <a:schemeClr val="tx1"/>
+                <a:schemeClr val="bg1"/>
               </a:solidFill>
             </a:endParaRPr>
           </a:p>
           <a:p>
             <a:pPr algn="ctr"/>
             <a:r>
-              <a:rPr lang="en-US" sz="900" dirty="0" smtClean="0">
-                <a:solidFill>
-                  <a:schemeClr val="tx1"/>
+              <a:rPr lang="en-US" sz="1050" dirty="0" smtClean="0">
+                <a:solidFill>
+                  <a:schemeClr val="bg1"/>
                 </a:solidFill>
               </a:rPr>
               <a:t>&lt;</a:t>
             </a:r>
             <a:r>
-              <a:rPr lang="en-US" sz="900" dirty="0" err="1" smtClean="0">
-                <a:solidFill>
-                  <a:schemeClr val="tx1"/>
+              <a:rPr lang="en-US" sz="1050" dirty="0" err="1" smtClean="0">
+                <a:solidFill>
+                  <a:schemeClr val="bg1"/>
                 </a:solidFill>
               </a:rPr>
               <a:t>TDbConnection</a:t>
             </a:r>
             <a:r>
-              <a:rPr lang="en-US" sz="900" dirty="0" smtClean="0">
-                <a:solidFill>
-                  <a:schemeClr val="tx1"/>
+              <a:rPr lang="en-US" sz="1050" dirty="0" smtClean="0">
+                <a:solidFill>
+                  <a:schemeClr val="bg1"/>
                 </a:solidFill>
               </a:rPr>
               <a:t>&gt;</a:t>
             </a:r>
-            <a:endParaRPr lang="en-US" sz="900" dirty="0">
+            <a:endParaRPr lang="en-US" sz="1050" dirty="0">
               <a:solidFill>
-                <a:schemeClr val="tx1"/>
+                <a:schemeClr val="bg1"/>
               </a:solidFill>
             </a:endParaRPr>
           </a:p>
@@ -3332,34 +3241,19 @@
           <a:prstGeom prst="flowChartAlternateProcess">
             <a:avLst/>
           </a:prstGeom>
-          <a:solidFill>
-            <a:schemeClr val="lt1"/>
-          </a:solidFill>
-          <a:ln w="6350">
-            <a:solidFill>
-              <a:schemeClr val="bg1">
-                <a:lumMod val="50000"/>
-              </a:schemeClr>
-            </a:solidFill>
-            <a:prstDash val="solid"/>
-          </a:ln>
-          <a:effectLst>
-            <a:outerShdw blurRad="50800" dist="38100" dir="5400000" algn="t" rotWithShape="0">
-              <a:prstClr val="black">
-                <a:alpha val="40000"/>
-              </a:prstClr>
-            </a:outerShdw>
-          </a:effectLst>
+          <a:ln/>
         </p:spPr>
         <p:style>
-          <a:lnRef idx="0">
-            <a:schemeClr val="accent5"/>
+          <a:lnRef idx="2">
+            <a:schemeClr val="accent6">
+              <a:shade val="50000"/>
+            </a:schemeClr>
           </a:lnRef>
-          <a:fillRef idx="3">
-            <a:schemeClr val="accent5"/>
+          <a:fillRef idx="1">
+            <a:schemeClr val="accent6"/>
           </a:fillRef>
-          <a:effectRef idx="3">
-            <a:schemeClr val="accent5"/>
+          <a:effectRef idx="0">
+            <a:schemeClr val="accent6"/>
           </a:effectRef>
           <a:fontRef idx="minor">
             <a:schemeClr val="lt1"/>
@@ -3371,64 +3265,64 @@
           <a:p>
             <a:pPr algn="ctr"/>
             <a:r>
-              <a:rPr lang="en-US" sz="900" b="1" dirty="0" err="1" smtClean="0">
-                <a:solidFill>
-                  <a:schemeClr val="tx1"/>
+              <a:rPr lang="en-US" sz="1050" b="1" dirty="0" err="1" smtClean="0">
+                <a:solidFill>
+                  <a:schemeClr val="bg1"/>
                 </a:solidFill>
               </a:rPr>
               <a:t>BaseRepository</a:t>
             </a:r>
-            <a:endParaRPr lang="en-US" sz="900" b="1" dirty="0">
+            <a:endParaRPr lang="en-US" sz="1050" b="1" dirty="0">
               <a:solidFill>
-                <a:schemeClr val="tx1"/>
+                <a:schemeClr val="bg1"/>
               </a:solidFill>
             </a:endParaRPr>
           </a:p>
           <a:p>
             <a:pPr algn="ctr"/>
             <a:r>
-              <a:rPr lang="en-US" sz="900" dirty="0" smtClean="0">
-                <a:solidFill>
-                  <a:schemeClr val="tx1"/>
+              <a:rPr lang="en-US" sz="1050" dirty="0" smtClean="0">
+                <a:solidFill>
+                  <a:schemeClr val="bg1"/>
                 </a:solidFill>
               </a:rPr>
               <a:t>&lt;</a:t>
             </a:r>
             <a:r>
-              <a:rPr lang="en-US" sz="900" dirty="0" err="1" smtClean="0">
-                <a:solidFill>
-                  <a:schemeClr val="tx1"/>
+              <a:rPr lang="en-US" sz="1050" dirty="0" err="1" smtClean="0">
+                <a:solidFill>
+                  <a:schemeClr val="bg1"/>
                 </a:solidFill>
               </a:rPr>
               <a:t>TEntity</a:t>
             </a:r>
             <a:r>
-              <a:rPr lang="en-US" sz="900" dirty="0" smtClean="0">
-                <a:solidFill>
-                  <a:schemeClr val="tx1"/>
+              <a:rPr lang="en-US" sz="1050" dirty="0" smtClean="0">
+                <a:solidFill>
+                  <a:schemeClr val="bg1"/>
                 </a:solidFill>
               </a:rPr>
               <a:t>, </a:t>
             </a:r>
             <a:r>
-              <a:rPr lang="en-US" sz="900" dirty="0" err="1" smtClean="0">
-                <a:solidFill>
-                  <a:schemeClr val="tx1"/>
+              <a:rPr lang="en-US" sz="1050" dirty="0" err="1" smtClean="0">
+                <a:solidFill>
+                  <a:schemeClr val="bg1"/>
                 </a:solidFill>
               </a:rPr>
               <a:t>TDbConnection</a:t>
             </a:r>
             <a:r>
-              <a:rPr lang="en-US" sz="900" dirty="0" smtClean="0">
-                <a:solidFill>
-                  <a:schemeClr val="tx1"/>
+              <a:rPr lang="en-US" sz="1050" dirty="0" smtClean="0">
+                <a:solidFill>
+                  <a:schemeClr val="bg1"/>
                 </a:solidFill>
               </a:rPr>
               <a:t>&gt;</a:t>
             </a:r>
-            <a:endParaRPr lang="en-US" sz="900" dirty="0">
+            <a:endParaRPr lang="en-US" sz="1050" dirty="0">
               <a:solidFill>
-                <a:schemeClr val="tx1"/>
+                <a:schemeClr val="bg1"/>
               </a:solidFill>
             </a:endParaRPr>
           </a:p>
@@ -3448,34 +3342,19 @@
           <a:prstGeom prst="flowChartAlternateProcess">
             <a:avLst/>
           </a:prstGeom>
-          <a:solidFill>
-            <a:schemeClr val="bg1"/>
-          </a:solidFill>
-          <a:ln w="6350">
-            <a:solidFill>
-              <a:schemeClr val="bg1">
-                <a:lumMod val="50000"/>
-              </a:schemeClr>
-            </a:solidFill>
-            <a:prstDash val="solid"/>
-          </a:ln>
-          <a:effectLst>
-            <a:outerShdw blurRad="50800" dist="38100" dir="5400000" algn="t" rotWithShape="0">
-              <a:prstClr val="black">
-                <a:alpha val="40000"/>
-              </a:prstClr>
-            </a:outerShdw>
-          </a:effectLst>
+          <a:ln/>
         </p:spPr>
         <p:style>
-          <a:lnRef idx="0">
-            <a:schemeClr val="accent6"/>
+          <a:lnRef idx="2">
+            <a:schemeClr val="accent2">
+              <a:shade val="50000"/>
+            </a:schemeClr>
           </a:lnRef>
-          <a:fillRef idx="3">
-            <a:schemeClr val="accent6"/>
+          <a:fillRef idx="1">
+            <a:schemeClr val="accent2"/>
           </a:fillRef>
-          <a:effectRef idx="3">
-            <a:schemeClr val="accent6"/>
+          <a:effectRef idx="0">
+            <a:schemeClr val="accent2"/>
           </a:effectRef>
           <a:fontRef idx="minor">
             <a:schemeClr val="lt1"/>
@@ -3489,14 +3368,14 @@
             <a:r>
               <a:rPr lang="en-US" sz="900" b="1" dirty="0" err="1" smtClean="0">
                 <a:solidFill>
-                  <a:schemeClr val="tx1"/>
+                  <a:schemeClr val="bg1"/>
                 </a:solidFill>
               </a:rPr>
               <a:t>ITrace</a:t>
             </a:r>
             <a:endParaRPr lang="en-US" sz="900" b="1" dirty="0">
               <a:solidFill>
-                <a:schemeClr val="tx1"/>
+                <a:schemeClr val="bg1"/>
               </a:solidFill>
             </a:endParaRPr>
           </a:p>
@@ -3505,7 +3384,7 @@
             <a:r>
               <a:rPr lang="en-US" sz="900" dirty="0" smtClean="0">
                 <a:solidFill>
-                  <a:schemeClr val="tx1"/>
+                  <a:schemeClr val="bg1"/>
                 </a:solidFill>
               </a:rPr>
               <a:t>(</a:t>
@@ -3513,7 +3392,7 @@
             <a:r>
               <a:rPr lang="en-US" sz="900" dirty="0" err="1" smtClean="0">
                 <a:solidFill>
-                  <a:schemeClr val="tx1"/>
+                  <a:schemeClr val="bg1"/>
                 </a:solidFill>
               </a:rPr>
               <a:t>BeforeInsert</a:t>
@@ -3521,7 +3400,7 @@
             <a:r>
               <a:rPr lang="en-US" sz="900" dirty="0" smtClean="0">
                 <a:solidFill>
-                  <a:schemeClr val="tx1"/>
+                  <a:schemeClr val="bg1"/>
                 </a:solidFill>
               </a:rPr>
               <a:t>, </a:t>
@@ -3529,7 +3408,7 @@
             <a:r>
               <a:rPr lang="en-US" sz="900" dirty="0" err="1" smtClean="0">
                 <a:solidFill>
-                  <a:schemeClr val="tx1"/>
+                  <a:schemeClr val="bg1"/>
                 </a:solidFill>
               </a:rPr>
               <a:t>AfterInsert</a:t>
@@ -3537,7 +3416,7 @@
             <a:r>
               <a:rPr lang="en-US" sz="900" dirty="0" smtClean="0">
                 <a:solidFill>
-                  <a:schemeClr val="tx1"/>
+                  <a:schemeClr val="bg1"/>
                 </a:solidFill>
               </a:rPr>
               <a:t>, </a:t>
@@ -3545,7 +3424,7 @@
             <a:r>
               <a:rPr lang="en-US" sz="900" dirty="0" err="1" smtClean="0">
                 <a:solidFill>
-                  <a:schemeClr val="tx1"/>
+                  <a:schemeClr val="bg1"/>
                 </a:solidFill>
               </a:rPr>
               <a:t>etc</a:t>
@@ -3553,14 +3432,14 @@
             <a:r>
               <a:rPr lang="en-US" sz="900" dirty="0" smtClean="0">
                 <a:solidFill>
-                  <a:schemeClr val="tx1"/>
+                  <a:schemeClr val="bg1"/>
                 </a:solidFill>
               </a:rPr>
               <a:t>)</a:t>
             </a:r>
             <a:endParaRPr lang="en-US" sz="900" dirty="0">
               <a:solidFill>
-                <a:schemeClr val="tx1"/>
+                <a:schemeClr val="bg1"/>
               </a:solidFill>
             </a:endParaRPr>
           </a:p>
@@ -3580,34 +3459,19 @@
           <a:prstGeom prst="flowChartAlternateProcess">
             <a:avLst/>
           </a:prstGeom>
-          <a:solidFill>
-            <a:schemeClr val="bg1"/>
-          </a:solidFill>
-          <a:ln w="6350">
-            <a:solidFill>
-              <a:schemeClr val="bg1">
-                <a:lumMod val="50000"/>
-              </a:schemeClr>
-            </a:solidFill>
-            <a:prstDash val="solid"/>
-          </a:ln>
-          <a:effectLst>
-            <a:outerShdw blurRad="50800" dist="38100" dir="5400000" algn="t" rotWithShape="0">
-              <a:prstClr val="black">
-                <a:alpha val="40000"/>
-              </a:prstClr>
-            </a:outerShdw>
-          </a:effectLst>
+          <a:ln/>
         </p:spPr>
         <p:style>
-          <a:lnRef idx="0">
-            <a:schemeClr val="accent3"/>
+          <a:lnRef idx="2">
+            <a:schemeClr val="accent2">
+              <a:shade val="50000"/>
+            </a:schemeClr>
           </a:lnRef>
-          <a:fillRef idx="3">
-            <a:schemeClr val="accent3"/>
+          <a:fillRef idx="1">
+            <a:schemeClr val="accent2"/>
           </a:fillRef>
-          <a:effectRef idx="3">
-            <a:schemeClr val="accent3"/>
+          <a:effectRef idx="0">
+            <a:schemeClr val="accent2"/>
           </a:effectRef>
           <a:fontRef idx="minor">
             <a:schemeClr val="lt1"/>
@@ -3621,14 +3485,14 @@
             <a:r>
               <a:rPr lang="en-US" sz="900" b="1" dirty="0" err="1" smtClean="0">
                 <a:solidFill>
-                  <a:schemeClr val="tx1"/>
+                  <a:schemeClr val="bg1"/>
                 </a:solidFill>
               </a:rPr>
               <a:t>IDbOperationProvider</a:t>
             </a:r>
             <a:endParaRPr lang="en-US" sz="900" b="1" dirty="0" smtClean="0">
               <a:solidFill>
-                <a:schemeClr val="tx1"/>
+                <a:schemeClr val="bg1"/>
               </a:solidFill>
             </a:endParaRPr>
           </a:p>
@@ -3637,7 +3501,7 @@
             <a:r>
               <a:rPr lang="en-US" sz="900" dirty="0" smtClean="0">
                 <a:solidFill>
-                  <a:schemeClr val="tx1"/>
+                  <a:schemeClr val="bg1"/>
                 </a:solidFill>
               </a:rPr>
               <a:t>(</a:t>
@@ -3645,7 +3509,7 @@
             <a:r>
               <a:rPr lang="en-US" sz="900" dirty="0" err="1" smtClean="0">
                 <a:solidFill>
-                  <a:schemeClr val="tx1"/>
+                  <a:schemeClr val="bg1"/>
                 </a:solidFill>
               </a:rPr>
               <a:t>Sql</a:t>
@@ -3653,7 +3517,7 @@
             <a:r>
               <a:rPr lang="en-US" sz="900" dirty="0" smtClean="0">
                 <a:solidFill>
-                  <a:schemeClr val="tx1"/>
+                  <a:schemeClr val="bg1"/>
                 </a:solidFill>
               </a:rPr>
               <a:t>, Oracle, </a:t>
@@ -3661,7 +3525,7 @@
             <a:r>
               <a:rPr lang="en-US" sz="900" dirty="0" err="1" smtClean="0">
                 <a:solidFill>
-                  <a:schemeClr val="tx1"/>
+                  <a:schemeClr val="bg1"/>
                 </a:solidFill>
               </a:rPr>
               <a:t>MySql</a:t>
@@ -3669,7 +3533,7 @@
             <a:r>
               <a:rPr lang="en-US" sz="900" dirty="0" smtClean="0">
                 <a:solidFill>
-                  <a:schemeClr val="tx1"/>
+                  <a:schemeClr val="bg1"/>
                 </a:solidFill>
               </a:rPr>
               <a:t>, </a:t>
@@ -3677,7 +3541,7 @@
             <a:r>
               <a:rPr lang="en-US" sz="900" dirty="0" err="1" smtClean="0">
                 <a:solidFill>
-                  <a:schemeClr val="tx1"/>
+                  <a:schemeClr val="bg1"/>
                 </a:solidFill>
               </a:rPr>
               <a:t>PostgreSql</a:t>
@@ -3685,7 +3549,7 @@
             <a:r>
               <a:rPr lang="en-US" sz="900" dirty="0" smtClean="0">
                 <a:solidFill>
-                  <a:schemeClr val="tx1"/>
+                  <a:schemeClr val="bg1"/>
                 </a:solidFill>
               </a:rPr>
               <a:t>)</a:t>
@@ -3707,26 +3571,19 @@
           <a:prstGeom prst="flowChartAlternateProcess">
             <a:avLst/>
           </a:prstGeom>
-          <a:noFill/>
-          <a:ln w="6350">
-            <a:solidFill>
-              <a:schemeClr val="bg1">
-                <a:lumMod val="50000"/>
-              </a:schemeClr>
-            </a:solidFill>
-            <a:prstDash val="dash"/>
-          </a:ln>
-          <a:effectLst/>
+          <a:ln/>
         </p:spPr>
         <p:style>
-          <a:lnRef idx="0">
-            <a:schemeClr val="accent2"/>
+          <a:lnRef idx="2">
+            <a:schemeClr val="accent3">
+              <a:shade val="50000"/>
+            </a:schemeClr>
           </a:lnRef>
-          <a:fillRef idx="3">
-            <a:schemeClr val="accent2"/>
+          <a:fillRef idx="1">
+            <a:schemeClr val="accent3"/>
           </a:fillRef>
-          <a:effectRef idx="3">
-            <a:schemeClr val="accent2"/>
+          <a:effectRef idx="0">
+            <a:schemeClr val="accent3"/>
           </a:effectRef>
           <a:fontRef idx="minor">
             <a:schemeClr val="lt1"/>
@@ -3740,7 +3597,7 @@
             <a:r>
               <a:rPr lang="en-US" sz="900" dirty="0" err="1" smtClean="0">
                 <a:solidFill>
-                  <a:schemeClr val="tx1"/>
+                  <a:schemeClr val="bg1"/>
                 </a:solidFill>
               </a:rPr>
               <a:t>ObjectCache</a:t>
@@ -3748,7 +3605,7 @@
             <a:r>
               <a:rPr lang="en-US" sz="900" dirty="0" smtClean="0">
                 <a:solidFill>
-                  <a:schemeClr val="tx1"/>
+                  <a:schemeClr val="bg1"/>
                 </a:solidFill>
               </a:rPr>
               <a:t>(s)</a:t>
@@ -3759,7 +3616,7 @@
             <a:r>
               <a:rPr lang="en-US" sz="900" dirty="0" smtClean="0">
                 <a:solidFill>
-                  <a:schemeClr val="tx1"/>
+                  <a:schemeClr val="bg1"/>
                 </a:solidFill>
               </a:rPr>
               <a:t>(</a:t>
@@ -3767,7 +3624,7 @@
             <a:r>
               <a:rPr lang="en-US" sz="900" dirty="0" err="1" smtClean="0">
                 <a:solidFill>
-                  <a:schemeClr val="tx1"/>
+                  <a:schemeClr val="bg1"/>
                 </a:solidFill>
               </a:rPr>
               <a:t>CommandText</a:t>
@@ -3775,7 +3632,7 @@
             <a:r>
               <a:rPr lang="en-US" sz="900" dirty="0" smtClean="0">
                 <a:solidFill>
-                  <a:schemeClr val="tx1"/>
+                  <a:schemeClr val="bg1"/>
                 </a:solidFill>
               </a:rPr>
               <a:t>, Columns, </a:t>
@@ -3783,7 +3640,7 @@
             <a:r>
               <a:rPr lang="en-US" sz="900" dirty="0" err="1" smtClean="0">
                 <a:solidFill>
-                  <a:schemeClr val="tx1"/>
+                  <a:schemeClr val="bg1"/>
                 </a:solidFill>
               </a:rPr>
               <a:t>ExecutionContext</a:t>
@@ -3791,7 +3648,7 @@
             <a:r>
               <a:rPr lang="en-US" sz="900" dirty="0" smtClean="0">
                 <a:solidFill>
-                  <a:schemeClr val="tx1"/>
+                  <a:schemeClr val="bg1"/>
                 </a:solidFill>
               </a:rPr>
               <a:t>, Property, Mappings, </a:t>
@@ -3799,7 +3656,7 @@
             <a:r>
               <a:rPr lang="en-US" sz="900" dirty="0" err="1" smtClean="0">
                 <a:solidFill>
-                  <a:schemeClr val="tx1"/>
+                  <a:schemeClr val="bg1"/>
                 </a:solidFill>
               </a:rPr>
               <a:t>etc</a:t>
@@ -3807,14 +3664,14 @@
             <a:r>
               <a:rPr lang="en-US" sz="900" dirty="0" smtClean="0">
                 <a:solidFill>
-                  <a:schemeClr val="tx1"/>
+                  <a:schemeClr val="bg1"/>
                 </a:solidFill>
               </a:rPr>
               <a:t>)</a:t>
             </a:r>
             <a:endParaRPr lang="en-US" sz="900" dirty="0">
               <a:solidFill>
-                <a:schemeClr val="tx1"/>
+                <a:schemeClr val="bg1"/>
               </a:solidFill>
             </a:endParaRPr>
           </a:p>
@@ -3828,32 +3685,25 @@
         </p:nvSpPr>
         <p:spPr>
           <a:xfrm>
-            <a:off x="1487602" y="3208398"/>
+            <a:off x="1487602" y="3221400"/>
             <a:ext cx="1366842" cy="484061"/>
           </a:xfrm>
           <a:prstGeom prst="flowChartAlternateProcess">
             <a:avLst/>
           </a:prstGeom>
-          <a:noFill/>
-          <a:ln w="6350">
-            <a:solidFill>
-              <a:schemeClr val="bg1">
-                <a:lumMod val="50000"/>
-              </a:schemeClr>
-            </a:solidFill>
-            <a:prstDash val="dash"/>
-          </a:ln>
-          <a:effectLst/>
+          <a:ln/>
         </p:spPr>
         <p:style>
-          <a:lnRef idx="0">
-            <a:schemeClr val="accent2"/>
+          <a:lnRef idx="2">
+            <a:schemeClr val="accent3">
+              <a:shade val="50000"/>
+            </a:schemeClr>
           </a:lnRef>
-          <a:fillRef idx="3">
-            <a:schemeClr val="accent2"/>
+          <a:fillRef idx="1">
+            <a:schemeClr val="accent3"/>
           </a:fillRef>
-          <a:effectRef idx="3">
-            <a:schemeClr val="accent2"/>
+          <a:effectRef idx="0">
+            <a:schemeClr val="accent3"/>
           </a:effectRef>
           <a:fontRef idx="minor">
             <a:schemeClr val="lt1"/>
@@ -3867,7 +3717,7 @@
             <a:r>
               <a:rPr lang="en-US" sz="900" dirty="0" smtClean="0">
                 <a:solidFill>
-                  <a:schemeClr val="tx1"/>
+                  <a:schemeClr val="bg1"/>
                 </a:solidFill>
               </a:rPr>
               <a:t>Helper Methods:</a:t>
@@ -3878,14 +3728,14 @@
             <a:r>
               <a:rPr lang="en-US" sz="900" dirty="0" err="1" smtClean="0">
                 <a:solidFill>
-                  <a:schemeClr val="tx1"/>
+                  <a:schemeClr val="bg1"/>
                 </a:solidFill>
               </a:rPr>
               <a:t>GetFields</a:t>
             </a:r>
             <a:endParaRPr lang="en-US" sz="900" dirty="0">
               <a:solidFill>
-                <a:schemeClr val="tx1"/>
+                <a:schemeClr val="bg1"/>
               </a:solidFill>
             </a:endParaRPr>
           </a:p>
@@ -3899,32 +3749,25 @@
         </p:nvSpPr>
         <p:spPr>
           <a:xfrm>
-            <a:off x="9353786" y="3221397"/>
+            <a:off x="9353786" y="3225731"/>
             <a:ext cx="1518049" cy="484061"/>
           </a:xfrm>
           <a:prstGeom prst="flowChartAlternateProcess">
             <a:avLst/>
           </a:prstGeom>
-          <a:noFill/>
-          <a:ln w="6350">
-            <a:solidFill>
-              <a:schemeClr val="bg1">
-                <a:lumMod val="50000"/>
-              </a:schemeClr>
-            </a:solidFill>
-            <a:prstDash val="dash"/>
-          </a:ln>
-          <a:effectLst/>
+          <a:ln/>
         </p:spPr>
         <p:style>
-          <a:lnRef idx="0">
-            <a:schemeClr val="accent2"/>
+          <a:lnRef idx="2">
+            <a:schemeClr val="accent3">
+              <a:shade val="50000"/>
+            </a:schemeClr>
           </a:lnRef>
-          <a:fillRef idx="3">
-            <a:schemeClr val="accent2"/>
+          <a:fillRef idx="1">
+            <a:schemeClr val="accent3"/>
           </a:fillRef>
-          <a:effectRef idx="3">
-            <a:schemeClr val="accent2"/>
+          <a:effectRef idx="0">
+            <a:schemeClr val="accent3"/>
           </a:effectRef>
           <a:fontRef idx="minor">
             <a:schemeClr val="lt1"/>
@@ -3938,7 +3781,7 @@
             <a:r>
               <a:rPr lang="en-US" sz="900" dirty="0" smtClean="0">
                 <a:solidFill>
-                  <a:schemeClr val="tx1"/>
+                  <a:schemeClr val="bg1"/>
                 </a:solidFill>
               </a:rPr>
               <a:t>DB Specific Operations:</a:t>
@@ -3949,14 +3792,14 @@
             <a:r>
               <a:rPr lang="en-US" sz="900" dirty="0" err="1" smtClean="0">
                 <a:solidFill>
-                  <a:schemeClr val="tx1"/>
+                  <a:schemeClr val="bg1"/>
                 </a:solidFill>
               </a:rPr>
               <a:t>BulkInsert</a:t>
             </a:r>
             <a:endParaRPr lang="en-US" sz="900" dirty="0">
               <a:solidFill>
-                <a:schemeClr val="tx1"/>
+                <a:schemeClr val="bg1"/>
               </a:solidFill>
             </a:endParaRPr>
           </a:p>
@@ -3976,34 +3819,19 @@
           <a:prstGeom prst="flowChartAlternateProcess">
             <a:avLst/>
           </a:prstGeom>
-          <a:solidFill>
-            <a:schemeClr val="bg1"/>
-          </a:solidFill>
-          <a:ln w="6350">
-            <a:solidFill>
-              <a:schemeClr val="bg1">
-                <a:lumMod val="50000"/>
-              </a:schemeClr>
-            </a:solidFill>
-            <a:prstDash val="solid"/>
-          </a:ln>
-          <a:effectLst>
-            <a:outerShdw blurRad="50800" dist="38100" dir="5400000" algn="t" rotWithShape="0">
-              <a:prstClr val="black">
-                <a:alpha val="40000"/>
-              </a:prstClr>
-            </a:outerShdw>
-          </a:effectLst>
+          <a:ln/>
         </p:spPr>
         <p:style>
-          <a:lnRef idx="0">
-            <a:schemeClr val="accent6"/>
+          <a:lnRef idx="2">
+            <a:schemeClr val="accent2">
+              <a:shade val="50000"/>
+            </a:schemeClr>
           </a:lnRef>
-          <a:fillRef idx="3">
-            <a:schemeClr val="accent6"/>
+          <a:fillRef idx="1">
+            <a:schemeClr val="accent2"/>
           </a:fillRef>
-          <a:effectRef idx="3">
-            <a:schemeClr val="accent6"/>
+          <a:effectRef idx="0">
+            <a:schemeClr val="accent2"/>
           </a:effectRef>
           <a:fontRef idx="minor">
             <a:schemeClr val="lt1"/>
@@ -4017,14 +3845,14 @@
             <a:r>
               <a:rPr lang="en-US" sz="900" b="1" dirty="0" err="1" smtClean="0">
                 <a:solidFill>
-                  <a:schemeClr val="tx1"/>
+                  <a:schemeClr val="bg1"/>
                 </a:solidFill>
               </a:rPr>
               <a:t>IStatementBuilder</a:t>
             </a:r>
             <a:endParaRPr lang="en-US" sz="900" b="1" dirty="0" smtClean="0">
               <a:solidFill>
-                <a:schemeClr val="tx1"/>
+                <a:schemeClr val="bg1"/>
               </a:solidFill>
             </a:endParaRPr>
           </a:p>
@@ -4033,7 +3861,7 @@
             <a:r>
               <a:rPr lang="en-US" sz="900" dirty="0" smtClean="0">
                 <a:solidFill>
-                  <a:schemeClr val="tx1"/>
+                  <a:schemeClr val="bg1"/>
                 </a:solidFill>
               </a:rPr>
               <a:t>(</a:t>
@@ -4041,7 +3869,7 @@
             <a:r>
               <a:rPr lang="en-US" sz="900" dirty="0" err="1" smtClean="0">
                 <a:solidFill>
-                  <a:schemeClr val="tx1"/>
+                  <a:schemeClr val="bg1"/>
                 </a:solidFill>
               </a:rPr>
               <a:t>Sql</a:t>
@@ -4049,7 +3877,7 @@
             <a:r>
               <a:rPr lang="en-US" sz="900" dirty="0" smtClean="0">
                 <a:solidFill>
-                  <a:schemeClr val="tx1"/>
+                  <a:schemeClr val="bg1"/>
                 </a:solidFill>
               </a:rPr>
               <a:t>, Oracle, </a:t>
@@ -4057,7 +3885,7 @@
             <a:r>
               <a:rPr lang="en-US" sz="900" dirty="0" err="1" smtClean="0">
                 <a:solidFill>
-                  <a:schemeClr val="tx1"/>
+                  <a:schemeClr val="bg1"/>
                 </a:solidFill>
               </a:rPr>
               <a:t>MySql</a:t>
@@ -4065,7 +3893,7 @@
             <a:r>
               <a:rPr lang="en-US" sz="900" dirty="0" smtClean="0">
                 <a:solidFill>
-                  <a:schemeClr val="tx1"/>
+                  <a:schemeClr val="bg1"/>
                 </a:solidFill>
               </a:rPr>
               <a:t>, </a:t>
@@ -4073,7 +3901,7 @@
             <a:r>
               <a:rPr lang="en-US" sz="900" dirty="0" err="1" smtClean="0">
                 <a:solidFill>
-                  <a:schemeClr val="tx1"/>
+                  <a:schemeClr val="bg1"/>
                 </a:solidFill>
               </a:rPr>
               <a:t>PostgreSql</a:t>
@@ -4081,14 +3909,14 @@
             <a:r>
               <a:rPr lang="en-US" sz="900" dirty="0" smtClean="0">
                 <a:solidFill>
-                  <a:schemeClr val="tx1"/>
+                  <a:schemeClr val="bg1"/>
                 </a:solidFill>
               </a:rPr>
               <a:t>)</a:t>
             </a:r>
             <a:endParaRPr lang="en-US" sz="900" dirty="0">
               <a:solidFill>
-                <a:schemeClr val="tx1"/>
+                <a:schemeClr val="bg1"/>
               </a:solidFill>
             </a:endParaRPr>
           </a:p>
@@ -4108,34 +3936,19 @@
           <a:prstGeom prst="flowChartAlternateProcess">
             <a:avLst/>
           </a:prstGeom>
-          <a:solidFill>
-            <a:schemeClr val="lt1"/>
-          </a:solidFill>
-          <a:ln w="6350">
-            <a:solidFill>
-              <a:schemeClr val="bg1">
-                <a:lumMod val="50000"/>
-              </a:schemeClr>
-            </a:solidFill>
-            <a:prstDash val="solid"/>
-          </a:ln>
-          <a:effectLst>
-            <a:outerShdw blurRad="50800" dist="38100" dir="5400000" algn="t" rotWithShape="0">
-              <a:prstClr val="black">
-                <a:alpha val="40000"/>
-              </a:prstClr>
-            </a:outerShdw>
-          </a:effectLst>
+          <a:ln/>
         </p:spPr>
         <p:style>
-          <a:lnRef idx="0">
-            <a:schemeClr val="accent6"/>
+          <a:lnRef idx="2">
+            <a:schemeClr val="accent2">
+              <a:shade val="50000"/>
+            </a:schemeClr>
           </a:lnRef>
-          <a:fillRef idx="3">
-            <a:schemeClr val="accent6"/>
+          <a:fillRef idx="1">
+            <a:schemeClr val="accent2"/>
           </a:fillRef>
-          <a:effectRef idx="3">
-            <a:schemeClr val="accent6"/>
+          <a:effectRef idx="0">
+            <a:schemeClr val="accent2"/>
           </a:effectRef>
           <a:fontRef idx="minor">
             <a:schemeClr val="lt1"/>
@@ -4149,14 +3962,14 @@
             <a:r>
               <a:rPr lang="en-US" sz="900" b="1" dirty="0" err="1" smtClean="0">
                 <a:solidFill>
-                  <a:schemeClr val="tx1"/>
+                  <a:schemeClr val="bg1"/>
                 </a:solidFill>
               </a:rPr>
               <a:t>ICache</a:t>
             </a:r>
             <a:endParaRPr lang="en-US" sz="900" b="1" dirty="0">
               <a:solidFill>
-                <a:schemeClr val="tx1"/>
+                <a:schemeClr val="bg1"/>
               </a:solidFill>
             </a:endParaRPr>
           </a:p>
@@ -4165,7 +3978,7 @@
             <a:r>
               <a:rPr lang="en-US" sz="900" dirty="0" smtClean="0">
                 <a:solidFill>
-                  <a:schemeClr val="tx1"/>
+                  <a:schemeClr val="bg1"/>
                 </a:solidFill>
               </a:rPr>
               <a:t>(</a:t>
@@ -4173,7 +3986,7 @@
             <a:r>
               <a:rPr lang="en-US" sz="900" dirty="0" err="1" smtClean="0">
                 <a:solidFill>
-                  <a:schemeClr val="tx1"/>
+                  <a:schemeClr val="bg1"/>
                 </a:solidFill>
               </a:rPr>
               <a:t>MemoryCache</a:t>
@@ -4181,7 +3994,7 @@
             <a:r>
               <a:rPr lang="en-US" sz="900" dirty="0" smtClean="0">
                 <a:solidFill>
-                  <a:schemeClr val="tx1"/>
+                  <a:schemeClr val="bg1"/>
                 </a:solidFill>
               </a:rPr>
               <a:t>, </a:t>
@@ -4189,7 +4002,7 @@
             <a:r>
               <a:rPr lang="en-US" sz="900" dirty="0" err="1" smtClean="0">
                 <a:solidFill>
-                  <a:schemeClr val="tx1"/>
+                  <a:schemeClr val="bg1"/>
                 </a:solidFill>
               </a:rPr>
               <a:t>FileCache</a:t>
@@ -4197,7 +4010,7 @@
             <a:r>
               <a:rPr lang="en-US" sz="900" dirty="0" smtClean="0">
                 <a:solidFill>
-                  <a:schemeClr val="tx1"/>
+                  <a:schemeClr val="bg1"/>
                 </a:solidFill>
               </a:rPr>
               <a:t>, </a:t>
@@ -4205,7 +4018,7 @@
             <a:r>
               <a:rPr lang="en-US" sz="900" dirty="0" err="1" smtClean="0">
                 <a:solidFill>
-                  <a:schemeClr val="tx1"/>
+                  <a:schemeClr val="bg1"/>
                 </a:solidFill>
               </a:rPr>
               <a:t>etc</a:t>
@@ -4213,14 +4026,14 @@
             <a:r>
               <a:rPr lang="en-US" sz="900" dirty="0" smtClean="0">
                 <a:solidFill>
-                  <a:schemeClr val="tx1"/>
+                  <a:schemeClr val="bg1"/>
                 </a:solidFill>
               </a:rPr>
               <a:t>)</a:t>
             </a:r>
             <a:endParaRPr lang="en-US" sz="900" dirty="0">
               <a:solidFill>
-                <a:schemeClr val="tx1"/>
+                <a:schemeClr val="bg1"/>
               </a:solidFill>
             </a:endParaRPr>
           </a:p>
@@ -4240,34 +4053,19 @@
           <a:prstGeom prst="flowChartAlternateProcess">
             <a:avLst/>
           </a:prstGeom>
-          <a:solidFill>
-            <a:schemeClr val="bg1"/>
-          </a:solidFill>
-          <a:ln w="6350">
-            <a:solidFill>
-              <a:schemeClr val="bg1">
-                <a:lumMod val="50000"/>
-              </a:schemeClr>
-            </a:solidFill>
-            <a:prstDash val="solid"/>
-          </a:ln>
-          <a:effectLst>
-            <a:outerShdw blurRad="50800" dist="38100" dir="5400000" algn="t" rotWithShape="0">
-              <a:prstClr val="black">
-                <a:alpha val="40000"/>
-              </a:prstClr>
-            </a:outerShdw>
-          </a:effectLst>
+          <a:ln/>
         </p:spPr>
         <p:style>
-          <a:lnRef idx="0">
-            <a:schemeClr val="accent3"/>
+          <a:lnRef idx="2">
+            <a:schemeClr val="accent2">
+              <a:shade val="50000"/>
+            </a:schemeClr>
           </a:lnRef>
-          <a:fillRef idx="3">
-            <a:schemeClr val="accent3"/>
+          <a:fillRef idx="1">
+            <a:schemeClr val="accent2"/>
           </a:fillRef>
-          <a:effectRef idx="3">
-            <a:schemeClr val="accent3"/>
+          <a:effectRef idx="0">
+            <a:schemeClr val="accent2"/>
           </a:effectRef>
           <a:fontRef idx="minor">
             <a:schemeClr val="lt1"/>
@@ -4281,14 +4079,14 @@
             <a:r>
               <a:rPr lang="en-US" sz="900" b="1" dirty="0" err="1" smtClean="0">
                 <a:solidFill>
-                  <a:schemeClr val="tx1"/>
+                  <a:schemeClr val="bg1"/>
                 </a:solidFill>
               </a:rPr>
               <a:t>IDbHelper</a:t>
             </a:r>
             <a:endParaRPr lang="en-US" sz="900" b="1" dirty="0">
               <a:solidFill>
-                <a:schemeClr val="tx1"/>
+                <a:schemeClr val="bg1"/>
               </a:solidFill>
             </a:endParaRPr>
           </a:p>
@@ -4297,7 +4095,7 @@
             <a:r>
               <a:rPr lang="en-US" sz="900" dirty="0" smtClean="0">
                 <a:solidFill>
-                  <a:schemeClr val="tx1"/>
+                  <a:schemeClr val="bg1"/>
                 </a:solidFill>
               </a:rPr>
               <a:t>(</a:t>
@@ -4305,7 +4103,7 @@
             <a:r>
               <a:rPr lang="en-US" sz="900" dirty="0" err="1" smtClean="0">
                 <a:solidFill>
-                  <a:schemeClr val="tx1"/>
+                  <a:schemeClr val="bg1"/>
                 </a:solidFill>
               </a:rPr>
               <a:t>Sql</a:t>
@@ -4313,7 +4111,7 @@
             <a:r>
               <a:rPr lang="en-US" sz="900" dirty="0" smtClean="0">
                 <a:solidFill>
-                  <a:schemeClr val="tx1"/>
+                  <a:schemeClr val="bg1"/>
                 </a:solidFill>
               </a:rPr>
               <a:t>, Oracle, </a:t>
@@ -4321,7 +4119,7 @@
             <a:r>
               <a:rPr lang="en-US" sz="900" dirty="0" err="1" smtClean="0">
                 <a:solidFill>
-                  <a:schemeClr val="tx1"/>
+                  <a:schemeClr val="bg1"/>
                 </a:solidFill>
               </a:rPr>
               <a:t>MySql</a:t>
@@ -4329,7 +4127,7 @@
             <a:r>
               <a:rPr lang="en-US" sz="900" dirty="0" smtClean="0">
                 <a:solidFill>
-                  <a:schemeClr val="tx1"/>
+                  <a:schemeClr val="bg1"/>
                 </a:solidFill>
               </a:rPr>
               <a:t>, </a:t>
@@ -4337,7 +4135,7 @@
             <a:r>
               <a:rPr lang="en-US" sz="900" dirty="0" err="1" smtClean="0">
                 <a:solidFill>
-                  <a:schemeClr val="tx1"/>
+                  <a:schemeClr val="bg1"/>
                 </a:solidFill>
               </a:rPr>
               <a:t>PostgreSql</a:t>
@@ -4345,14 +4143,14 @@
             <a:r>
               <a:rPr lang="en-US" sz="900" dirty="0" smtClean="0">
                 <a:solidFill>
-                  <a:schemeClr val="tx1"/>
+                  <a:schemeClr val="bg1"/>
                 </a:solidFill>
               </a:rPr>
               <a:t>)</a:t>
             </a:r>
             <a:endParaRPr lang="en-US" sz="900" dirty="0">
               <a:solidFill>
-                <a:schemeClr val="tx1"/>
+                <a:schemeClr val="bg1"/>
               </a:solidFill>
             </a:endParaRPr>
           </a:p>
@@ -4372,26 +4170,19 @@
           <a:prstGeom prst="flowChartAlternateProcess">
             <a:avLst/>
           </a:prstGeom>
-          <a:noFill/>
-          <a:ln w="6350">
-            <a:solidFill>
-              <a:schemeClr val="bg1">
-                <a:lumMod val="50000"/>
-              </a:schemeClr>
-            </a:solidFill>
-            <a:prstDash val="dash"/>
-          </a:ln>
-          <a:effectLst/>
+          <a:ln/>
         </p:spPr>
         <p:style>
-          <a:lnRef idx="0">
-            <a:schemeClr val="accent2"/>
+          <a:lnRef idx="2">
+            <a:schemeClr val="accent3">
+              <a:shade val="50000"/>
+            </a:schemeClr>
           </a:lnRef>
-          <a:fillRef idx="3">
-            <a:schemeClr val="accent2"/>
+          <a:fillRef idx="1">
+            <a:schemeClr val="accent3"/>
           </a:fillRef>
-          <a:effectRef idx="3">
-            <a:schemeClr val="accent2"/>
+          <a:effectRef idx="0">
+            <a:schemeClr val="accent3"/>
           </a:effectRef>
           <a:fontRef idx="minor">
             <a:schemeClr val="lt1"/>
@@ -4405,7 +4196,7 @@
             <a:r>
               <a:rPr lang="en-US" sz="900" dirty="0" err="1" smtClean="0">
                 <a:solidFill>
-                  <a:schemeClr val="tx1"/>
+                  <a:schemeClr val="bg1"/>
                 </a:solidFill>
               </a:rPr>
               <a:t>ExtendedOperation</a:t>
@@ -4413,7 +4204,7 @@
             <a:r>
               <a:rPr lang="en-US" sz="900" dirty="0" smtClean="0">
                 <a:solidFill>
-                  <a:schemeClr val="tx1"/>
+                  <a:schemeClr val="bg1"/>
                 </a:solidFill>
               </a:rPr>
               <a:t>(s)</a:t>
@@ -4424,7 +4215,7 @@
             <a:r>
               <a:rPr lang="en-US" sz="900" dirty="0" smtClean="0">
                 <a:solidFill>
-                  <a:schemeClr val="tx1"/>
+                  <a:schemeClr val="bg1"/>
                 </a:solidFill>
               </a:rPr>
               <a:t>(</a:t>
@@ -4432,7 +4223,7 @@
             <a:r>
               <a:rPr lang="en-US" sz="900" dirty="0" err="1" smtClean="0">
                 <a:solidFill>
-                  <a:schemeClr val="tx1"/>
+                  <a:schemeClr val="bg1"/>
                 </a:solidFill>
               </a:rPr>
               <a:t>BatchQuery</a:t>
@@ -4440,7 +4231,7 @@
             <a:r>
               <a:rPr lang="en-US" sz="900" dirty="0" smtClean="0">
                 <a:solidFill>
-                  <a:schemeClr val="tx1"/>
+                  <a:schemeClr val="bg1"/>
                 </a:solidFill>
               </a:rPr>
               <a:t>, </a:t>
@@ -4448,7 +4239,7 @@
             <a:r>
               <a:rPr lang="en-US" sz="900" dirty="0" err="1" smtClean="0">
                 <a:solidFill>
-                  <a:schemeClr val="tx1"/>
+                  <a:schemeClr val="bg1"/>
                 </a:solidFill>
               </a:rPr>
               <a:t>BulkInsert</a:t>
@@ -4456,7 +4247,7 @@
             <a:r>
               <a:rPr lang="en-US" sz="900" dirty="0" smtClean="0">
                 <a:solidFill>
-                  <a:schemeClr val="tx1"/>
+                  <a:schemeClr val="bg1"/>
                 </a:solidFill>
               </a:rPr>
               <a:t>, Count, Delete, Insert, Merge, Query, Update, Truncate, </a:t>
@@ -4464,7 +4255,7 @@
             <a:r>
               <a:rPr lang="en-US" sz="900" dirty="0" err="1" smtClean="0">
                 <a:solidFill>
-                  <a:schemeClr val="tx1"/>
+                  <a:schemeClr val="bg1"/>
                 </a:solidFill>
               </a:rPr>
               <a:t>etc</a:t>
@@ -4472,14 +4263,14 @@
             <a:r>
               <a:rPr lang="en-US" sz="900" dirty="0" smtClean="0">
                 <a:solidFill>
-                  <a:schemeClr val="tx1"/>
+                  <a:schemeClr val="bg1"/>
                 </a:solidFill>
               </a:rPr>
               <a:t>)</a:t>
             </a:r>
             <a:endParaRPr lang="en-US" sz="900" dirty="0">
               <a:solidFill>
-                <a:schemeClr val="tx1"/>
+                <a:schemeClr val="bg1"/>
               </a:solidFill>
             </a:endParaRPr>
           </a:p>
@@ -4499,25 +4290,18 @@
           <a:prstGeom prst="flowChartAlternateProcess">
             <a:avLst/>
           </a:prstGeom>
-          <a:noFill/>
-          <a:ln w="6350">
-            <a:solidFill>
-              <a:schemeClr val="bg1">
-                <a:lumMod val="50000"/>
-              </a:schemeClr>
-            </a:solidFill>
-            <a:prstDash val="dash"/>
-          </a:ln>
-          <a:effectLst/>
+          <a:ln/>
         </p:spPr>
         <p:style>
-          <a:lnRef idx="0">
-            <a:schemeClr val="accent2"/>
+          <a:lnRef idx="2">
+            <a:schemeClr val="accent2">
+              <a:shade val="50000"/>
+            </a:schemeClr>
           </a:lnRef>
-          <a:fillRef idx="3">
+          <a:fillRef idx="1">
             <a:schemeClr val="accent2"/>
           </a:fillRef>
-          <a:effectRef idx="3">
+          <a:effectRef idx="0">
             <a:schemeClr val="accent2"/>
           </a:effectRef>
           <a:fontRef idx="minor">
@@ -4532,14 +4316,14 @@
             <a:r>
               <a:rPr lang="en-US" sz="900" b="1" dirty="0" err="1" smtClean="0">
                 <a:solidFill>
-                  <a:schemeClr val="tx1"/>
+                  <a:schemeClr val="bg1"/>
                 </a:solidFill>
               </a:rPr>
               <a:t>IResolver</a:t>
             </a:r>
             <a:endParaRPr lang="en-US" sz="900" b="1" dirty="0" smtClean="0">
               <a:solidFill>
-                <a:schemeClr val="tx1"/>
+                <a:schemeClr val="bg1"/>
               </a:solidFill>
             </a:endParaRPr>
           </a:p>
@@ -4548,7 +4332,7 @@
             <a:r>
               <a:rPr lang="en-US" sz="900" dirty="0" smtClean="0">
                 <a:solidFill>
-                  <a:schemeClr val="tx1"/>
+                  <a:schemeClr val="bg1"/>
                 </a:solidFill>
               </a:rPr>
               <a:t>(</a:t>
@@ -4556,7 +4340,7 @@
             <a:r>
               <a:rPr lang="en-US" sz="900" dirty="0" err="1" smtClean="0">
                 <a:solidFill>
-                  <a:schemeClr val="tx1"/>
+                  <a:schemeClr val="bg1"/>
                 </a:solidFill>
               </a:rPr>
               <a:t>TypeResolver</a:t>
@@ -4564,7 +4348,7 @@
             <a:r>
               <a:rPr lang="en-US" sz="900" dirty="0" smtClean="0">
                 <a:solidFill>
-                  <a:schemeClr val="tx1"/>
+                  <a:schemeClr val="bg1"/>
                 </a:solidFill>
               </a:rPr>
               <a:t>, </a:t>
@@ -4572,7 +4356,7 @@
             <a:r>
               <a:rPr lang="en-US" sz="900" dirty="0" err="1" smtClean="0">
                 <a:solidFill>
-                  <a:schemeClr val="tx1"/>
+                  <a:schemeClr val="bg1"/>
                 </a:solidFill>
               </a:rPr>
               <a:t>NameResolver</a:t>
@@ -4580,14 +4364,14 @@
             <a:r>
               <a:rPr lang="en-US" sz="900" dirty="0" smtClean="0">
                 <a:solidFill>
-                  <a:schemeClr val="tx1"/>
+                  <a:schemeClr val="bg1"/>
                 </a:solidFill>
               </a:rPr>
               <a:t>)</a:t>
             </a:r>
             <a:endParaRPr lang="en-US" sz="900" dirty="0">
               <a:solidFill>
-                <a:schemeClr val="tx1"/>
+                <a:schemeClr val="bg1"/>
               </a:solidFill>
             </a:endParaRPr>
           </a:p>
@@ -4612,10 +4396,11 @@
               <a:gd name="adj1" fmla="val 50000"/>
             </a:avLst>
           </a:prstGeom>
-          <a:ln w="6350">
+          <a:ln w="9525">
             <a:solidFill>
-              <a:schemeClr val="bg1">
-                <a:lumMod val="50000"/>
+              <a:schemeClr val="tx1">
+                <a:lumMod val="75000"/>
+                <a:lumOff val="25000"/>
               </a:schemeClr>
             </a:solidFill>
             <a:prstDash val="dash"/>
@@ -4656,10 +4441,11 @@
               <a:gd name="adj1" fmla="val 50000"/>
             </a:avLst>
           </a:prstGeom>
-          <a:ln w="6350">
+          <a:ln w="9525">
             <a:solidFill>
-              <a:schemeClr val="bg1">
-                <a:lumMod val="50000"/>
+              <a:schemeClr val="tx1">
+                <a:lumMod val="75000"/>
+                <a:lumOff val="25000"/>
               </a:schemeClr>
             </a:solidFill>
             <a:prstDash val="dash"/>
@@ -4700,10 +4486,11 @@
               <a:gd name="adj1" fmla="val 50000"/>
             </a:avLst>
           </a:prstGeom>
-          <a:ln w="6350">
+          <a:ln w="9525">
             <a:solidFill>
-              <a:schemeClr val="bg1">
-                <a:lumMod val="50000"/>
+              <a:schemeClr val="tx1">
+                <a:lumMod val="75000"/>
+                <a:lumOff val="25000"/>
               </a:schemeClr>
             </a:solidFill>
             <a:prstDash val="dash"/>
@@ -4742,10 +4529,11 @@
           <a:prstGeom prst="bentConnector2">
             <a:avLst/>
           </a:prstGeom>
-          <a:ln w="6350">
+          <a:ln w="9525">
             <a:solidFill>
-              <a:schemeClr val="bg1">
-                <a:lumMod val="50000"/>
+              <a:schemeClr val="tx1">
+                <a:lumMod val="75000"/>
+                <a:lumOff val="25000"/>
               </a:schemeClr>
             </a:solidFill>
             <a:prstDash val="dash"/>
@@ -4784,10 +4572,11 @@
           <a:prstGeom prst="bentConnector2">
             <a:avLst/>
           </a:prstGeom>
-          <a:ln w="6350">
+          <a:ln w="9525">
             <a:solidFill>
-              <a:schemeClr val="bg1">
-                <a:lumMod val="50000"/>
+              <a:schemeClr val="tx1">
+                <a:lumMod val="75000"/>
+                <a:lumOff val="25000"/>
               </a:schemeClr>
             </a:solidFill>
             <a:prstDash val="dash"/>
@@ -4828,10 +4617,11 @@
               <a:gd name="adj1" fmla="val 50000"/>
             </a:avLst>
           </a:prstGeom>
-          <a:ln w="6350">
+          <a:ln w="9525">
             <a:solidFill>
-              <a:schemeClr val="bg1">
-                <a:lumMod val="50000"/>
+              <a:schemeClr val="tx1">
+                <a:lumMod val="75000"/>
+                <a:lumOff val="25000"/>
               </a:schemeClr>
             </a:solidFill>
             <a:prstDash val="dash"/>
@@ -4872,10 +4662,11 @@
               <a:gd name="adj1" fmla="val 50000"/>
             </a:avLst>
           </a:prstGeom>
-          <a:ln w="6350">
+          <a:ln w="9525">
             <a:solidFill>
-              <a:schemeClr val="bg1">
-                <a:lumMod val="50000"/>
+              <a:schemeClr val="tx1">
+                <a:lumMod val="75000"/>
+                <a:lumOff val="25000"/>
               </a:schemeClr>
             </a:solidFill>
             <a:prstDash val="dash"/>
@@ -4916,10 +4707,11 @@
               <a:gd name="adj1" fmla="val 50000"/>
             </a:avLst>
           </a:prstGeom>
-          <a:ln w="6350">
+          <a:ln w="9525">
             <a:solidFill>
-              <a:schemeClr val="bg1">
-                <a:lumMod val="50000"/>
+              <a:schemeClr val="tx1">
+                <a:lumMod val="75000"/>
+                <a:lumOff val="25000"/>
               </a:schemeClr>
             </a:solidFill>
             <a:prstDash val="dash"/>
@@ -4951,19 +4743,20 @@
           <p:nvPr/>
         </p:nvCxnSpPr>
         <p:spPr>
-          <a:xfrm>
-            <a:off x="2854444" y="3450429"/>
-            <a:ext cx="363703" cy="12999"/>
+          <a:xfrm flipV="1">
+            <a:off x="2854444" y="3463428"/>
+            <a:ext cx="363703" cy="3"/>
           </a:xfrm>
           <a:prstGeom prst="bentConnector3">
             <a:avLst>
               <a:gd name="adj1" fmla="val 50000"/>
             </a:avLst>
           </a:prstGeom>
-          <a:ln w="6350">
+          <a:ln w="9525">
             <a:solidFill>
-              <a:schemeClr val="bg1">
-                <a:lumMod val="50000"/>
+              <a:schemeClr val="tx1">
+                <a:lumMod val="75000"/>
+                <a:lumOff val="25000"/>
               </a:schemeClr>
             </a:solidFill>
             <a:prstDash val="dash"/>
@@ -4995,19 +4788,20 @@
           <p:nvPr/>
         </p:nvCxnSpPr>
         <p:spPr>
-          <a:xfrm flipV="1">
-            <a:off x="8994498" y="3463428"/>
-            <a:ext cx="359288" cy="3735"/>
+          <a:xfrm>
+            <a:off x="8994498" y="3467163"/>
+            <a:ext cx="359288" cy="599"/>
           </a:xfrm>
           <a:prstGeom prst="bentConnector3">
             <a:avLst>
               <a:gd name="adj1" fmla="val 50000"/>
             </a:avLst>
           </a:prstGeom>
-          <a:ln w="6350">
+          <a:ln w="9525">
             <a:solidFill>
-              <a:schemeClr val="bg1">
-                <a:lumMod val="50000"/>
+              <a:schemeClr val="tx1">
+                <a:lumMod val="75000"/>
+                <a:lumOff val="25000"/>
               </a:schemeClr>
             </a:solidFill>
             <a:prstDash val="dash"/>
@@ -5048,10 +4842,11 @@
               <a:gd name="adj1" fmla="val 50000"/>
             </a:avLst>
           </a:prstGeom>
-          <a:ln w="6350">
+          <a:ln w="9525">
             <a:solidFill>
-              <a:schemeClr val="bg1">
-                <a:lumMod val="50000"/>
+              <a:schemeClr val="tx1">
+                <a:lumMod val="75000"/>
+                <a:lumOff val="25000"/>
               </a:schemeClr>
             </a:solidFill>
             <a:prstDash val="dash"/>
@@ -5090,10 +4885,11 @@
           <a:prstGeom prst="bentConnector2">
             <a:avLst/>
           </a:prstGeom>
-          <a:ln w="6350">
+          <a:ln w="9525">
             <a:solidFill>
-              <a:schemeClr val="bg1">
-                <a:lumMod val="50000"/>
+              <a:schemeClr val="tx1">
+                <a:lumMod val="75000"/>
+                <a:lumOff val="25000"/>
               </a:schemeClr>
             </a:solidFill>
             <a:prstDash val="dash"/>
@@ -5134,10 +4930,11 @@
               <a:gd name="adj1" fmla="val 50000"/>
             </a:avLst>
           </a:prstGeom>
-          <a:ln w="6350">
+          <a:ln w="9525">
             <a:solidFill>
-              <a:schemeClr val="bg1">
-                <a:lumMod val="50000"/>
+              <a:schemeClr val="tx1">
+                <a:lumMod val="75000"/>
+                <a:lumOff val="25000"/>
               </a:schemeClr>
             </a:solidFill>
             <a:prstDash val="dash"/>
@@ -5178,10 +4975,11 @@
               <a:gd name="adj1" fmla="val 50000"/>
             </a:avLst>
           </a:prstGeom>
-          <a:ln w="6350">
+          <a:ln w="9525">
             <a:solidFill>
-              <a:schemeClr val="bg1">
-                <a:lumMod val="50000"/>
+              <a:schemeClr val="tx1">
+                <a:lumMod val="75000"/>
+                <a:lumOff val="25000"/>
               </a:schemeClr>
             </a:solidFill>
             <a:prstDash val="dash"/>
@@ -5214,16 +5012,17 @@
         </p:nvCxnSpPr>
         <p:spPr>
           <a:xfrm flipV="1">
-            <a:off x="6767162" y="4805212"/>
-            <a:ext cx="438318" cy="915878"/>
+            <a:off x="6944868" y="4805212"/>
+            <a:ext cx="260612" cy="915878"/>
           </a:xfrm>
           <a:prstGeom prst="bentConnector2">
             <a:avLst/>
           </a:prstGeom>
-          <a:ln w="6350">
+          <a:ln w="9525">
             <a:solidFill>
-              <a:schemeClr val="bg1">
-                <a:lumMod val="50000"/>
+              <a:schemeClr val="tx1">
+                <a:lumMod val="75000"/>
+                <a:lumOff val="25000"/>
               </a:schemeClr>
             </a:solidFill>
             <a:prstDash val="dash"/>
@@ -5256,16 +5055,17 @@
         </p:nvCxnSpPr>
         <p:spPr>
           <a:xfrm rot="10800000">
-            <a:off x="4987626" y="4805212"/>
-            <a:ext cx="541986" cy="915878"/>
+            <a:off x="4987627" y="4805212"/>
+            <a:ext cx="271317" cy="915878"/>
           </a:xfrm>
           <a:prstGeom prst="bentConnector2">
             <a:avLst/>
           </a:prstGeom>
-          <a:ln w="6350">
+          <a:ln w="9525">
             <a:solidFill>
-              <a:schemeClr val="bg1">
-                <a:lumMod val="50000"/>
+              <a:schemeClr val="tx1">
+                <a:lumMod val="75000"/>
+                <a:lumOff val="25000"/>
               </a:schemeClr>
             </a:solidFill>
             <a:prstDash val="dash"/>
@@ -5287,61 +5087,6 @@
           </a:fontRef>
         </p:style>
       </p:cxnSp>
-      <p:sp>
-        <p:nvSpPr>
-          <p:cNvPr id="23" name="Rectangle 22"/>
-          <p:cNvSpPr/>
-          <p:nvPr/>
-        </p:nvSpPr>
-        <p:spPr>
-          <a:xfrm>
-            <a:off x="1492016" y="5814670"/>
-            <a:ext cx="2569094" cy="343128"/>
-          </a:xfrm>
-          <a:prstGeom prst="rect">
-            <a:avLst/>
-          </a:prstGeom>
-          <a:noFill/>
-          <a:ln w="6350">
-            <a:noFill/>
-          </a:ln>
-        </p:spPr>
-        <p:style>
-          <a:lnRef idx="2">
-            <a:schemeClr val="accent1">
-              <a:shade val="50000"/>
-            </a:schemeClr>
-          </a:lnRef>
-          <a:fillRef idx="1">
-            <a:schemeClr val="accent1"/>
-          </a:fillRef>
-          <a:effectRef idx="0">
-            <a:schemeClr val="accent1"/>
-          </a:effectRef>
-          <a:fontRef idx="minor">
-            <a:schemeClr val="lt1"/>
-          </a:fontRef>
-        </p:style>
-        <p:txBody>
-          <a:bodyPr rtlCol="0" anchor="ctr"/>
-          <a:lstStyle/>
-          <a:p>
-            <a:r>
-              <a:rPr lang="en-US" sz="1400" dirty="0" smtClean="0">
-                <a:solidFill>
-                  <a:schemeClr val="tx1"/>
-                </a:solidFill>
-              </a:rPr>
-              <a:t>RepoDb High-Level Architecture</a:t>
-            </a:r>
-            <a:endParaRPr lang="en-US" sz="1400" dirty="0">
-              <a:solidFill>
-                <a:schemeClr val="tx1"/>
-              </a:solidFill>
-            </a:endParaRPr>
-          </a:p>
-        </p:txBody>
-      </p:sp>
     </p:spTree>
     <p:extLst>
       <p:ext uri="{BB962C8B-B14F-4D97-AF65-F5344CB8AC3E}">

--- a/RepoDb.Wiki/Files/HLA.pptx
+++ b/RepoDb.Wiki/Files/HLA.pptx
@@ -2991,7 +2991,18 @@
           <a:prstGeom prst="flowChartMagneticDisk">
             <a:avLst/>
           </a:prstGeom>
-          <a:ln/>
+          <a:solidFill>
+            <a:schemeClr val="bg1">
+              <a:lumMod val="95000"/>
+            </a:schemeClr>
+          </a:solidFill>
+          <a:ln>
+            <a:solidFill>
+              <a:schemeClr val="bg1">
+                <a:lumMod val="85000"/>
+              </a:schemeClr>
+            </a:solidFill>
+          </a:ln>
         </p:spPr>
         <p:style>
           <a:lnRef idx="2">
@@ -3017,7 +3028,10 @@
             <a:r>
               <a:rPr lang="en-US" sz="1000" b="1" dirty="0" smtClean="0">
                 <a:solidFill>
-                  <a:schemeClr val="bg1"/>
+                  <a:schemeClr val="tx1">
+                    <a:lumMod val="65000"/>
+                    <a:lumOff val="35000"/>
+                  </a:schemeClr>
                 </a:solidFill>
               </a:rPr>
               <a:t>Database</a:t>
@@ -3028,7 +3042,10 @@
             <a:r>
               <a:rPr lang="en-US" sz="1000" b="1" dirty="0" smtClean="0">
                 <a:solidFill>
-                  <a:schemeClr val="bg1"/>
+                  <a:schemeClr val="tx1">
+                    <a:lumMod val="65000"/>
+                    <a:lumOff val="35000"/>
+                  </a:schemeClr>
                 </a:solidFill>
               </a:rPr>
               <a:t>(</a:t>
@@ -3036,7 +3053,10 @@
             <a:r>
               <a:rPr lang="en-US" sz="1000" b="1" dirty="0" err="1" smtClean="0">
                 <a:solidFill>
-                  <a:schemeClr val="bg1"/>
+                  <a:schemeClr val="tx1">
+                    <a:lumMod val="65000"/>
+                    <a:lumOff val="35000"/>
+                  </a:schemeClr>
                 </a:solidFill>
               </a:rPr>
               <a:t>Sql</a:t>
@@ -3044,7 +3064,10 @@
             <a:r>
               <a:rPr lang="en-US" sz="1000" b="1" dirty="0" smtClean="0">
                 <a:solidFill>
-                  <a:schemeClr val="bg1"/>
+                  <a:schemeClr val="tx1">
+                    <a:lumMod val="65000"/>
+                    <a:lumOff val="35000"/>
+                  </a:schemeClr>
                 </a:solidFill>
               </a:rPr>
               <a:t>, Oracle, </a:t>
@@ -3052,7 +3075,10 @@
             <a:r>
               <a:rPr lang="en-US" sz="1000" b="1" dirty="0" err="1" smtClean="0">
                 <a:solidFill>
-                  <a:schemeClr val="bg1"/>
+                  <a:schemeClr val="tx1">
+                    <a:lumMod val="65000"/>
+                    <a:lumOff val="35000"/>
+                  </a:schemeClr>
                 </a:solidFill>
               </a:rPr>
               <a:t>MySql</a:t>
@@ -3060,7 +3086,10 @@
             <a:r>
               <a:rPr lang="en-US" sz="1000" b="1" dirty="0" smtClean="0">
                 <a:solidFill>
-                  <a:schemeClr val="bg1"/>
+                  <a:schemeClr val="tx1">
+                    <a:lumMod val="65000"/>
+                    <a:lumOff val="35000"/>
+                  </a:schemeClr>
                 </a:solidFill>
               </a:rPr>
               <a:t>, </a:t>
@@ -3068,7 +3097,10 @@
             <a:r>
               <a:rPr lang="en-US" sz="1000" b="1" dirty="0" err="1" smtClean="0">
                 <a:solidFill>
-                  <a:schemeClr val="bg1"/>
+                  <a:schemeClr val="tx1">
+                    <a:lumMod val="65000"/>
+                    <a:lumOff val="35000"/>
+                  </a:schemeClr>
                 </a:solidFill>
               </a:rPr>
               <a:t>etc</a:t>
@@ -3076,14 +3108,20 @@
             <a:r>
               <a:rPr lang="en-US" sz="1000" b="1" dirty="0" smtClean="0">
                 <a:solidFill>
-                  <a:schemeClr val="bg1"/>
+                  <a:schemeClr val="tx1">
+                    <a:lumMod val="65000"/>
+                    <a:lumOff val="35000"/>
+                  </a:schemeClr>
                 </a:solidFill>
               </a:rPr>
               <a:t>)</a:t>
             </a:r>
             <a:endParaRPr lang="en-US" sz="1000" b="1" dirty="0">
               <a:solidFill>
-                <a:schemeClr val="bg1"/>
+                <a:schemeClr val="tx1">
+                  <a:lumMod val="65000"/>
+                  <a:lumOff val="35000"/>
+                </a:schemeClr>
               </a:solidFill>
             </a:endParaRPr>
           </a:p>
@@ -3103,7 +3141,18 @@
           <a:prstGeom prst="flowChartAlternateProcess">
             <a:avLst/>
           </a:prstGeom>
-          <a:ln/>
+          <a:solidFill>
+            <a:schemeClr val="bg1">
+              <a:lumMod val="95000"/>
+            </a:schemeClr>
+          </a:solidFill>
+          <a:ln>
+            <a:solidFill>
+              <a:schemeClr val="bg1">
+                <a:lumMod val="85000"/>
+              </a:schemeClr>
+            </a:solidFill>
+          </a:ln>
         </p:spPr>
         <p:style>
           <a:lnRef idx="2">
@@ -3129,14 +3178,20 @@
             <a:r>
               <a:rPr lang="en-US" sz="1050" b="1" dirty="0" err="1" smtClean="0">
                 <a:solidFill>
-                  <a:schemeClr val="bg1"/>
+                  <a:schemeClr val="tx1">
+                    <a:lumMod val="65000"/>
+                    <a:lumOff val="35000"/>
+                  </a:schemeClr>
                 </a:solidFill>
               </a:rPr>
               <a:t>IDbConnection</a:t>
             </a:r>
             <a:endParaRPr lang="en-US" sz="1050" b="1" dirty="0">
               <a:solidFill>
-                <a:schemeClr val="bg1"/>
+                <a:schemeClr val="tx1">
+                  <a:lumMod val="65000"/>
+                  <a:lumOff val="35000"/>
+                </a:schemeClr>
               </a:solidFill>
             </a:endParaRPr>
           </a:p>
@@ -3156,7 +3211,18 @@
           <a:prstGeom prst="flowChartAlternateProcess">
             <a:avLst/>
           </a:prstGeom>
-          <a:ln/>
+          <a:solidFill>
+            <a:schemeClr val="bg1">
+              <a:lumMod val="95000"/>
+            </a:schemeClr>
+          </a:solidFill>
+          <a:ln>
+            <a:solidFill>
+              <a:schemeClr val="bg1">
+                <a:lumMod val="85000"/>
+              </a:schemeClr>
+            </a:solidFill>
+          </a:ln>
         </p:spPr>
         <p:style>
           <a:lnRef idx="2">
@@ -3182,14 +3248,20 @@
             <a:r>
               <a:rPr lang="en-US" sz="1050" b="1" dirty="0" err="1" smtClean="0">
                 <a:solidFill>
-                  <a:schemeClr val="bg1"/>
+                  <a:schemeClr val="tx1">
+                    <a:lumMod val="65000"/>
+                    <a:lumOff val="35000"/>
+                  </a:schemeClr>
                 </a:solidFill>
               </a:rPr>
               <a:t>DbRepository</a:t>
             </a:r>
             <a:endParaRPr lang="en-US" sz="1050" b="1" dirty="0">
               <a:solidFill>
-                <a:schemeClr val="bg1"/>
+                <a:schemeClr val="tx1">
+                  <a:lumMod val="65000"/>
+                  <a:lumOff val="35000"/>
+                </a:schemeClr>
               </a:solidFill>
             </a:endParaRPr>
           </a:p>
@@ -3198,7 +3270,10 @@
             <a:r>
               <a:rPr lang="en-US" sz="1050" dirty="0" smtClean="0">
                 <a:solidFill>
-                  <a:schemeClr val="bg1"/>
+                  <a:schemeClr val="tx1">
+                    <a:lumMod val="65000"/>
+                    <a:lumOff val="35000"/>
+                  </a:schemeClr>
                 </a:solidFill>
               </a:rPr>
               <a:t>&lt;</a:t>
@@ -3206,7 +3281,10 @@
             <a:r>
               <a:rPr lang="en-US" sz="1050" dirty="0" err="1" smtClean="0">
                 <a:solidFill>
-                  <a:schemeClr val="bg1"/>
+                  <a:schemeClr val="tx1">
+                    <a:lumMod val="65000"/>
+                    <a:lumOff val="35000"/>
+                  </a:schemeClr>
                 </a:solidFill>
               </a:rPr>
               <a:t>TDbConnection</a:t>
@@ -3214,14 +3292,20 @@
             <a:r>
               <a:rPr lang="en-US" sz="1050" dirty="0" smtClean="0">
                 <a:solidFill>
-                  <a:schemeClr val="bg1"/>
+                  <a:schemeClr val="tx1">
+                    <a:lumMod val="65000"/>
+                    <a:lumOff val="35000"/>
+                  </a:schemeClr>
                 </a:solidFill>
               </a:rPr>
               <a:t>&gt;</a:t>
             </a:r>
             <a:endParaRPr lang="en-US" sz="1050" dirty="0">
               <a:solidFill>
-                <a:schemeClr val="bg1"/>
+                <a:schemeClr val="tx1">
+                  <a:lumMod val="65000"/>
+                  <a:lumOff val="35000"/>
+                </a:schemeClr>
               </a:solidFill>
             </a:endParaRPr>
           </a:p>
@@ -3241,7 +3325,18 @@
           <a:prstGeom prst="flowChartAlternateProcess">
             <a:avLst/>
           </a:prstGeom>
-          <a:ln/>
+          <a:solidFill>
+            <a:schemeClr val="bg1">
+              <a:lumMod val="95000"/>
+            </a:schemeClr>
+          </a:solidFill>
+          <a:ln>
+            <a:solidFill>
+              <a:schemeClr val="bg1">
+                <a:lumMod val="85000"/>
+              </a:schemeClr>
+            </a:solidFill>
+          </a:ln>
         </p:spPr>
         <p:style>
           <a:lnRef idx="2">
@@ -3267,14 +3362,20 @@
             <a:r>
               <a:rPr lang="en-US" sz="1050" b="1" dirty="0" err="1" smtClean="0">
                 <a:solidFill>
-                  <a:schemeClr val="bg1"/>
+                  <a:schemeClr val="tx1">
+                    <a:lumMod val="65000"/>
+                    <a:lumOff val="35000"/>
+                  </a:schemeClr>
                 </a:solidFill>
               </a:rPr>
               <a:t>BaseRepository</a:t>
             </a:r>
             <a:endParaRPr lang="en-US" sz="1050" b="1" dirty="0">
               <a:solidFill>
-                <a:schemeClr val="bg1"/>
+                <a:schemeClr val="tx1">
+                  <a:lumMod val="65000"/>
+                  <a:lumOff val="35000"/>
+                </a:schemeClr>
               </a:solidFill>
             </a:endParaRPr>
           </a:p>
@@ -3283,7 +3384,10 @@
             <a:r>
               <a:rPr lang="en-US" sz="1050" dirty="0" smtClean="0">
                 <a:solidFill>
-                  <a:schemeClr val="bg1"/>
+                  <a:schemeClr val="tx1">
+                    <a:lumMod val="65000"/>
+                    <a:lumOff val="35000"/>
+                  </a:schemeClr>
                 </a:solidFill>
               </a:rPr>
               <a:t>&lt;</a:t>
@@ -3291,7 +3395,10 @@
             <a:r>
               <a:rPr lang="en-US" sz="1050" dirty="0" err="1" smtClean="0">
                 <a:solidFill>
-                  <a:schemeClr val="bg1"/>
+                  <a:schemeClr val="tx1">
+                    <a:lumMod val="65000"/>
+                    <a:lumOff val="35000"/>
+                  </a:schemeClr>
                 </a:solidFill>
               </a:rPr>
               <a:t>TEntity</a:t>
@@ -3299,7 +3406,10 @@
             <a:r>
               <a:rPr lang="en-US" sz="1050" dirty="0" smtClean="0">
                 <a:solidFill>
-                  <a:schemeClr val="bg1"/>
+                  <a:schemeClr val="tx1">
+                    <a:lumMod val="65000"/>
+                    <a:lumOff val="35000"/>
+                  </a:schemeClr>
                 </a:solidFill>
               </a:rPr>
               <a:t>, </a:t>
@@ -3307,7 +3417,10 @@
             <a:r>
               <a:rPr lang="en-US" sz="1050" dirty="0" err="1" smtClean="0">
                 <a:solidFill>
-                  <a:schemeClr val="bg1"/>
+                  <a:schemeClr val="tx1">
+                    <a:lumMod val="65000"/>
+                    <a:lumOff val="35000"/>
+                  </a:schemeClr>
                 </a:solidFill>
               </a:rPr>
               <a:t>TDbConnection</a:t>
@@ -3315,14 +3428,20 @@
             <a:r>
               <a:rPr lang="en-US" sz="1050" dirty="0" smtClean="0">
                 <a:solidFill>
-                  <a:schemeClr val="bg1"/>
+                  <a:schemeClr val="tx1">
+                    <a:lumMod val="65000"/>
+                    <a:lumOff val="35000"/>
+                  </a:schemeClr>
                 </a:solidFill>
               </a:rPr>
               <a:t>&gt;</a:t>
             </a:r>
             <a:endParaRPr lang="en-US" sz="1050" dirty="0">
               <a:solidFill>
-                <a:schemeClr val="bg1"/>
+                <a:schemeClr val="tx1">
+                  <a:lumMod val="65000"/>
+                  <a:lumOff val="35000"/>
+                </a:schemeClr>
               </a:solidFill>
             </a:endParaRPr>
           </a:p>
@@ -3342,7 +3461,18 @@
           <a:prstGeom prst="flowChartAlternateProcess">
             <a:avLst/>
           </a:prstGeom>
-          <a:ln/>
+          <a:solidFill>
+            <a:schemeClr val="bg1">
+              <a:lumMod val="95000"/>
+            </a:schemeClr>
+          </a:solidFill>
+          <a:ln>
+            <a:solidFill>
+              <a:schemeClr val="bg1">
+                <a:lumMod val="85000"/>
+              </a:schemeClr>
+            </a:solidFill>
+          </a:ln>
         </p:spPr>
         <p:style>
           <a:lnRef idx="2">
@@ -3368,14 +3498,20 @@
             <a:r>
               <a:rPr lang="en-US" sz="900" b="1" dirty="0" err="1" smtClean="0">
                 <a:solidFill>
-                  <a:schemeClr val="bg1"/>
+                  <a:schemeClr val="tx1">
+                    <a:lumMod val="65000"/>
+                    <a:lumOff val="35000"/>
+                  </a:schemeClr>
                 </a:solidFill>
               </a:rPr>
               <a:t>ITrace</a:t>
             </a:r>
             <a:endParaRPr lang="en-US" sz="900" b="1" dirty="0">
               <a:solidFill>
-                <a:schemeClr val="bg1"/>
+                <a:schemeClr val="tx1">
+                  <a:lumMod val="65000"/>
+                  <a:lumOff val="35000"/>
+                </a:schemeClr>
               </a:solidFill>
             </a:endParaRPr>
           </a:p>
@@ -3384,7 +3520,10 @@
             <a:r>
               <a:rPr lang="en-US" sz="900" dirty="0" smtClean="0">
                 <a:solidFill>
-                  <a:schemeClr val="bg1"/>
+                  <a:schemeClr val="tx1">
+                    <a:lumMod val="65000"/>
+                    <a:lumOff val="35000"/>
+                  </a:schemeClr>
                 </a:solidFill>
               </a:rPr>
               <a:t>(</a:t>
@@ -3392,7 +3531,10 @@
             <a:r>
               <a:rPr lang="en-US" sz="900" dirty="0" err="1" smtClean="0">
                 <a:solidFill>
-                  <a:schemeClr val="bg1"/>
+                  <a:schemeClr val="tx1">
+                    <a:lumMod val="65000"/>
+                    <a:lumOff val="35000"/>
+                  </a:schemeClr>
                 </a:solidFill>
               </a:rPr>
               <a:t>BeforeInsert</a:t>
@@ -3400,7 +3542,10 @@
             <a:r>
               <a:rPr lang="en-US" sz="900" dirty="0" smtClean="0">
                 <a:solidFill>
-                  <a:schemeClr val="bg1"/>
+                  <a:schemeClr val="tx1">
+                    <a:lumMod val="65000"/>
+                    <a:lumOff val="35000"/>
+                  </a:schemeClr>
                 </a:solidFill>
               </a:rPr>
               <a:t>, </a:t>
@@ -3408,7 +3553,10 @@
             <a:r>
               <a:rPr lang="en-US" sz="900" dirty="0" err="1" smtClean="0">
                 <a:solidFill>
-                  <a:schemeClr val="bg1"/>
+                  <a:schemeClr val="tx1">
+                    <a:lumMod val="65000"/>
+                    <a:lumOff val="35000"/>
+                  </a:schemeClr>
                 </a:solidFill>
               </a:rPr>
               <a:t>AfterInsert</a:t>
@@ -3416,7 +3564,10 @@
             <a:r>
               <a:rPr lang="en-US" sz="900" dirty="0" smtClean="0">
                 <a:solidFill>
-                  <a:schemeClr val="bg1"/>
+                  <a:schemeClr val="tx1">
+                    <a:lumMod val="65000"/>
+                    <a:lumOff val="35000"/>
+                  </a:schemeClr>
                 </a:solidFill>
               </a:rPr>
               <a:t>, </a:t>
@@ -3424,7 +3575,10 @@
             <a:r>
               <a:rPr lang="en-US" sz="900" dirty="0" err="1" smtClean="0">
                 <a:solidFill>
-                  <a:schemeClr val="bg1"/>
+                  <a:schemeClr val="tx1">
+                    <a:lumMod val="65000"/>
+                    <a:lumOff val="35000"/>
+                  </a:schemeClr>
                 </a:solidFill>
               </a:rPr>
               <a:t>etc</a:t>
@@ -3432,14 +3586,20 @@
             <a:r>
               <a:rPr lang="en-US" sz="900" dirty="0" smtClean="0">
                 <a:solidFill>
-                  <a:schemeClr val="bg1"/>
+                  <a:schemeClr val="tx1">
+                    <a:lumMod val="65000"/>
+                    <a:lumOff val="35000"/>
+                  </a:schemeClr>
                 </a:solidFill>
               </a:rPr>
               <a:t>)</a:t>
             </a:r>
             <a:endParaRPr lang="en-US" sz="900" dirty="0">
               <a:solidFill>
-                <a:schemeClr val="bg1"/>
+                <a:schemeClr val="tx1">
+                  <a:lumMod val="65000"/>
+                  <a:lumOff val="35000"/>
+                </a:schemeClr>
               </a:solidFill>
             </a:endParaRPr>
           </a:p>
@@ -3459,7 +3619,18 @@
           <a:prstGeom prst="flowChartAlternateProcess">
             <a:avLst/>
           </a:prstGeom>
-          <a:ln/>
+          <a:solidFill>
+            <a:schemeClr val="bg1">
+              <a:lumMod val="95000"/>
+            </a:schemeClr>
+          </a:solidFill>
+          <a:ln>
+            <a:solidFill>
+              <a:schemeClr val="bg1">
+                <a:lumMod val="85000"/>
+              </a:schemeClr>
+            </a:solidFill>
+          </a:ln>
         </p:spPr>
         <p:style>
           <a:lnRef idx="2">
@@ -3485,14 +3656,20 @@
             <a:r>
               <a:rPr lang="en-US" sz="900" b="1" dirty="0" err="1" smtClean="0">
                 <a:solidFill>
-                  <a:schemeClr val="bg1"/>
+                  <a:schemeClr val="tx1">
+                    <a:lumMod val="65000"/>
+                    <a:lumOff val="35000"/>
+                  </a:schemeClr>
                 </a:solidFill>
               </a:rPr>
               <a:t>IDbOperationProvider</a:t>
             </a:r>
             <a:endParaRPr lang="en-US" sz="900" b="1" dirty="0" smtClean="0">
               <a:solidFill>
-                <a:schemeClr val="bg1"/>
+                <a:schemeClr val="tx1">
+                  <a:lumMod val="65000"/>
+                  <a:lumOff val="35000"/>
+                </a:schemeClr>
               </a:solidFill>
             </a:endParaRPr>
           </a:p>
@@ -3501,7 +3678,10 @@
             <a:r>
               <a:rPr lang="en-US" sz="900" dirty="0" smtClean="0">
                 <a:solidFill>
-                  <a:schemeClr val="bg1"/>
+                  <a:schemeClr val="tx1">
+                    <a:lumMod val="65000"/>
+                    <a:lumOff val="35000"/>
+                  </a:schemeClr>
                 </a:solidFill>
               </a:rPr>
               <a:t>(</a:t>
@@ -3509,7 +3689,10 @@
             <a:r>
               <a:rPr lang="en-US" sz="900" dirty="0" err="1" smtClean="0">
                 <a:solidFill>
-                  <a:schemeClr val="bg1"/>
+                  <a:schemeClr val="tx1">
+                    <a:lumMod val="65000"/>
+                    <a:lumOff val="35000"/>
+                  </a:schemeClr>
                 </a:solidFill>
               </a:rPr>
               <a:t>Sql</a:t>
@@ -3517,7 +3700,10 @@
             <a:r>
               <a:rPr lang="en-US" sz="900" dirty="0" smtClean="0">
                 <a:solidFill>
-                  <a:schemeClr val="bg1"/>
+                  <a:schemeClr val="tx1">
+                    <a:lumMod val="65000"/>
+                    <a:lumOff val="35000"/>
+                  </a:schemeClr>
                 </a:solidFill>
               </a:rPr>
               <a:t>, Oracle, </a:t>
@@ -3525,7 +3711,10 @@
             <a:r>
               <a:rPr lang="en-US" sz="900" dirty="0" err="1" smtClean="0">
                 <a:solidFill>
-                  <a:schemeClr val="bg1"/>
+                  <a:schemeClr val="tx1">
+                    <a:lumMod val="65000"/>
+                    <a:lumOff val="35000"/>
+                  </a:schemeClr>
                 </a:solidFill>
               </a:rPr>
               <a:t>MySql</a:t>
@@ -3533,7 +3722,10 @@
             <a:r>
               <a:rPr lang="en-US" sz="900" dirty="0" smtClean="0">
                 <a:solidFill>
-                  <a:schemeClr val="bg1"/>
+                  <a:schemeClr val="tx1">
+                    <a:lumMod val="65000"/>
+                    <a:lumOff val="35000"/>
+                  </a:schemeClr>
                 </a:solidFill>
               </a:rPr>
               <a:t>, </a:t>
@@ -3541,7 +3733,10 @@
             <a:r>
               <a:rPr lang="en-US" sz="900" dirty="0" err="1" smtClean="0">
                 <a:solidFill>
-                  <a:schemeClr val="bg1"/>
+                  <a:schemeClr val="tx1">
+                    <a:lumMod val="65000"/>
+                    <a:lumOff val="35000"/>
+                  </a:schemeClr>
                 </a:solidFill>
               </a:rPr>
               <a:t>PostgreSql</a:t>
@@ -3549,7 +3744,10 @@
             <a:r>
               <a:rPr lang="en-US" sz="900" dirty="0" smtClean="0">
                 <a:solidFill>
-                  <a:schemeClr val="bg1"/>
+                  <a:schemeClr val="tx1">
+                    <a:lumMod val="65000"/>
+                    <a:lumOff val="35000"/>
+                  </a:schemeClr>
                 </a:solidFill>
               </a:rPr>
               <a:t>)</a:t>
@@ -3571,7 +3769,18 @@
           <a:prstGeom prst="flowChartAlternateProcess">
             <a:avLst/>
           </a:prstGeom>
-          <a:ln/>
+          <a:solidFill>
+            <a:schemeClr val="bg1">
+              <a:lumMod val="95000"/>
+            </a:schemeClr>
+          </a:solidFill>
+          <a:ln>
+            <a:solidFill>
+              <a:schemeClr val="bg1">
+                <a:lumMod val="85000"/>
+              </a:schemeClr>
+            </a:solidFill>
+          </a:ln>
         </p:spPr>
         <p:style>
           <a:lnRef idx="2">
@@ -3597,7 +3806,10 @@
             <a:r>
               <a:rPr lang="en-US" sz="900" dirty="0" err="1" smtClean="0">
                 <a:solidFill>
-                  <a:schemeClr val="bg1"/>
+                  <a:schemeClr val="tx1">
+                    <a:lumMod val="65000"/>
+                    <a:lumOff val="35000"/>
+                  </a:schemeClr>
                 </a:solidFill>
               </a:rPr>
               <a:t>ObjectCache</a:t>
@@ -3605,7 +3817,10 @@
             <a:r>
               <a:rPr lang="en-US" sz="900" dirty="0" smtClean="0">
                 <a:solidFill>
-                  <a:schemeClr val="bg1"/>
+                  <a:schemeClr val="tx1">
+                    <a:lumMod val="65000"/>
+                    <a:lumOff val="35000"/>
+                  </a:schemeClr>
                 </a:solidFill>
               </a:rPr>
               <a:t>(s)</a:t>
@@ -3616,7 +3831,10 @@
             <a:r>
               <a:rPr lang="en-US" sz="900" dirty="0" smtClean="0">
                 <a:solidFill>
-                  <a:schemeClr val="bg1"/>
+                  <a:schemeClr val="tx1">
+                    <a:lumMod val="65000"/>
+                    <a:lumOff val="35000"/>
+                  </a:schemeClr>
                 </a:solidFill>
               </a:rPr>
               <a:t>(</a:t>
@@ -3624,7 +3842,10 @@
             <a:r>
               <a:rPr lang="en-US" sz="900" dirty="0" err="1" smtClean="0">
                 <a:solidFill>
-                  <a:schemeClr val="bg1"/>
+                  <a:schemeClr val="tx1">
+                    <a:lumMod val="65000"/>
+                    <a:lumOff val="35000"/>
+                  </a:schemeClr>
                 </a:solidFill>
               </a:rPr>
               <a:t>CommandText</a:t>
@@ -3632,7 +3853,10 @@
             <a:r>
               <a:rPr lang="en-US" sz="900" dirty="0" smtClean="0">
                 <a:solidFill>
-                  <a:schemeClr val="bg1"/>
+                  <a:schemeClr val="tx1">
+                    <a:lumMod val="65000"/>
+                    <a:lumOff val="35000"/>
+                  </a:schemeClr>
                 </a:solidFill>
               </a:rPr>
               <a:t>, Columns, </a:t>
@@ -3640,7 +3864,10 @@
             <a:r>
               <a:rPr lang="en-US" sz="900" dirty="0" err="1" smtClean="0">
                 <a:solidFill>
-                  <a:schemeClr val="bg1"/>
+                  <a:schemeClr val="tx1">
+                    <a:lumMod val="65000"/>
+                    <a:lumOff val="35000"/>
+                  </a:schemeClr>
                 </a:solidFill>
               </a:rPr>
               <a:t>ExecutionContext</a:t>
@@ -3648,7 +3875,10 @@
             <a:r>
               <a:rPr lang="en-US" sz="900" dirty="0" smtClean="0">
                 <a:solidFill>
-                  <a:schemeClr val="bg1"/>
+                  <a:schemeClr val="tx1">
+                    <a:lumMod val="65000"/>
+                    <a:lumOff val="35000"/>
+                  </a:schemeClr>
                 </a:solidFill>
               </a:rPr>
               <a:t>, Property, Mappings, </a:t>
@@ -3656,7 +3886,10 @@
             <a:r>
               <a:rPr lang="en-US" sz="900" dirty="0" err="1" smtClean="0">
                 <a:solidFill>
-                  <a:schemeClr val="bg1"/>
+                  <a:schemeClr val="tx1">
+                    <a:lumMod val="65000"/>
+                    <a:lumOff val="35000"/>
+                  </a:schemeClr>
                 </a:solidFill>
               </a:rPr>
               <a:t>etc</a:t>
@@ -3664,14 +3897,20 @@
             <a:r>
               <a:rPr lang="en-US" sz="900" dirty="0" smtClean="0">
                 <a:solidFill>
-                  <a:schemeClr val="bg1"/>
+                  <a:schemeClr val="tx1">
+                    <a:lumMod val="65000"/>
+                    <a:lumOff val="35000"/>
+                  </a:schemeClr>
                 </a:solidFill>
               </a:rPr>
               <a:t>)</a:t>
             </a:r>
             <a:endParaRPr lang="en-US" sz="900" dirty="0">
               <a:solidFill>
-                <a:schemeClr val="bg1"/>
+                <a:schemeClr val="tx1">
+                  <a:lumMod val="65000"/>
+                  <a:lumOff val="35000"/>
+                </a:schemeClr>
               </a:solidFill>
             </a:endParaRPr>
           </a:p>
@@ -3691,7 +3930,18 @@
           <a:prstGeom prst="flowChartAlternateProcess">
             <a:avLst/>
           </a:prstGeom>
-          <a:ln/>
+          <a:solidFill>
+            <a:schemeClr val="bg1">
+              <a:lumMod val="95000"/>
+            </a:schemeClr>
+          </a:solidFill>
+          <a:ln>
+            <a:solidFill>
+              <a:schemeClr val="bg1">
+                <a:lumMod val="85000"/>
+              </a:schemeClr>
+            </a:solidFill>
+          </a:ln>
         </p:spPr>
         <p:style>
           <a:lnRef idx="2">
@@ -3717,7 +3967,10 @@
             <a:r>
               <a:rPr lang="en-US" sz="900" dirty="0" smtClean="0">
                 <a:solidFill>
-                  <a:schemeClr val="bg1"/>
+                  <a:schemeClr val="tx1">
+                    <a:lumMod val="65000"/>
+                    <a:lumOff val="35000"/>
+                  </a:schemeClr>
                 </a:solidFill>
               </a:rPr>
               <a:t>Helper Methods:</a:t>
@@ -3728,14 +3981,20 @@
             <a:r>
               <a:rPr lang="en-US" sz="900" dirty="0" err="1" smtClean="0">
                 <a:solidFill>
-                  <a:schemeClr val="bg1"/>
+                  <a:schemeClr val="tx1">
+                    <a:lumMod val="65000"/>
+                    <a:lumOff val="35000"/>
+                  </a:schemeClr>
                 </a:solidFill>
               </a:rPr>
               <a:t>GetFields</a:t>
             </a:r>
             <a:endParaRPr lang="en-US" sz="900" dirty="0">
               <a:solidFill>
-                <a:schemeClr val="bg1"/>
+                <a:schemeClr val="tx1">
+                  <a:lumMod val="65000"/>
+                  <a:lumOff val="35000"/>
+                </a:schemeClr>
               </a:solidFill>
             </a:endParaRPr>
           </a:p>
@@ -3755,7 +4014,18 @@
           <a:prstGeom prst="flowChartAlternateProcess">
             <a:avLst/>
           </a:prstGeom>
-          <a:ln/>
+          <a:solidFill>
+            <a:schemeClr val="bg1">
+              <a:lumMod val="95000"/>
+            </a:schemeClr>
+          </a:solidFill>
+          <a:ln>
+            <a:solidFill>
+              <a:schemeClr val="bg1">
+                <a:lumMod val="85000"/>
+              </a:schemeClr>
+            </a:solidFill>
+          </a:ln>
         </p:spPr>
         <p:style>
           <a:lnRef idx="2">
@@ -3781,7 +4051,10 @@
             <a:r>
               <a:rPr lang="en-US" sz="900" dirty="0" smtClean="0">
                 <a:solidFill>
-                  <a:schemeClr val="bg1"/>
+                  <a:schemeClr val="tx1">
+                    <a:lumMod val="65000"/>
+                    <a:lumOff val="35000"/>
+                  </a:schemeClr>
                 </a:solidFill>
               </a:rPr>
               <a:t>DB Specific Operations:</a:t>
@@ -3792,14 +4065,20 @@
             <a:r>
               <a:rPr lang="en-US" sz="900" dirty="0" err="1" smtClean="0">
                 <a:solidFill>
-                  <a:schemeClr val="bg1"/>
+                  <a:schemeClr val="tx1">
+                    <a:lumMod val="65000"/>
+                    <a:lumOff val="35000"/>
+                  </a:schemeClr>
                 </a:solidFill>
               </a:rPr>
               <a:t>BulkInsert</a:t>
             </a:r>
             <a:endParaRPr lang="en-US" sz="900" dirty="0">
               <a:solidFill>
-                <a:schemeClr val="bg1"/>
+                <a:schemeClr val="tx1">
+                  <a:lumMod val="65000"/>
+                  <a:lumOff val="35000"/>
+                </a:schemeClr>
               </a:solidFill>
             </a:endParaRPr>
           </a:p>
@@ -3819,7 +4098,18 @@
           <a:prstGeom prst="flowChartAlternateProcess">
             <a:avLst/>
           </a:prstGeom>
-          <a:ln/>
+          <a:solidFill>
+            <a:schemeClr val="bg1">
+              <a:lumMod val="95000"/>
+            </a:schemeClr>
+          </a:solidFill>
+          <a:ln>
+            <a:solidFill>
+              <a:schemeClr val="bg1">
+                <a:lumMod val="85000"/>
+              </a:schemeClr>
+            </a:solidFill>
+          </a:ln>
         </p:spPr>
         <p:style>
           <a:lnRef idx="2">
@@ -3845,14 +4135,20 @@
             <a:r>
               <a:rPr lang="en-US" sz="900" b="1" dirty="0" err="1" smtClean="0">
                 <a:solidFill>
-                  <a:schemeClr val="bg1"/>
+                  <a:schemeClr val="tx1">
+                    <a:lumMod val="65000"/>
+                    <a:lumOff val="35000"/>
+                  </a:schemeClr>
                 </a:solidFill>
               </a:rPr>
               <a:t>IStatementBuilder</a:t>
             </a:r>
             <a:endParaRPr lang="en-US" sz="900" b="1" dirty="0" smtClean="0">
               <a:solidFill>
-                <a:schemeClr val="bg1"/>
+                <a:schemeClr val="tx1">
+                  <a:lumMod val="65000"/>
+                  <a:lumOff val="35000"/>
+                </a:schemeClr>
               </a:solidFill>
             </a:endParaRPr>
           </a:p>
@@ -3861,7 +4157,10 @@
             <a:r>
               <a:rPr lang="en-US" sz="900" dirty="0" smtClean="0">
                 <a:solidFill>
-                  <a:schemeClr val="bg1"/>
+                  <a:schemeClr val="tx1">
+                    <a:lumMod val="65000"/>
+                    <a:lumOff val="35000"/>
+                  </a:schemeClr>
                 </a:solidFill>
               </a:rPr>
               <a:t>(</a:t>
@@ -3869,7 +4168,10 @@
             <a:r>
               <a:rPr lang="en-US" sz="900" dirty="0" err="1" smtClean="0">
                 <a:solidFill>
-                  <a:schemeClr val="bg1"/>
+                  <a:schemeClr val="tx1">
+                    <a:lumMod val="65000"/>
+                    <a:lumOff val="35000"/>
+                  </a:schemeClr>
                 </a:solidFill>
               </a:rPr>
               <a:t>Sql</a:t>
@@ -3877,7 +4179,10 @@
             <a:r>
               <a:rPr lang="en-US" sz="900" dirty="0" smtClean="0">
                 <a:solidFill>
-                  <a:schemeClr val="bg1"/>
+                  <a:schemeClr val="tx1">
+                    <a:lumMod val="65000"/>
+                    <a:lumOff val="35000"/>
+                  </a:schemeClr>
                 </a:solidFill>
               </a:rPr>
               <a:t>, Oracle, </a:t>
@@ -3885,7 +4190,10 @@
             <a:r>
               <a:rPr lang="en-US" sz="900" dirty="0" err="1" smtClean="0">
                 <a:solidFill>
-                  <a:schemeClr val="bg1"/>
+                  <a:schemeClr val="tx1">
+                    <a:lumMod val="65000"/>
+                    <a:lumOff val="35000"/>
+                  </a:schemeClr>
                 </a:solidFill>
               </a:rPr>
               <a:t>MySql</a:t>
@@ -3893,7 +4201,10 @@
             <a:r>
               <a:rPr lang="en-US" sz="900" dirty="0" smtClean="0">
                 <a:solidFill>
-                  <a:schemeClr val="bg1"/>
+                  <a:schemeClr val="tx1">
+                    <a:lumMod val="65000"/>
+                    <a:lumOff val="35000"/>
+                  </a:schemeClr>
                 </a:solidFill>
               </a:rPr>
               <a:t>, </a:t>
@@ -3901,7 +4212,10 @@
             <a:r>
               <a:rPr lang="en-US" sz="900" dirty="0" err="1" smtClean="0">
                 <a:solidFill>
-                  <a:schemeClr val="bg1"/>
+                  <a:schemeClr val="tx1">
+                    <a:lumMod val="65000"/>
+                    <a:lumOff val="35000"/>
+                  </a:schemeClr>
                 </a:solidFill>
               </a:rPr>
               <a:t>PostgreSql</a:t>
@@ -3909,14 +4223,20 @@
             <a:r>
               <a:rPr lang="en-US" sz="900" dirty="0" smtClean="0">
                 <a:solidFill>
-                  <a:schemeClr val="bg1"/>
+                  <a:schemeClr val="tx1">
+                    <a:lumMod val="65000"/>
+                    <a:lumOff val="35000"/>
+                  </a:schemeClr>
                 </a:solidFill>
               </a:rPr>
               <a:t>)</a:t>
             </a:r>
             <a:endParaRPr lang="en-US" sz="900" dirty="0">
               <a:solidFill>
-                <a:schemeClr val="bg1"/>
+                <a:schemeClr val="tx1">
+                  <a:lumMod val="65000"/>
+                  <a:lumOff val="35000"/>
+                </a:schemeClr>
               </a:solidFill>
             </a:endParaRPr>
           </a:p>
@@ -3936,7 +4256,18 @@
           <a:prstGeom prst="flowChartAlternateProcess">
             <a:avLst/>
           </a:prstGeom>
-          <a:ln/>
+          <a:solidFill>
+            <a:schemeClr val="bg1">
+              <a:lumMod val="95000"/>
+            </a:schemeClr>
+          </a:solidFill>
+          <a:ln>
+            <a:solidFill>
+              <a:schemeClr val="bg1">
+                <a:lumMod val="85000"/>
+              </a:schemeClr>
+            </a:solidFill>
+          </a:ln>
         </p:spPr>
         <p:style>
           <a:lnRef idx="2">
@@ -3962,14 +4293,20 @@
             <a:r>
               <a:rPr lang="en-US" sz="900" b="1" dirty="0" err="1" smtClean="0">
                 <a:solidFill>
-                  <a:schemeClr val="bg1"/>
+                  <a:schemeClr val="tx1">
+                    <a:lumMod val="65000"/>
+                    <a:lumOff val="35000"/>
+                  </a:schemeClr>
                 </a:solidFill>
               </a:rPr>
               <a:t>ICache</a:t>
             </a:r>
             <a:endParaRPr lang="en-US" sz="900" b="1" dirty="0">
               <a:solidFill>
-                <a:schemeClr val="bg1"/>
+                <a:schemeClr val="tx1">
+                  <a:lumMod val="65000"/>
+                  <a:lumOff val="35000"/>
+                </a:schemeClr>
               </a:solidFill>
             </a:endParaRPr>
           </a:p>
@@ -3978,7 +4315,10 @@
             <a:r>
               <a:rPr lang="en-US" sz="900" dirty="0" smtClean="0">
                 <a:solidFill>
-                  <a:schemeClr val="bg1"/>
+                  <a:schemeClr val="tx1">
+                    <a:lumMod val="65000"/>
+                    <a:lumOff val="35000"/>
+                  </a:schemeClr>
                 </a:solidFill>
               </a:rPr>
               <a:t>(</a:t>
@@ -3986,7 +4326,10 @@
             <a:r>
               <a:rPr lang="en-US" sz="900" dirty="0" err="1" smtClean="0">
                 <a:solidFill>
-                  <a:schemeClr val="bg1"/>
+                  <a:schemeClr val="tx1">
+                    <a:lumMod val="65000"/>
+                    <a:lumOff val="35000"/>
+                  </a:schemeClr>
                 </a:solidFill>
               </a:rPr>
               <a:t>MemoryCache</a:t>
@@ -3994,7 +4337,10 @@
             <a:r>
               <a:rPr lang="en-US" sz="900" dirty="0" smtClean="0">
                 <a:solidFill>
-                  <a:schemeClr val="bg1"/>
+                  <a:schemeClr val="tx1">
+                    <a:lumMod val="65000"/>
+                    <a:lumOff val="35000"/>
+                  </a:schemeClr>
                 </a:solidFill>
               </a:rPr>
               <a:t>, </a:t>
@@ -4002,7 +4348,10 @@
             <a:r>
               <a:rPr lang="en-US" sz="900" dirty="0" err="1" smtClean="0">
                 <a:solidFill>
-                  <a:schemeClr val="bg1"/>
+                  <a:schemeClr val="tx1">
+                    <a:lumMod val="65000"/>
+                    <a:lumOff val="35000"/>
+                  </a:schemeClr>
                 </a:solidFill>
               </a:rPr>
               <a:t>FileCache</a:t>
@@ -4010,7 +4359,10 @@
             <a:r>
               <a:rPr lang="en-US" sz="900" dirty="0" smtClean="0">
                 <a:solidFill>
-                  <a:schemeClr val="bg1"/>
+                  <a:schemeClr val="tx1">
+                    <a:lumMod val="65000"/>
+                    <a:lumOff val="35000"/>
+                  </a:schemeClr>
                 </a:solidFill>
               </a:rPr>
               <a:t>, </a:t>
@@ -4018,7 +4370,10 @@
             <a:r>
               <a:rPr lang="en-US" sz="900" dirty="0" err="1" smtClean="0">
                 <a:solidFill>
-                  <a:schemeClr val="bg1"/>
+                  <a:schemeClr val="tx1">
+                    <a:lumMod val="65000"/>
+                    <a:lumOff val="35000"/>
+                  </a:schemeClr>
                 </a:solidFill>
               </a:rPr>
               <a:t>etc</a:t>
@@ -4026,14 +4381,20 @@
             <a:r>
               <a:rPr lang="en-US" sz="900" dirty="0" smtClean="0">
                 <a:solidFill>
-                  <a:schemeClr val="bg1"/>
+                  <a:schemeClr val="tx1">
+                    <a:lumMod val="65000"/>
+                    <a:lumOff val="35000"/>
+                  </a:schemeClr>
                 </a:solidFill>
               </a:rPr>
               <a:t>)</a:t>
             </a:r>
             <a:endParaRPr lang="en-US" sz="900" dirty="0">
               <a:solidFill>
-                <a:schemeClr val="bg1"/>
+                <a:schemeClr val="tx1">
+                  <a:lumMod val="65000"/>
+                  <a:lumOff val="35000"/>
+                </a:schemeClr>
               </a:solidFill>
             </a:endParaRPr>
           </a:p>
@@ -4053,7 +4414,18 @@
           <a:prstGeom prst="flowChartAlternateProcess">
             <a:avLst/>
           </a:prstGeom>
-          <a:ln/>
+          <a:solidFill>
+            <a:schemeClr val="bg1">
+              <a:lumMod val="95000"/>
+            </a:schemeClr>
+          </a:solidFill>
+          <a:ln>
+            <a:solidFill>
+              <a:schemeClr val="bg1">
+                <a:lumMod val="85000"/>
+              </a:schemeClr>
+            </a:solidFill>
+          </a:ln>
         </p:spPr>
         <p:style>
           <a:lnRef idx="2">
@@ -4079,14 +4451,20 @@
             <a:r>
               <a:rPr lang="en-US" sz="900" b="1" dirty="0" err="1" smtClean="0">
                 <a:solidFill>
-                  <a:schemeClr val="bg1"/>
+                  <a:schemeClr val="tx1">
+                    <a:lumMod val="65000"/>
+                    <a:lumOff val="35000"/>
+                  </a:schemeClr>
                 </a:solidFill>
               </a:rPr>
               <a:t>IDbHelper</a:t>
             </a:r>
             <a:endParaRPr lang="en-US" sz="900" b="1" dirty="0">
               <a:solidFill>
-                <a:schemeClr val="bg1"/>
+                <a:schemeClr val="tx1">
+                  <a:lumMod val="65000"/>
+                  <a:lumOff val="35000"/>
+                </a:schemeClr>
               </a:solidFill>
             </a:endParaRPr>
           </a:p>
@@ -4095,7 +4473,10 @@
             <a:r>
               <a:rPr lang="en-US" sz="900" dirty="0" smtClean="0">
                 <a:solidFill>
-                  <a:schemeClr val="bg1"/>
+                  <a:schemeClr val="tx1">
+                    <a:lumMod val="65000"/>
+                    <a:lumOff val="35000"/>
+                  </a:schemeClr>
                 </a:solidFill>
               </a:rPr>
               <a:t>(</a:t>
@@ -4103,7 +4484,10 @@
             <a:r>
               <a:rPr lang="en-US" sz="900" dirty="0" err="1" smtClean="0">
                 <a:solidFill>
-                  <a:schemeClr val="bg1"/>
+                  <a:schemeClr val="tx1">
+                    <a:lumMod val="65000"/>
+                    <a:lumOff val="35000"/>
+                  </a:schemeClr>
                 </a:solidFill>
               </a:rPr>
               <a:t>Sql</a:t>
@@ -4111,7 +4495,10 @@
             <a:r>
               <a:rPr lang="en-US" sz="900" dirty="0" smtClean="0">
                 <a:solidFill>
-                  <a:schemeClr val="bg1"/>
+                  <a:schemeClr val="tx1">
+                    <a:lumMod val="65000"/>
+                    <a:lumOff val="35000"/>
+                  </a:schemeClr>
                 </a:solidFill>
               </a:rPr>
               <a:t>, Oracle, </a:t>
@@ -4119,7 +4506,10 @@
             <a:r>
               <a:rPr lang="en-US" sz="900" dirty="0" err="1" smtClean="0">
                 <a:solidFill>
-                  <a:schemeClr val="bg1"/>
+                  <a:schemeClr val="tx1">
+                    <a:lumMod val="65000"/>
+                    <a:lumOff val="35000"/>
+                  </a:schemeClr>
                 </a:solidFill>
               </a:rPr>
               <a:t>MySql</a:t>
@@ -4127,7 +4517,10 @@
             <a:r>
               <a:rPr lang="en-US" sz="900" dirty="0" smtClean="0">
                 <a:solidFill>
-                  <a:schemeClr val="bg1"/>
+                  <a:schemeClr val="tx1">
+                    <a:lumMod val="65000"/>
+                    <a:lumOff val="35000"/>
+                  </a:schemeClr>
                 </a:solidFill>
               </a:rPr>
               <a:t>, </a:t>
@@ -4135,7 +4528,10 @@
             <a:r>
               <a:rPr lang="en-US" sz="900" dirty="0" err="1" smtClean="0">
                 <a:solidFill>
-                  <a:schemeClr val="bg1"/>
+                  <a:schemeClr val="tx1">
+                    <a:lumMod val="65000"/>
+                    <a:lumOff val="35000"/>
+                  </a:schemeClr>
                 </a:solidFill>
               </a:rPr>
               <a:t>PostgreSql</a:t>
@@ -4143,14 +4539,20 @@
             <a:r>
               <a:rPr lang="en-US" sz="900" dirty="0" smtClean="0">
                 <a:solidFill>
-                  <a:schemeClr val="bg1"/>
+                  <a:schemeClr val="tx1">
+                    <a:lumMod val="65000"/>
+                    <a:lumOff val="35000"/>
+                  </a:schemeClr>
                 </a:solidFill>
               </a:rPr>
               <a:t>)</a:t>
             </a:r>
             <a:endParaRPr lang="en-US" sz="900" dirty="0">
               <a:solidFill>
-                <a:schemeClr val="bg1"/>
+                <a:schemeClr val="tx1">
+                  <a:lumMod val="65000"/>
+                  <a:lumOff val="35000"/>
+                </a:schemeClr>
               </a:solidFill>
             </a:endParaRPr>
           </a:p>
@@ -4170,7 +4572,18 @@
           <a:prstGeom prst="flowChartAlternateProcess">
             <a:avLst/>
           </a:prstGeom>
-          <a:ln/>
+          <a:solidFill>
+            <a:schemeClr val="bg1">
+              <a:lumMod val="95000"/>
+            </a:schemeClr>
+          </a:solidFill>
+          <a:ln>
+            <a:solidFill>
+              <a:schemeClr val="bg1">
+                <a:lumMod val="85000"/>
+              </a:schemeClr>
+            </a:solidFill>
+          </a:ln>
         </p:spPr>
         <p:style>
           <a:lnRef idx="2">
@@ -4196,7 +4609,10 @@
             <a:r>
               <a:rPr lang="en-US" sz="900" dirty="0" err="1" smtClean="0">
                 <a:solidFill>
-                  <a:schemeClr val="bg1"/>
+                  <a:schemeClr val="tx1">
+                    <a:lumMod val="65000"/>
+                    <a:lumOff val="35000"/>
+                  </a:schemeClr>
                 </a:solidFill>
               </a:rPr>
               <a:t>ExtendedOperation</a:t>
@@ -4204,7 +4620,10 @@
             <a:r>
               <a:rPr lang="en-US" sz="900" dirty="0" smtClean="0">
                 <a:solidFill>
-                  <a:schemeClr val="bg1"/>
+                  <a:schemeClr val="tx1">
+                    <a:lumMod val="65000"/>
+                    <a:lumOff val="35000"/>
+                  </a:schemeClr>
                 </a:solidFill>
               </a:rPr>
               <a:t>(s)</a:t>
@@ -4215,7 +4634,10 @@
             <a:r>
               <a:rPr lang="en-US" sz="900" dirty="0" smtClean="0">
                 <a:solidFill>
-                  <a:schemeClr val="bg1"/>
+                  <a:schemeClr val="tx1">
+                    <a:lumMod val="65000"/>
+                    <a:lumOff val="35000"/>
+                  </a:schemeClr>
                 </a:solidFill>
               </a:rPr>
               <a:t>(</a:t>
@@ -4223,7 +4645,10 @@
             <a:r>
               <a:rPr lang="en-US" sz="900" dirty="0" err="1" smtClean="0">
                 <a:solidFill>
-                  <a:schemeClr val="bg1"/>
+                  <a:schemeClr val="tx1">
+                    <a:lumMod val="65000"/>
+                    <a:lumOff val="35000"/>
+                  </a:schemeClr>
                 </a:solidFill>
               </a:rPr>
               <a:t>BatchQuery</a:t>
@@ -4231,7 +4656,10 @@
             <a:r>
               <a:rPr lang="en-US" sz="900" dirty="0" smtClean="0">
                 <a:solidFill>
-                  <a:schemeClr val="bg1"/>
+                  <a:schemeClr val="tx1">
+                    <a:lumMod val="65000"/>
+                    <a:lumOff val="35000"/>
+                  </a:schemeClr>
                 </a:solidFill>
               </a:rPr>
               <a:t>, </a:t>
@@ -4239,7 +4667,10 @@
             <a:r>
               <a:rPr lang="en-US" sz="900" dirty="0" err="1" smtClean="0">
                 <a:solidFill>
-                  <a:schemeClr val="bg1"/>
+                  <a:schemeClr val="tx1">
+                    <a:lumMod val="65000"/>
+                    <a:lumOff val="35000"/>
+                  </a:schemeClr>
                 </a:solidFill>
               </a:rPr>
               <a:t>BulkInsert</a:t>
@@ -4247,7 +4678,10 @@
             <a:r>
               <a:rPr lang="en-US" sz="900" dirty="0" smtClean="0">
                 <a:solidFill>
-                  <a:schemeClr val="bg1"/>
+                  <a:schemeClr val="tx1">
+                    <a:lumMod val="65000"/>
+                    <a:lumOff val="35000"/>
+                  </a:schemeClr>
                 </a:solidFill>
               </a:rPr>
               <a:t>, Count, Delete, Insert, Merge, Query, Update, Truncate, </a:t>
@@ -4255,7 +4689,10 @@
             <a:r>
               <a:rPr lang="en-US" sz="900" dirty="0" err="1" smtClean="0">
                 <a:solidFill>
-                  <a:schemeClr val="bg1"/>
+                  <a:schemeClr val="tx1">
+                    <a:lumMod val="65000"/>
+                    <a:lumOff val="35000"/>
+                  </a:schemeClr>
                 </a:solidFill>
               </a:rPr>
               <a:t>etc</a:t>
@@ -4263,14 +4700,20 @@
             <a:r>
               <a:rPr lang="en-US" sz="900" dirty="0" smtClean="0">
                 <a:solidFill>
-                  <a:schemeClr val="bg1"/>
+                  <a:schemeClr val="tx1">
+                    <a:lumMod val="65000"/>
+                    <a:lumOff val="35000"/>
+                  </a:schemeClr>
                 </a:solidFill>
               </a:rPr>
               <a:t>)</a:t>
             </a:r>
             <a:endParaRPr lang="en-US" sz="900" dirty="0">
               <a:solidFill>
-                <a:schemeClr val="bg1"/>
+                <a:schemeClr val="tx1">
+                  <a:lumMod val="65000"/>
+                  <a:lumOff val="35000"/>
+                </a:schemeClr>
               </a:solidFill>
             </a:endParaRPr>
           </a:p>
@@ -4290,7 +4733,18 @@
           <a:prstGeom prst="flowChartAlternateProcess">
             <a:avLst/>
           </a:prstGeom>
-          <a:ln/>
+          <a:solidFill>
+            <a:schemeClr val="bg1">
+              <a:lumMod val="95000"/>
+            </a:schemeClr>
+          </a:solidFill>
+          <a:ln>
+            <a:solidFill>
+              <a:schemeClr val="bg1">
+                <a:lumMod val="85000"/>
+              </a:schemeClr>
+            </a:solidFill>
+          </a:ln>
         </p:spPr>
         <p:style>
           <a:lnRef idx="2">
@@ -4316,14 +4770,20 @@
             <a:r>
               <a:rPr lang="en-US" sz="900" b="1" dirty="0" err="1" smtClean="0">
                 <a:solidFill>
-                  <a:schemeClr val="bg1"/>
+                  <a:schemeClr val="tx1">
+                    <a:lumMod val="65000"/>
+                    <a:lumOff val="35000"/>
+                  </a:schemeClr>
                 </a:solidFill>
               </a:rPr>
               <a:t>IResolver</a:t>
             </a:r>
             <a:endParaRPr lang="en-US" sz="900" b="1" dirty="0" smtClean="0">
               <a:solidFill>
-                <a:schemeClr val="bg1"/>
+                <a:schemeClr val="tx1">
+                  <a:lumMod val="65000"/>
+                  <a:lumOff val="35000"/>
+                </a:schemeClr>
               </a:solidFill>
             </a:endParaRPr>
           </a:p>
@@ -4332,7 +4792,10 @@
             <a:r>
               <a:rPr lang="en-US" sz="900" dirty="0" smtClean="0">
                 <a:solidFill>
-                  <a:schemeClr val="bg1"/>
+                  <a:schemeClr val="tx1">
+                    <a:lumMod val="65000"/>
+                    <a:lumOff val="35000"/>
+                  </a:schemeClr>
                 </a:solidFill>
               </a:rPr>
               <a:t>(</a:t>
@@ -4340,7 +4803,10 @@
             <a:r>
               <a:rPr lang="en-US" sz="900" dirty="0" err="1" smtClean="0">
                 <a:solidFill>
-                  <a:schemeClr val="bg1"/>
+                  <a:schemeClr val="tx1">
+                    <a:lumMod val="65000"/>
+                    <a:lumOff val="35000"/>
+                  </a:schemeClr>
                 </a:solidFill>
               </a:rPr>
               <a:t>TypeResolver</a:t>
@@ -4348,7 +4814,10 @@
             <a:r>
               <a:rPr lang="en-US" sz="900" dirty="0" smtClean="0">
                 <a:solidFill>
-                  <a:schemeClr val="bg1"/>
+                  <a:schemeClr val="tx1">
+                    <a:lumMod val="65000"/>
+                    <a:lumOff val="35000"/>
+                  </a:schemeClr>
                 </a:solidFill>
               </a:rPr>
               <a:t>, </a:t>
@@ -4356,7 +4825,10 @@
             <a:r>
               <a:rPr lang="en-US" sz="900" dirty="0" err="1" smtClean="0">
                 <a:solidFill>
-                  <a:schemeClr val="bg1"/>
+                  <a:schemeClr val="tx1">
+                    <a:lumMod val="65000"/>
+                    <a:lumOff val="35000"/>
+                  </a:schemeClr>
                 </a:solidFill>
               </a:rPr>
               <a:t>NameResolver</a:t>
@@ -4364,14 +4836,20 @@
             <a:r>
               <a:rPr lang="en-US" sz="900" dirty="0" smtClean="0">
                 <a:solidFill>
-                  <a:schemeClr val="bg1"/>
+                  <a:schemeClr val="tx1">
+                    <a:lumMod val="65000"/>
+                    <a:lumOff val="35000"/>
+                  </a:schemeClr>
                 </a:solidFill>
               </a:rPr>
               <a:t>)</a:t>
             </a:r>
             <a:endParaRPr lang="en-US" sz="900" dirty="0">
               <a:solidFill>
-                <a:schemeClr val="bg1"/>
+                <a:schemeClr val="tx1">
+                  <a:lumMod val="65000"/>
+                  <a:lumOff val="35000"/>
+                </a:schemeClr>
               </a:solidFill>
             </a:endParaRPr>
           </a:p>
@@ -4398,9 +4876,8 @@
           </a:prstGeom>
           <a:ln w="9525">
             <a:solidFill>
-              <a:schemeClr val="tx1">
-                <a:lumMod val="75000"/>
-                <a:lumOff val="25000"/>
+              <a:schemeClr val="bg1">
+                <a:lumMod val="85000"/>
               </a:schemeClr>
             </a:solidFill>
             <a:prstDash val="dash"/>
@@ -4443,9 +4920,8 @@
           </a:prstGeom>
           <a:ln w="9525">
             <a:solidFill>
-              <a:schemeClr val="tx1">
-                <a:lumMod val="75000"/>
-                <a:lumOff val="25000"/>
+              <a:schemeClr val="bg1">
+                <a:lumMod val="85000"/>
               </a:schemeClr>
             </a:solidFill>
             <a:prstDash val="dash"/>
@@ -4488,9 +4964,8 @@
           </a:prstGeom>
           <a:ln w="9525">
             <a:solidFill>
-              <a:schemeClr val="tx1">
-                <a:lumMod val="75000"/>
-                <a:lumOff val="25000"/>
+              <a:schemeClr val="bg1">
+                <a:lumMod val="85000"/>
               </a:schemeClr>
             </a:solidFill>
             <a:prstDash val="dash"/>
@@ -4531,9 +5006,8 @@
           </a:prstGeom>
           <a:ln w="9525">
             <a:solidFill>
-              <a:schemeClr val="tx1">
-                <a:lumMod val="75000"/>
-                <a:lumOff val="25000"/>
+              <a:schemeClr val="bg1">
+                <a:lumMod val="85000"/>
               </a:schemeClr>
             </a:solidFill>
             <a:prstDash val="dash"/>
@@ -4574,9 +5048,8 @@
           </a:prstGeom>
           <a:ln w="9525">
             <a:solidFill>
-              <a:schemeClr val="tx1">
-                <a:lumMod val="75000"/>
-                <a:lumOff val="25000"/>
+              <a:schemeClr val="bg1">
+                <a:lumMod val="85000"/>
               </a:schemeClr>
             </a:solidFill>
             <a:prstDash val="dash"/>
@@ -4619,9 +5092,8 @@
           </a:prstGeom>
           <a:ln w="9525">
             <a:solidFill>
-              <a:schemeClr val="tx1">
-                <a:lumMod val="75000"/>
-                <a:lumOff val="25000"/>
+              <a:schemeClr val="bg1">
+                <a:lumMod val="85000"/>
               </a:schemeClr>
             </a:solidFill>
             <a:prstDash val="dash"/>
@@ -4664,9 +5136,8 @@
           </a:prstGeom>
           <a:ln w="9525">
             <a:solidFill>
-              <a:schemeClr val="tx1">
-                <a:lumMod val="75000"/>
-                <a:lumOff val="25000"/>
+              <a:schemeClr val="bg1">
+                <a:lumMod val="85000"/>
               </a:schemeClr>
             </a:solidFill>
             <a:prstDash val="dash"/>
@@ -4709,9 +5180,8 @@
           </a:prstGeom>
           <a:ln w="9525">
             <a:solidFill>
-              <a:schemeClr val="tx1">
-                <a:lumMod val="75000"/>
-                <a:lumOff val="25000"/>
+              <a:schemeClr val="bg1">
+                <a:lumMod val="85000"/>
               </a:schemeClr>
             </a:solidFill>
             <a:prstDash val="dash"/>
@@ -4754,9 +5224,8 @@
           </a:prstGeom>
           <a:ln w="9525">
             <a:solidFill>
-              <a:schemeClr val="tx1">
-                <a:lumMod val="75000"/>
-                <a:lumOff val="25000"/>
+              <a:schemeClr val="bg1">
+                <a:lumMod val="85000"/>
               </a:schemeClr>
             </a:solidFill>
             <a:prstDash val="dash"/>
@@ -4799,9 +5268,8 @@
           </a:prstGeom>
           <a:ln w="9525">
             <a:solidFill>
-              <a:schemeClr val="tx1">
-                <a:lumMod val="75000"/>
-                <a:lumOff val="25000"/>
+              <a:schemeClr val="bg1">
+                <a:lumMod val="85000"/>
               </a:schemeClr>
             </a:solidFill>
             <a:prstDash val="dash"/>
@@ -4844,9 +5312,8 @@
           </a:prstGeom>
           <a:ln w="9525">
             <a:solidFill>
-              <a:schemeClr val="tx1">
-                <a:lumMod val="75000"/>
-                <a:lumOff val="25000"/>
+              <a:schemeClr val="bg1">
+                <a:lumMod val="85000"/>
               </a:schemeClr>
             </a:solidFill>
             <a:prstDash val="dash"/>
@@ -4887,9 +5354,8 @@
           </a:prstGeom>
           <a:ln w="9525">
             <a:solidFill>
-              <a:schemeClr val="tx1">
-                <a:lumMod val="75000"/>
-                <a:lumOff val="25000"/>
+              <a:schemeClr val="bg1">
+                <a:lumMod val="85000"/>
               </a:schemeClr>
             </a:solidFill>
             <a:prstDash val="dash"/>
@@ -4932,9 +5398,8 @@
           </a:prstGeom>
           <a:ln w="9525">
             <a:solidFill>
-              <a:schemeClr val="tx1">
-                <a:lumMod val="75000"/>
-                <a:lumOff val="25000"/>
+              <a:schemeClr val="bg1">
+                <a:lumMod val="85000"/>
               </a:schemeClr>
             </a:solidFill>
             <a:prstDash val="dash"/>
@@ -4977,9 +5442,8 @@
           </a:prstGeom>
           <a:ln w="9525">
             <a:solidFill>
-              <a:schemeClr val="tx1">
-                <a:lumMod val="75000"/>
-                <a:lumOff val="25000"/>
+              <a:schemeClr val="bg1">
+                <a:lumMod val="85000"/>
               </a:schemeClr>
             </a:solidFill>
             <a:prstDash val="dash"/>
@@ -5020,9 +5484,8 @@
           </a:prstGeom>
           <a:ln w="9525">
             <a:solidFill>
-              <a:schemeClr val="tx1">
-                <a:lumMod val="75000"/>
-                <a:lumOff val="25000"/>
+              <a:schemeClr val="bg1">
+                <a:lumMod val="85000"/>
               </a:schemeClr>
             </a:solidFill>
             <a:prstDash val="dash"/>
@@ -5063,9 +5526,8 @@
           </a:prstGeom>
           <a:ln w="9525">
             <a:solidFill>
-              <a:schemeClr val="tx1">
-                <a:lumMod val="75000"/>
-                <a:lumOff val="25000"/>
+              <a:schemeClr val="bg1">
+                <a:lumMod val="85000"/>
               </a:schemeClr>
             </a:solidFill>
             <a:prstDash val="dash"/>

--- a/RepoDb.Wiki/Files/HLA.pptx
+++ b/RepoDb.Wiki/Files/HLA.pptx
@@ -243,7 +243,7 @@
           <a:p>
             <a:fld id="{9F96FC77-8E1C-452B-A1D4-6C868B74231D}" type="datetimeFigureOut">
               <a:rPr lang="en-US" smtClean="0"/>
-              <a:t>5/26/2019</a:t>
+              <a:t>5/27/2019</a:t>
             </a:fld>
             <a:endParaRPr lang="en-US"/>
           </a:p>
@@ -413,7 +413,7 @@
           <a:p>
             <a:fld id="{9F96FC77-8E1C-452B-A1D4-6C868B74231D}" type="datetimeFigureOut">
               <a:rPr lang="en-US" smtClean="0"/>
-              <a:t>5/26/2019</a:t>
+              <a:t>5/27/2019</a:t>
             </a:fld>
             <a:endParaRPr lang="en-US"/>
           </a:p>
@@ -593,7 +593,7 @@
           <a:p>
             <a:fld id="{9F96FC77-8E1C-452B-A1D4-6C868B74231D}" type="datetimeFigureOut">
               <a:rPr lang="en-US" smtClean="0"/>
-              <a:t>5/26/2019</a:t>
+              <a:t>5/27/2019</a:t>
             </a:fld>
             <a:endParaRPr lang="en-US"/>
           </a:p>
@@ -763,7 +763,7 @@
           <a:p>
             <a:fld id="{9F96FC77-8E1C-452B-A1D4-6C868B74231D}" type="datetimeFigureOut">
               <a:rPr lang="en-US" smtClean="0"/>
-              <a:t>5/26/2019</a:t>
+              <a:t>5/27/2019</a:t>
             </a:fld>
             <a:endParaRPr lang="en-US"/>
           </a:p>
@@ -1009,7 +1009,7 @@
           <a:p>
             <a:fld id="{9F96FC77-8E1C-452B-A1D4-6C868B74231D}" type="datetimeFigureOut">
               <a:rPr lang="en-US" smtClean="0"/>
-              <a:t>5/26/2019</a:t>
+              <a:t>5/27/2019</a:t>
             </a:fld>
             <a:endParaRPr lang="en-US"/>
           </a:p>
@@ -1241,7 +1241,7 @@
           <a:p>
             <a:fld id="{9F96FC77-8E1C-452B-A1D4-6C868B74231D}" type="datetimeFigureOut">
               <a:rPr lang="en-US" smtClean="0"/>
-              <a:t>5/26/2019</a:t>
+              <a:t>5/27/2019</a:t>
             </a:fld>
             <a:endParaRPr lang="en-US"/>
           </a:p>
@@ -1608,7 +1608,7 @@
           <a:p>
             <a:fld id="{9F96FC77-8E1C-452B-A1D4-6C868B74231D}" type="datetimeFigureOut">
               <a:rPr lang="en-US" smtClean="0"/>
-              <a:t>5/26/2019</a:t>
+              <a:t>5/27/2019</a:t>
             </a:fld>
             <a:endParaRPr lang="en-US"/>
           </a:p>
@@ -1726,7 +1726,7 @@
           <a:p>
             <a:fld id="{9F96FC77-8E1C-452B-A1D4-6C868B74231D}" type="datetimeFigureOut">
               <a:rPr lang="en-US" smtClean="0"/>
-              <a:t>5/26/2019</a:t>
+              <a:t>5/27/2019</a:t>
             </a:fld>
             <a:endParaRPr lang="en-US"/>
           </a:p>
@@ -1821,7 +1821,7 @@
           <a:p>
             <a:fld id="{9F96FC77-8E1C-452B-A1D4-6C868B74231D}" type="datetimeFigureOut">
               <a:rPr lang="en-US" smtClean="0"/>
-              <a:t>5/26/2019</a:t>
+              <a:t>5/27/2019</a:t>
             </a:fld>
             <a:endParaRPr lang="en-US"/>
           </a:p>
@@ -2098,7 +2098,7 @@
           <a:p>
             <a:fld id="{9F96FC77-8E1C-452B-A1D4-6C868B74231D}" type="datetimeFigureOut">
               <a:rPr lang="en-US" smtClean="0"/>
-              <a:t>5/26/2019</a:t>
+              <a:t>5/27/2019</a:t>
             </a:fld>
             <a:endParaRPr lang="en-US"/>
           </a:p>
@@ -2351,7 +2351,7 @@
           <a:p>
             <a:fld id="{9F96FC77-8E1C-452B-A1D4-6C868B74231D}" type="datetimeFigureOut">
               <a:rPr lang="en-US" smtClean="0"/>
-              <a:t>5/26/2019</a:t>
+              <a:t>5/27/2019</a:t>
             </a:fld>
             <a:endParaRPr lang="en-US"/>
           </a:p>
@@ -2564,7 +2564,7 @@
           <a:p>
             <a:fld id="{9F96FC77-8E1C-452B-A1D4-6C868B74231D}" type="datetimeFigureOut">
               <a:rPr lang="en-US" smtClean="0"/>
-              <a:t>5/26/2019</a:t>
+              <a:t>5/27/2019</a:t>
             </a:fld>
             <a:endParaRPr lang="en-US"/>
           </a:p>
@@ -2991,18 +2991,7 @@
           <a:prstGeom prst="flowChartMagneticDisk">
             <a:avLst/>
           </a:prstGeom>
-          <a:solidFill>
-            <a:schemeClr val="bg1">
-              <a:lumMod val="95000"/>
-            </a:schemeClr>
-          </a:solidFill>
-          <a:ln>
-            <a:solidFill>
-              <a:schemeClr val="bg1">
-                <a:lumMod val="85000"/>
-              </a:schemeClr>
-            </a:solidFill>
-          </a:ln>
+          <a:ln/>
         </p:spPr>
         <p:style>
           <a:lnRef idx="2">
@@ -3028,10 +3017,7 @@
             <a:r>
               <a:rPr lang="en-US" sz="1000" b="1" dirty="0" smtClean="0">
                 <a:solidFill>
-                  <a:schemeClr val="tx1">
-                    <a:lumMod val="65000"/>
-                    <a:lumOff val="35000"/>
-                  </a:schemeClr>
+                  <a:schemeClr val="bg1"/>
                 </a:solidFill>
               </a:rPr>
               <a:t>Database</a:t>
@@ -3042,10 +3028,7 @@
             <a:r>
               <a:rPr lang="en-US" sz="1000" b="1" dirty="0" smtClean="0">
                 <a:solidFill>
-                  <a:schemeClr val="tx1">
-                    <a:lumMod val="65000"/>
-                    <a:lumOff val="35000"/>
-                  </a:schemeClr>
+                  <a:schemeClr val="bg1"/>
                 </a:solidFill>
               </a:rPr>
               <a:t>(</a:t>
@@ -3053,10 +3036,7 @@
             <a:r>
               <a:rPr lang="en-US" sz="1000" b="1" dirty="0" err="1" smtClean="0">
                 <a:solidFill>
-                  <a:schemeClr val="tx1">
-                    <a:lumMod val="65000"/>
-                    <a:lumOff val="35000"/>
-                  </a:schemeClr>
+                  <a:schemeClr val="bg1"/>
                 </a:solidFill>
               </a:rPr>
               <a:t>Sql</a:t>
@@ -3064,10 +3044,7 @@
             <a:r>
               <a:rPr lang="en-US" sz="1000" b="1" dirty="0" smtClean="0">
                 <a:solidFill>
-                  <a:schemeClr val="tx1">
-                    <a:lumMod val="65000"/>
-                    <a:lumOff val="35000"/>
-                  </a:schemeClr>
+                  <a:schemeClr val="bg1"/>
                 </a:solidFill>
               </a:rPr>
               <a:t>, Oracle, </a:t>
@@ -3075,10 +3052,7 @@
             <a:r>
               <a:rPr lang="en-US" sz="1000" b="1" dirty="0" err="1" smtClean="0">
                 <a:solidFill>
-                  <a:schemeClr val="tx1">
-                    <a:lumMod val="65000"/>
-                    <a:lumOff val="35000"/>
-                  </a:schemeClr>
+                  <a:schemeClr val="bg1"/>
                 </a:solidFill>
               </a:rPr>
               <a:t>MySql</a:t>
@@ -3086,10 +3060,7 @@
             <a:r>
               <a:rPr lang="en-US" sz="1000" b="1" dirty="0" smtClean="0">
                 <a:solidFill>
-                  <a:schemeClr val="tx1">
-                    <a:lumMod val="65000"/>
-                    <a:lumOff val="35000"/>
-                  </a:schemeClr>
+                  <a:schemeClr val="bg1"/>
                 </a:solidFill>
               </a:rPr>
               <a:t>, </a:t>
@@ -3097,10 +3068,7 @@
             <a:r>
               <a:rPr lang="en-US" sz="1000" b="1" dirty="0" err="1" smtClean="0">
                 <a:solidFill>
-                  <a:schemeClr val="tx1">
-                    <a:lumMod val="65000"/>
-                    <a:lumOff val="35000"/>
-                  </a:schemeClr>
+                  <a:schemeClr val="bg1"/>
                 </a:solidFill>
               </a:rPr>
               <a:t>etc</a:t>
@@ -3108,20 +3076,14 @@
             <a:r>
               <a:rPr lang="en-US" sz="1000" b="1" dirty="0" smtClean="0">
                 <a:solidFill>
-                  <a:schemeClr val="tx1">
-                    <a:lumMod val="65000"/>
-                    <a:lumOff val="35000"/>
-                  </a:schemeClr>
+                  <a:schemeClr val="bg1"/>
                 </a:solidFill>
               </a:rPr>
               <a:t>)</a:t>
             </a:r>
             <a:endParaRPr lang="en-US" sz="1000" b="1" dirty="0">
               <a:solidFill>
-                <a:schemeClr val="tx1">
-                  <a:lumMod val="65000"/>
-                  <a:lumOff val="35000"/>
-                </a:schemeClr>
+                <a:schemeClr val="bg1"/>
               </a:solidFill>
             </a:endParaRPr>
           </a:p>
@@ -3141,18 +3103,7 @@
           <a:prstGeom prst="flowChartAlternateProcess">
             <a:avLst/>
           </a:prstGeom>
-          <a:solidFill>
-            <a:schemeClr val="bg1">
-              <a:lumMod val="95000"/>
-            </a:schemeClr>
-          </a:solidFill>
-          <a:ln>
-            <a:solidFill>
-              <a:schemeClr val="bg1">
-                <a:lumMod val="85000"/>
-              </a:schemeClr>
-            </a:solidFill>
-          </a:ln>
+          <a:ln/>
         </p:spPr>
         <p:style>
           <a:lnRef idx="2">
@@ -3178,20 +3129,14 @@
             <a:r>
               <a:rPr lang="en-US" sz="1050" b="1" dirty="0" err="1" smtClean="0">
                 <a:solidFill>
-                  <a:schemeClr val="tx1">
-                    <a:lumMod val="65000"/>
-                    <a:lumOff val="35000"/>
-                  </a:schemeClr>
+                  <a:schemeClr val="bg1"/>
                 </a:solidFill>
               </a:rPr>
               <a:t>IDbConnection</a:t>
             </a:r>
             <a:endParaRPr lang="en-US" sz="1050" b="1" dirty="0">
               <a:solidFill>
-                <a:schemeClr val="tx1">
-                  <a:lumMod val="65000"/>
-                  <a:lumOff val="35000"/>
-                </a:schemeClr>
+                <a:schemeClr val="bg1"/>
               </a:solidFill>
             </a:endParaRPr>
           </a:p>
@@ -3211,18 +3156,7 @@
           <a:prstGeom prst="flowChartAlternateProcess">
             <a:avLst/>
           </a:prstGeom>
-          <a:solidFill>
-            <a:schemeClr val="bg1">
-              <a:lumMod val="95000"/>
-            </a:schemeClr>
-          </a:solidFill>
-          <a:ln>
-            <a:solidFill>
-              <a:schemeClr val="bg1">
-                <a:lumMod val="85000"/>
-              </a:schemeClr>
-            </a:solidFill>
-          </a:ln>
+          <a:ln/>
         </p:spPr>
         <p:style>
           <a:lnRef idx="2">
@@ -3248,20 +3182,14 @@
             <a:r>
               <a:rPr lang="en-US" sz="1050" b="1" dirty="0" err="1" smtClean="0">
                 <a:solidFill>
-                  <a:schemeClr val="tx1">
-                    <a:lumMod val="65000"/>
-                    <a:lumOff val="35000"/>
-                  </a:schemeClr>
+                  <a:schemeClr val="bg1"/>
                 </a:solidFill>
               </a:rPr>
               <a:t>DbRepository</a:t>
             </a:r>
             <a:endParaRPr lang="en-US" sz="1050" b="1" dirty="0">
               <a:solidFill>
-                <a:schemeClr val="tx1">
-                  <a:lumMod val="65000"/>
-                  <a:lumOff val="35000"/>
-                </a:schemeClr>
+                <a:schemeClr val="bg1"/>
               </a:solidFill>
             </a:endParaRPr>
           </a:p>
@@ -3270,10 +3198,7 @@
             <a:r>
               <a:rPr lang="en-US" sz="1050" dirty="0" smtClean="0">
                 <a:solidFill>
-                  <a:schemeClr val="tx1">
-                    <a:lumMod val="65000"/>
-                    <a:lumOff val="35000"/>
-                  </a:schemeClr>
+                  <a:schemeClr val="bg1"/>
                 </a:solidFill>
               </a:rPr>
               <a:t>&lt;</a:t>
@@ -3281,10 +3206,7 @@
             <a:r>
               <a:rPr lang="en-US" sz="1050" dirty="0" err="1" smtClean="0">
                 <a:solidFill>
-                  <a:schemeClr val="tx1">
-                    <a:lumMod val="65000"/>
-                    <a:lumOff val="35000"/>
-                  </a:schemeClr>
+                  <a:schemeClr val="bg1"/>
                 </a:solidFill>
               </a:rPr>
               <a:t>TDbConnection</a:t>
@@ -3292,20 +3214,14 @@
             <a:r>
               <a:rPr lang="en-US" sz="1050" dirty="0" smtClean="0">
                 <a:solidFill>
-                  <a:schemeClr val="tx1">
-                    <a:lumMod val="65000"/>
-                    <a:lumOff val="35000"/>
-                  </a:schemeClr>
+                  <a:schemeClr val="bg1"/>
                 </a:solidFill>
               </a:rPr>
               <a:t>&gt;</a:t>
             </a:r>
             <a:endParaRPr lang="en-US" sz="1050" dirty="0">
               <a:solidFill>
-                <a:schemeClr val="tx1">
-                  <a:lumMod val="65000"/>
-                  <a:lumOff val="35000"/>
-                </a:schemeClr>
+                <a:schemeClr val="bg1"/>
               </a:solidFill>
             </a:endParaRPr>
           </a:p>
@@ -3325,18 +3241,7 @@
           <a:prstGeom prst="flowChartAlternateProcess">
             <a:avLst/>
           </a:prstGeom>
-          <a:solidFill>
-            <a:schemeClr val="bg1">
-              <a:lumMod val="95000"/>
-            </a:schemeClr>
-          </a:solidFill>
-          <a:ln>
-            <a:solidFill>
-              <a:schemeClr val="bg1">
-                <a:lumMod val="85000"/>
-              </a:schemeClr>
-            </a:solidFill>
-          </a:ln>
+          <a:ln/>
         </p:spPr>
         <p:style>
           <a:lnRef idx="2">
@@ -3362,20 +3267,14 @@
             <a:r>
               <a:rPr lang="en-US" sz="1050" b="1" dirty="0" err="1" smtClean="0">
                 <a:solidFill>
-                  <a:schemeClr val="tx1">
-                    <a:lumMod val="65000"/>
-                    <a:lumOff val="35000"/>
-                  </a:schemeClr>
+                  <a:schemeClr val="bg1"/>
                 </a:solidFill>
               </a:rPr>
               <a:t>BaseRepository</a:t>
             </a:r>
             <a:endParaRPr lang="en-US" sz="1050" b="1" dirty="0">
               <a:solidFill>
-                <a:schemeClr val="tx1">
-                  <a:lumMod val="65000"/>
-                  <a:lumOff val="35000"/>
-                </a:schemeClr>
+                <a:schemeClr val="bg1"/>
               </a:solidFill>
             </a:endParaRPr>
           </a:p>
@@ -3384,10 +3283,7 @@
             <a:r>
               <a:rPr lang="en-US" sz="1050" dirty="0" smtClean="0">
                 <a:solidFill>
-                  <a:schemeClr val="tx1">
-                    <a:lumMod val="65000"/>
-                    <a:lumOff val="35000"/>
-                  </a:schemeClr>
+                  <a:schemeClr val="bg1"/>
                 </a:solidFill>
               </a:rPr>
               <a:t>&lt;</a:t>
@@ -3395,10 +3291,7 @@
             <a:r>
               <a:rPr lang="en-US" sz="1050" dirty="0" err="1" smtClean="0">
                 <a:solidFill>
-                  <a:schemeClr val="tx1">
-                    <a:lumMod val="65000"/>
-                    <a:lumOff val="35000"/>
-                  </a:schemeClr>
+                  <a:schemeClr val="bg1"/>
                 </a:solidFill>
               </a:rPr>
               <a:t>TEntity</a:t>
@@ -3406,10 +3299,7 @@
             <a:r>
               <a:rPr lang="en-US" sz="1050" dirty="0" smtClean="0">
                 <a:solidFill>
-                  <a:schemeClr val="tx1">
-                    <a:lumMod val="65000"/>
-                    <a:lumOff val="35000"/>
-                  </a:schemeClr>
+                  <a:schemeClr val="bg1"/>
                 </a:solidFill>
               </a:rPr>
               <a:t>, </a:t>
@@ -3417,10 +3307,7 @@
             <a:r>
               <a:rPr lang="en-US" sz="1050" dirty="0" err="1" smtClean="0">
                 <a:solidFill>
-                  <a:schemeClr val="tx1">
-                    <a:lumMod val="65000"/>
-                    <a:lumOff val="35000"/>
-                  </a:schemeClr>
+                  <a:schemeClr val="bg1"/>
                 </a:solidFill>
               </a:rPr>
               <a:t>TDbConnection</a:t>
@@ -3428,20 +3315,14 @@
             <a:r>
               <a:rPr lang="en-US" sz="1050" dirty="0" smtClean="0">
                 <a:solidFill>
-                  <a:schemeClr val="tx1">
-                    <a:lumMod val="65000"/>
-                    <a:lumOff val="35000"/>
-                  </a:schemeClr>
+                  <a:schemeClr val="bg1"/>
                 </a:solidFill>
               </a:rPr>
               <a:t>&gt;</a:t>
             </a:r>
             <a:endParaRPr lang="en-US" sz="1050" dirty="0">
               <a:solidFill>
-                <a:schemeClr val="tx1">
-                  <a:lumMod val="65000"/>
-                  <a:lumOff val="35000"/>
-                </a:schemeClr>
+                <a:schemeClr val="bg1"/>
               </a:solidFill>
             </a:endParaRPr>
           </a:p>
@@ -3461,18 +3342,7 @@
           <a:prstGeom prst="flowChartAlternateProcess">
             <a:avLst/>
           </a:prstGeom>
-          <a:solidFill>
-            <a:schemeClr val="bg1">
-              <a:lumMod val="95000"/>
-            </a:schemeClr>
-          </a:solidFill>
-          <a:ln>
-            <a:solidFill>
-              <a:schemeClr val="bg1">
-                <a:lumMod val="85000"/>
-              </a:schemeClr>
-            </a:solidFill>
-          </a:ln>
+          <a:ln/>
         </p:spPr>
         <p:style>
           <a:lnRef idx="2">
@@ -3498,20 +3368,14 @@
             <a:r>
               <a:rPr lang="en-US" sz="900" b="1" dirty="0" err="1" smtClean="0">
                 <a:solidFill>
-                  <a:schemeClr val="tx1">
-                    <a:lumMod val="65000"/>
-                    <a:lumOff val="35000"/>
-                  </a:schemeClr>
+                  <a:schemeClr val="bg1"/>
                 </a:solidFill>
               </a:rPr>
               <a:t>ITrace</a:t>
             </a:r>
             <a:endParaRPr lang="en-US" sz="900" b="1" dirty="0">
               <a:solidFill>
-                <a:schemeClr val="tx1">
-                  <a:lumMod val="65000"/>
-                  <a:lumOff val="35000"/>
-                </a:schemeClr>
+                <a:schemeClr val="bg1"/>
               </a:solidFill>
             </a:endParaRPr>
           </a:p>
@@ -3520,10 +3384,7 @@
             <a:r>
               <a:rPr lang="en-US" sz="900" dirty="0" smtClean="0">
                 <a:solidFill>
-                  <a:schemeClr val="tx1">
-                    <a:lumMod val="65000"/>
-                    <a:lumOff val="35000"/>
-                  </a:schemeClr>
+                  <a:schemeClr val="bg1"/>
                 </a:solidFill>
               </a:rPr>
               <a:t>(</a:t>
@@ -3531,10 +3392,7 @@
             <a:r>
               <a:rPr lang="en-US" sz="900" dirty="0" err="1" smtClean="0">
                 <a:solidFill>
-                  <a:schemeClr val="tx1">
-                    <a:lumMod val="65000"/>
-                    <a:lumOff val="35000"/>
-                  </a:schemeClr>
+                  <a:schemeClr val="bg1"/>
                 </a:solidFill>
               </a:rPr>
               <a:t>BeforeInsert</a:t>
@@ -3542,10 +3400,7 @@
             <a:r>
               <a:rPr lang="en-US" sz="900" dirty="0" smtClean="0">
                 <a:solidFill>
-                  <a:schemeClr val="tx1">
-                    <a:lumMod val="65000"/>
-                    <a:lumOff val="35000"/>
-                  </a:schemeClr>
+                  <a:schemeClr val="bg1"/>
                 </a:solidFill>
               </a:rPr>
               <a:t>, </a:t>
@@ -3553,10 +3408,7 @@
             <a:r>
               <a:rPr lang="en-US" sz="900" dirty="0" err="1" smtClean="0">
                 <a:solidFill>
-                  <a:schemeClr val="tx1">
-                    <a:lumMod val="65000"/>
-                    <a:lumOff val="35000"/>
-                  </a:schemeClr>
+                  <a:schemeClr val="bg1"/>
                 </a:solidFill>
               </a:rPr>
               <a:t>AfterInsert</a:t>
@@ -3564,10 +3416,7 @@
             <a:r>
               <a:rPr lang="en-US" sz="900" dirty="0" smtClean="0">
                 <a:solidFill>
-                  <a:schemeClr val="tx1">
-                    <a:lumMod val="65000"/>
-                    <a:lumOff val="35000"/>
-                  </a:schemeClr>
+                  <a:schemeClr val="bg1"/>
                 </a:solidFill>
               </a:rPr>
               <a:t>, </a:t>
@@ -3575,10 +3424,7 @@
             <a:r>
               <a:rPr lang="en-US" sz="900" dirty="0" err="1" smtClean="0">
                 <a:solidFill>
-                  <a:schemeClr val="tx1">
-                    <a:lumMod val="65000"/>
-                    <a:lumOff val="35000"/>
-                  </a:schemeClr>
+                  <a:schemeClr val="bg1"/>
                 </a:solidFill>
               </a:rPr>
               <a:t>etc</a:t>
@@ -3586,20 +3432,14 @@
             <a:r>
               <a:rPr lang="en-US" sz="900" dirty="0" smtClean="0">
                 <a:solidFill>
-                  <a:schemeClr val="tx1">
-                    <a:lumMod val="65000"/>
-                    <a:lumOff val="35000"/>
-                  </a:schemeClr>
+                  <a:schemeClr val="bg1"/>
                 </a:solidFill>
               </a:rPr>
               <a:t>)</a:t>
             </a:r>
             <a:endParaRPr lang="en-US" sz="900" dirty="0">
               <a:solidFill>
-                <a:schemeClr val="tx1">
-                  <a:lumMod val="65000"/>
-                  <a:lumOff val="35000"/>
-                </a:schemeClr>
+                <a:schemeClr val="bg1"/>
               </a:solidFill>
             </a:endParaRPr>
           </a:p>
@@ -3619,30 +3459,19 @@
           <a:prstGeom prst="flowChartAlternateProcess">
             <a:avLst/>
           </a:prstGeom>
-          <a:solidFill>
-            <a:schemeClr val="bg1">
-              <a:lumMod val="95000"/>
-            </a:schemeClr>
-          </a:solidFill>
-          <a:ln>
-            <a:solidFill>
-              <a:schemeClr val="bg1">
-                <a:lumMod val="85000"/>
-              </a:schemeClr>
-            </a:solidFill>
-          </a:ln>
+          <a:ln/>
         </p:spPr>
         <p:style>
           <a:lnRef idx="2">
-            <a:schemeClr val="accent2">
+            <a:schemeClr val="accent4">
               <a:shade val="50000"/>
             </a:schemeClr>
           </a:lnRef>
           <a:fillRef idx="1">
-            <a:schemeClr val="accent2"/>
+            <a:schemeClr val="accent4"/>
           </a:fillRef>
           <a:effectRef idx="0">
-            <a:schemeClr val="accent2"/>
+            <a:schemeClr val="accent4"/>
           </a:effectRef>
           <a:fontRef idx="minor">
             <a:schemeClr val="lt1"/>
@@ -3657,8 +3486,8 @@
               <a:rPr lang="en-US" sz="900" b="1" dirty="0" err="1" smtClean="0">
                 <a:solidFill>
                   <a:schemeClr val="tx1">
-                    <a:lumMod val="65000"/>
-                    <a:lumOff val="35000"/>
+                    <a:lumMod val="75000"/>
+                    <a:lumOff val="25000"/>
                   </a:schemeClr>
                 </a:solidFill>
               </a:rPr>
@@ -3667,8 +3496,8 @@
             <a:endParaRPr lang="en-US" sz="900" b="1" dirty="0" smtClean="0">
               <a:solidFill>
                 <a:schemeClr val="tx1">
-                  <a:lumMod val="65000"/>
-                  <a:lumOff val="35000"/>
+                  <a:lumMod val="75000"/>
+                  <a:lumOff val="25000"/>
                 </a:schemeClr>
               </a:solidFill>
             </a:endParaRPr>
@@ -3679,8 +3508,8 @@
               <a:rPr lang="en-US" sz="900" dirty="0" smtClean="0">
                 <a:solidFill>
                   <a:schemeClr val="tx1">
-                    <a:lumMod val="65000"/>
-                    <a:lumOff val="35000"/>
+                    <a:lumMod val="75000"/>
+                    <a:lumOff val="25000"/>
                   </a:schemeClr>
                 </a:solidFill>
               </a:rPr>
@@ -3690,8 +3519,8 @@
               <a:rPr lang="en-US" sz="900" dirty="0" err="1" smtClean="0">
                 <a:solidFill>
                   <a:schemeClr val="tx1">
-                    <a:lumMod val="65000"/>
-                    <a:lumOff val="35000"/>
+                    <a:lumMod val="75000"/>
+                    <a:lumOff val="25000"/>
                   </a:schemeClr>
                 </a:solidFill>
               </a:rPr>
@@ -3701,8 +3530,8 @@
               <a:rPr lang="en-US" sz="900" dirty="0" smtClean="0">
                 <a:solidFill>
                   <a:schemeClr val="tx1">
-                    <a:lumMod val="65000"/>
-                    <a:lumOff val="35000"/>
+                    <a:lumMod val="75000"/>
+                    <a:lumOff val="25000"/>
                   </a:schemeClr>
                 </a:solidFill>
               </a:rPr>
@@ -3712,8 +3541,8 @@
               <a:rPr lang="en-US" sz="900" dirty="0" err="1" smtClean="0">
                 <a:solidFill>
                   <a:schemeClr val="tx1">
-                    <a:lumMod val="65000"/>
-                    <a:lumOff val="35000"/>
+                    <a:lumMod val="75000"/>
+                    <a:lumOff val="25000"/>
                   </a:schemeClr>
                 </a:solidFill>
               </a:rPr>
@@ -3723,8 +3552,8 @@
               <a:rPr lang="en-US" sz="900" dirty="0" smtClean="0">
                 <a:solidFill>
                   <a:schemeClr val="tx1">
-                    <a:lumMod val="65000"/>
-                    <a:lumOff val="35000"/>
+                    <a:lumMod val="75000"/>
+                    <a:lumOff val="25000"/>
                   </a:schemeClr>
                 </a:solidFill>
               </a:rPr>
@@ -3734,8 +3563,8 @@
               <a:rPr lang="en-US" sz="900" dirty="0" err="1" smtClean="0">
                 <a:solidFill>
                   <a:schemeClr val="tx1">
-                    <a:lumMod val="65000"/>
-                    <a:lumOff val="35000"/>
+                    <a:lumMod val="75000"/>
+                    <a:lumOff val="25000"/>
                   </a:schemeClr>
                 </a:solidFill>
               </a:rPr>
@@ -3745,8 +3574,8 @@
               <a:rPr lang="en-US" sz="900" dirty="0" smtClean="0">
                 <a:solidFill>
                   <a:schemeClr val="tx1">
-                    <a:lumMod val="65000"/>
-                    <a:lumOff val="35000"/>
+                    <a:lumMod val="75000"/>
+                    <a:lumOff val="25000"/>
                   </a:schemeClr>
                 </a:solidFill>
               </a:rPr>
@@ -3769,30 +3598,19 @@
           <a:prstGeom prst="flowChartAlternateProcess">
             <a:avLst/>
           </a:prstGeom>
-          <a:solidFill>
-            <a:schemeClr val="bg1">
-              <a:lumMod val="95000"/>
-            </a:schemeClr>
-          </a:solidFill>
-          <a:ln>
-            <a:solidFill>
-              <a:schemeClr val="bg1">
-                <a:lumMod val="85000"/>
-              </a:schemeClr>
-            </a:solidFill>
-          </a:ln>
+          <a:ln/>
         </p:spPr>
         <p:style>
           <a:lnRef idx="2">
-            <a:schemeClr val="accent3">
+            <a:schemeClr val="accent4">
               <a:shade val="50000"/>
             </a:schemeClr>
           </a:lnRef>
           <a:fillRef idx="1">
-            <a:schemeClr val="accent3"/>
+            <a:schemeClr val="accent4"/>
           </a:fillRef>
           <a:effectRef idx="0">
-            <a:schemeClr val="accent3"/>
+            <a:schemeClr val="accent4"/>
           </a:effectRef>
           <a:fontRef idx="minor">
             <a:schemeClr val="lt1"/>
@@ -3807,8 +3625,8 @@
               <a:rPr lang="en-US" sz="900" dirty="0" err="1" smtClean="0">
                 <a:solidFill>
                   <a:schemeClr val="tx1">
-                    <a:lumMod val="65000"/>
-                    <a:lumOff val="35000"/>
+                    <a:lumMod val="75000"/>
+                    <a:lumOff val="25000"/>
                   </a:schemeClr>
                 </a:solidFill>
               </a:rPr>
@@ -3818,8 +3636,8 @@
               <a:rPr lang="en-US" sz="900" dirty="0" smtClean="0">
                 <a:solidFill>
                   <a:schemeClr val="tx1">
-                    <a:lumMod val="65000"/>
-                    <a:lumOff val="35000"/>
+                    <a:lumMod val="75000"/>
+                    <a:lumOff val="25000"/>
                   </a:schemeClr>
                 </a:solidFill>
               </a:rPr>
@@ -3832,8 +3650,8 @@
               <a:rPr lang="en-US" sz="900" dirty="0" smtClean="0">
                 <a:solidFill>
                   <a:schemeClr val="tx1">
-                    <a:lumMod val="65000"/>
-                    <a:lumOff val="35000"/>
+                    <a:lumMod val="75000"/>
+                    <a:lumOff val="25000"/>
                   </a:schemeClr>
                 </a:solidFill>
               </a:rPr>
@@ -3843,8 +3661,8 @@
               <a:rPr lang="en-US" sz="900" dirty="0" err="1" smtClean="0">
                 <a:solidFill>
                   <a:schemeClr val="tx1">
-                    <a:lumMod val="65000"/>
-                    <a:lumOff val="35000"/>
+                    <a:lumMod val="75000"/>
+                    <a:lumOff val="25000"/>
                   </a:schemeClr>
                 </a:solidFill>
               </a:rPr>
@@ -3854,8 +3672,8 @@
               <a:rPr lang="en-US" sz="900" dirty="0" smtClean="0">
                 <a:solidFill>
                   <a:schemeClr val="tx1">
-                    <a:lumMod val="65000"/>
-                    <a:lumOff val="35000"/>
+                    <a:lumMod val="75000"/>
+                    <a:lumOff val="25000"/>
                   </a:schemeClr>
                 </a:solidFill>
               </a:rPr>
@@ -3865,8 +3683,8 @@
               <a:rPr lang="en-US" sz="900" dirty="0" err="1" smtClean="0">
                 <a:solidFill>
                   <a:schemeClr val="tx1">
-                    <a:lumMod val="65000"/>
-                    <a:lumOff val="35000"/>
+                    <a:lumMod val="75000"/>
+                    <a:lumOff val="25000"/>
                   </a:schemeClr>
                 </a:solidFill>
               </a:rPr>
@@ -3876,8 +3694,8 @@
               <a:rPr lang="en-US" sz="900" dirty="0" smtClean="0">
                 <a:solidFill>
                   <a:schemeClr val="tx1">
-                    <a:lumMod val="65000"/>
-                    <a:lumOff val="35000"/>
+                    <a:lumMod val="75000"/>
+                    <a:lumOff val="25000"/>
                   </a:schemeClr>
                 </a:solidFill>
               </a:rPr>
@@ -3887,8 +3705,8 @@
               <a:rPr lang="en-US" sz="900" dirty="0" err="1" smtClean="0">
                 <a:solidFill>
                   <a:schemeClr val="tx1">
-                    <a:lumMod val="65000"/>
-                    <a:lumOff val="35000"/>
+                    <a:lumMod val="75000"/>
+                    <a:lumOff val="25000"/>
                   </a:schemeClr>
                 </a:solidFill>
               </a:rPr>
@@ -3898,8 +3716,8 @@
               <a:rPr lang="en-US" sz="900" dirty="0" smtClean="0">
                 <a:solidFill>
                   <a:schemeClr val="tx1">
-                    <a:lumMod val="65000"/>
-                    <a:lumOff val="35000"/>
+                    <a:lumMod val="75000"/>
+                    <a:lumOff val="25000"/>
                   </a:schemeClr>
                 </a:solidFill>
               </a:rPr>
@@ -3908,8 +3726,8 @@
             <a:endParaRPr lang="en-US" sz="900" dirty="0">
               <a:solidFill>
                 <a:schemeClr val="tx1">
-                  <a:lumMod val="65000"/>
-                  <a:lumOff val="35000"/>
+                  <a:lumMod val="75000"/>
+                  <a:lumOff val="25000"/>
                 </a:schemeClr>
               </a:solidFill>
             </a:endParaRPr>
@@ -3967,10 +3785,7 @@
             <a:r>
               <a:rPr lang="en-US" sz="900" dirty="0" smtClean="0">
                 <a:solidFill>
-                  <a:schemeClr val="tx1">
-                    <a:lumMod val="65000"/>
-                    <a:lumOff val="35000"/>
-                  </a:schemeClr>
+                  <a:schemeClr val="tx1"/>
                 </a:solidFill>
               </a:rPr>
               <a:t>Helper Methods:</a:t>
@@ -3981,20 +3796,14 @@
             <a:r>
               <a:rPr lang="en-US" sz="900" dirty="0" err="1" smtClean="0">
                 <a:solidFill>
-                  <a:schemeClr val="tx1">
-                    <a:lumMod val="65000"/>
-                    <a:lumOff val="35000"/>
-                  </a:schemeClr>
+                  <a:schemeClr val="tx1"/>
                 </a:solidFill>
               </a:rPr>
               <a:t>GetFields</a:t>
             </a:r>
             <a:endParaRPr lang="en-US" sz="900" dirty="0">
               <a:solidFill>
-                <a:schemeClr val="tx1">
-                  <a:lumMod val="65000"/>
-                  <a:lumOff val="35000"/>
-                </a:schemeClr>
+                <a:schemeClr val="tx1"/>
               </a:solidFill>
             </a:endParaRPr>
           </a:p>
@@ -4051,10 +3860,7 @@
             <a:r>
               <a:rPr lang="en-US" sz="900" dirty="0" smtClean="0">
                 <a:solidFill>
-                  <a:schemeClr val="tx1">
-                    <a:lumMod val="65000"/>
-                    <a:lumOff val="35000"/>
-                  </a:schemeClr>
+                  <a:schemeClr val="tx1"/>
                 </a:solidFill>
               </a:rPr>
               <a:t>DB Specific Operations:</a:t>
@@ -4065,20 +3871,14 @@
             <a:r>
               <a:rPr lang="en-US" sz="900" dirty="0" err="1" smtClean="0">
                 <a:solidFill>
-                  <a:schemeClr val="tx1">
-                    <a:lumMod val="65000"/>
-                    <a:lumOff val="35000"/>
-                  </a:schemeClr>
+                  <a:schemeClr val="tx1"/>
                 </a:solidFill>
               </a:rPr>
               <a:t>BulkInsert</a:t>
             </a:r>
             <a:endParaRPr lang="en-US" sz="900" dirty="0">
               <a:solidFill>
-                <a:schemeClr val="tx1">
-                  <a:lumMod val="65000"/>
-                  <a:lumOff val="35000"/>
-                </a:schemeClr>
+                <a:schemeClr val="tx1"/>
               </a:solidFill>
             </a:endParaRPr>
           </a:p>
@@ -4098,18 +3898,7 @@
           <a:prstGeom prst="flowChartAlternateProcess">
             <a:avLst/>
           </a:prstGeom>
-          <a:solidFill>
-            <a:schemeClr val="bg1">
-              <a:lumMod val="95000"/>
-            </a:schemeClr>
-          </a:solidFill>
-          <a:ln>
-            <a:solidFill>
-              <a:schemeClr val="bg1">
-                <a:lumMod val="85000"/>
-              </a:schemeClr>
-            </a:solidFill>
-          </a:ln>
+          <a:ln/>
         </p:spPr>
         <p:style>
           <a:lnRef idx="2">
@@ -4135,20 +3924,14 @@
             <a:r>
               <a:rPr lang="en-US" sz="900" b="1" dirty="0" err="1" smtClean="0">
                 <a:solidFill>
-                  <a:schemeClr val="tx1">
-                    <a:lumMod val="65000"/>
-                    <a:lumOff val="35000"/>
-                  </a:schemeClr>
+                  <a:schemeClr val="bg1"/>
                 </a:solidFill>
               </a:rPr>
               <a:t>IStatementBuilder</a:t>
             </a:r>
             <a:endParaRPr lang="en-US" sz="900" b="1" dirty="0" smtClean="0">
               <a:solidFill>
-                <a:schemeClr val="tx1">
-                  <a:lumMod val="65000"/>
-                  <a:lumOff val="35000"/>
-                </a:schemeClr>
+                <a:schemeClr val="bg1"/>
               </a:solidFill>
             </a:endParaRPr>
           </a:p>
@@ -4157,10 +3940,7 @@
             <a:r>
               <a:rPr lang="en-US" sz="900" dirty="0" smtClean="0">
                 <a:solidFill>
-                  <a:schemeClr val="tx1">
-                    <a:lumMod val="65000"/>
-                    <a:lumOff val="35000"/>
-                  </a:schemeClr>
+                  <a:schemeClr val="bg1"/>
                 </a:solidFill>
               </a:rPr>
               <a:t>(</a:t>
@@ -4168,10 +3948,7 @@
             <a:r>
               <a:rPr lang="en-US" sz="900" dirty="0" err="1" smtClean="0">
                 <a:solidFill>
-                  <a:schemeClr val="tx1">
-                    <a:lumMod val="65000"/>
-                    <a:lumOff val="35000"/>
-                  </a:schemeClr>
+                  <a:schemeClr val="bg1"/>
                 </a:solidFill>
               </a:rPr>
               <a:t>Sql</a:t>
@@ -4179,10 +3956,7 @@
             <a:r>
               <a:rPr lang="en-US" sz="900" dirty="0" smtClean="0">
                 <a:solidFill>
-                  <a:schemeClr val="tx1">
-                    <a:lumMod val="65000"/>
-                    <a:lumOff val="35000"/>
-                  </a:schemeClr>
+                  <a:schemeClr val="bg1"/>
                 </a:solidFill>
               </a:rPr>
               <a:t>, Oracle, </a:t>
@@ -4190,10 +3964,7 @@
             <a:r>
               <a:rPr lang="en-US" sz="900" dirty="0" err="1" smtClean="0">
                 <a:solidFill>
-                  <a:schemeClr val="tx1">
-                    <a:lumMod val="65000"/>
-                    <a:lumOff val="35000"/>
-                  </a:schemeClr>
+                  <a:schemeClr val="bg1"/>
                 </a:solidFill>
               </a:rPr>
               <a:t>MySql</a:t>
@@ -4201,10 +3972,7 @@
             <a:r>
               <a:rPr lang="en-US" sz="900" dirty="0" smtClean="0">
                 <a:solidFill>
-                  <a:schemeClr val="tx1">
-                    <a:lumMod val="65000"/>
-                    <a:lumOff val="35000"/>
-                  </a:schemeClr>
+                  <a:schemeClr val="bg1"/>
                 </a:solidFill>
               </a:rPr>
               <a:t>, </a:t>
@@ -4212,10 +3980,7 @@
             <a:r>
               <a:rPr lang="en-US" sz="900" dirty="0" err="1" smtClean="0">
                 <a:solidFill>
-                  <a:schemeClr val="tx1">
-                    <a:lumMod val="65000"/>
-                    <a:lumOff val="35000"/>
-                  </a:schemeClr>
+                  <a:schemeClr val="bg1"/>
                 </a:solidFill>
               </a:rPr>
               <a:t>PostgreSql</a:t>
@@ -4223,20 +3988,14 @@
             <a:r>
               <a:rPr lang="en-US" sz="900" dirty="0" smtClean="0">
                 <a:solidFill>
-                  <a:schemeClr val="tx1">
-                    <a:lumMod val="65000"/>
-                    <a:lumOff val="35000"/>
-                  </a:schemeClr>
+                  <a:schemeClr val="bg1"/>
                 </a:solidFill>
               </a:rPr>
               <a:t>)</a:t>
             </a:r>
             <a:endParaRPr lang="en-US" sz="900" dirty="0">
               <a:solidFill>
-                <a:schemeClr val="tx1">
-                  <a:lumMod val="65000"/>
-                  <a:lumOff val="35000"/>
-                </a:schemeClr>
+                <a:schemeClr val="bg1"/>
               </a:solidFill>
             </a:endParaRPr>
           </a:p>
@@ -4256,18 +4015,7 @@
           <a:prstGeom prst="flowChartAlternateProcess">
             <a:avLst/>
           </a:prstGeom>
-          <a:solidFill>
-            <a:schemeClr val="bg1">
-              <a:lumMod val="95000"/>
-            </a:schemeClr>
-          </a:solidFill>
-          <a:ln>
-            <a:solidFill>
-              <a:schemeClr val="bg1">
-                <a:lumMod val="85000"/>
-              </a:schemeClr>
-            </a:solidFill>
-          </a:ln>
+          <a:ln/>
         </p:spPr>
         <p:style>
           <a:lnRef idx="2">
@@ -4293,20 +4041,14 @@
             <a:r>
               <a:rPr lang="en-US" sz="900" b="1" dirty="0" err="1" smtClean="0">
                 <a:solidFill>
-                  <a:schemeClr val="tx1">
-                    <a:lumMod val="65000"/>
-                    <a:lumOff val="35000"/>
-                  </a:schemeClr>
+                  <a:schemeClr val="bg1"/>
                 </a:solidFill>
               </a:rPr>
               <a:t>ICache</a:t>
             </a:r>
             <a:endParaRPr lang="en-US" sz="900" b="1" dirty="0">
               <a:solidFill>
-                <a:schemeClr val="tx1">
-                  <a:lumMod val="65000"/>
-                  <a:lumOff val="35000"/>
-                </a:schemeClr>
+                <a:schemeClr val="bg1"/>
               </a:solidFill>
             </a:endParaRPr>
           </a:p>
@@ -4315,10 +4057,7 @@
             <a:r>
               <a:rPr lang="en-US" sz="900" dirty="0" smtClean="0">
                 <a:solidFill>
-                  <a:schemeClr val="tx1">
-                    <a:lumMod val="65000"/>
-                    <a:lumOff val="35000"/>
-                  </a:schemeClr>
+                  <a:schemeClr val="bg1"/>
                 </a:solidFill>
               </a:rPr>
               <a:t>(</a:t>
@@ -4326,10 +4065,7 @@
             <a:r>
               <a:rPr lang="en-US" sz="900" dirty="0" err="1" smtClean="0">
                 <a:solidFill>
-                  <a:schemeClr val="tx1">
-                    <a:lumMod val="65000"/>
-                    <a:lumOff val="35000"/>
-                  </a:schemeClr>
+                  <a:schemeClr val="bg1"/>
                 </a:solidFill>
               </a:rPr>
               <a:t>MemoryCache</a:t>
@@ -4337,10 +4073,7 @@
             <a:r>
               <a:rPr lang="en-US" sz="900" dirty="0" smtClean="0">
                 <a:solidFill>
-                  <a:schemeClr val="tx1">
-                    <a:lumMod val="65000"/>
-                    <a:lumOff val="35000"/>
-                  </a:schemeClr>
+                  <a:schemeClr val="bg1"/>
                 </a:solidFill>
               </a:rPr>
               <a:t>, </a:t>
@@ -4348,10 +4081,7 @@
             <a:r>
               <a:rPr lang="en-US" sz="900" dirty="0" err="1" smtClean="0">
                 <a:solidFill>
-                  <a:schemeClr val="tx1">
-                    <a:lumMod val="65000"/>
-                    <a:lumOff val="35000"/>
-                  </a:schemeClr>
+                  <a:schemeClr val="bg1"/>
                 </a:solidFill>
               </a:rPr>
               <a:t>FileCache</a:t>
@@ -4359,10 +4089,7 @@
             <a:r>
               <a:rPr lang="en-US" sz="900" dirty="0" smtClean="0">
                 <a:solidFill>
-                  <a:schemeClr val="tx1">
-                    <a:lumMod val="65000"/>
-                    <a:lumOff val="35000"/>
-                  </a:schemeClr>
+                  <a:schemeClr val="bg1"/>
                 </a:solidFill>
               </a:rPr>
               <a:t>, </a:t>
@@ -4370,10 +4097,7 @@
             <a:r>
               <a:rPr lang="en-US" sz="900" dirty="0" err="1" smtClean="0">
                 <a:solidFill>
-                  <a:schemeClr val="tx1">
-                    <a:lumMod val="65000"/>
-                    <a:lumOff val="35000"/>
-                  </a:schemeClr>
+                  <a:schemeClr val="bg1"/>
                 </a:solidFill>
               </a:rPr>
               <a:t>etc</a:t>
@@ -4381,20 +4105,14 @@
             <a:r>
               <a:rPr lang="en-US" sz="900" dirty="0" smtClean="0">
                 <a:solidFill>
-                  <a:schemeClr val="tx1">
-                    <a:lumMod val="65000"/>
-                    <a:lumOff val="35000"/>
-                  </a:schemeClr>
+                  <a:schemeClr val="bg1"/>
                 </a:solidFill>
               </a:rPr>
               <a:t>)</a:t>
             </a:r>
             <a:endParaRPr lang="en-US" sz="900" dirty="0">
               <a:solidFill>
-                <a:schemeClr val="tx1">
-                  <a:lumMod val="65000"/>
-                  <a:lumOff val="35000"/>
-                </a:schemeClr>
+                <a:schemeClr val="bg1"/>
               </a:solidFill>
             </a:endParaRPr>
           </a:p>
@@ -4414,30 +4132,19 @@
           <a:prstGeom prst="flowChartAlternateProcess">
             <a:avLst/>
           </a:prstGeom>
-          <a:solidFill>
-            <a:schemeClr val="bg1">
-              <a:lumMod val="95000"/>
-            </a:schemeClr>
-          </a:solidFill>
-          <a:ln>
-            <a:solidFill>
-              <a:schemeClr val="bg1">
-                <a:lumMod val="85000"/>
-              </a:schemeClr>
-            </a:solidFill>
-          </a:ln>
+          <a:ln/>
         </p:spPr>
         <p:style>
           <a:lnRef idx="2">
-            <a:schemeClr val="accent2">
+            <a:schemeClr val="accent4">
               <a:shade val="50000"/>
             </a:schemeClr>
           </a:lnRef>
           <a:fillRef idx="1">
-            <a:schemeClr val="accent2"/>
+            <a:schemeClr val="accent4"/>
           </a:fillRef>
           <a:effectRef idx="0">
-            <a:schemeClr val="accent2"/>
+            <a:schemeClr val="accent4"/>
           </a:effectRef>
           <a:fontRef idx="minor">
             <a:schemeClr val="lt1"/>
@@ -4452,8 +4159,8 @@
               <a:rPr lang="en-US" sz="900" b="1" dirty="0" err="1" smtClean="0">
                 <a:solidFill>
                   <a:schemeClr val="tx1">
-                    <a:lumMod val="65000"/>
-                    <a:lumOff val="35000"/>
+                    <a:lumMod val="75000"/>
+                    <a:lumOff val="25000"/>
                   </a:schemeClr>
                 </a:solidFill>
               </a:rPr>
@@ -4462,8 +4169,8 @@
             <a:endParaRPr lang="en-US" sz="900" b="1" dirty="0">
               <a:solidFill>
                 <a:schemeClr val="tx1">
-                  <a:lumMod val="65000"/>
-                  <a:lumOff val="35000"/>
+                  <a:lumMod val="75000"/>
+                  <a:lumOff val="25000"/>
                 </a:schemeClr>
               </a:solidFill>
             </a:endParaRPr>
@@ -4474,8 +4181,8 @@
               <a:rPr lang="en-US" sz="900" dirty="0" smtClean="0">
                 <a:solidFill>
                   <a:schemeClr val="tx1">
-                    <a:lumMod val="65000"/>
-                    <a:lumOff val="35000"/>
+                    <a:lumMod val="75000"/>
+                    <a:lumOff val="25000"/>
                   </a:schemeClr>
                 </a:solidFill>
               </a:rPr>
@@ -4485,8 +4192,8 @@
               <a:rPr lang="en-US" sz="900" dirty="0" err="1" smtClean="0">
                 <a:solidFill>
                   <a:schemeClr val="tx1">
-                    <a:lumMod val="65000"/>
-                    <a:lumOff val="35000"/>
+                    <a:lumMod val="75000"/>
+                    <a:lumOff val="25000"/>
                   </a:schemeClr>
                 </a:solidFill>
               </a:rPr>
@@ -4496,8 +4203,8 @@
               <a:rPr lang="en-US" sz="900" dirty="0" smtClean="0">
                 <a:solidFill>
                   <a:schemeClr val="tx1">
-                    <a:lumMod val="65000"/>
-                    <a:lumOff val="35000"/>
+                    <a:lumMod val="75000"/>
+                    <a:lumOff val="25000"/>
                   </a:schemeClr>
                 </a:solidFill>
               </a:rPr>
@@ -4507,8 +4214,8 @@
               <a:rPr lang="en-US" sz="900" dirty="0" err="1" smtClean="0">
                 <a:solidFill>
                   <a:schemeClr val="tx1">
-                    <a:lumMod val="65000"/>
-                    <a:lumOff val="35000"/>
+                    <a:lumMod val="75000"/>
+                    <a:lumOff val="25000"/>
                   </a:schemeClr>
                 </a:solidFill>
               </a:rPr>
@@ -4518,8 +4225,8 @@
               <a:rPr lang="en-US" sz="900" dirty="0" smtClean="0">
                 <a:solidFill>
                   <a:schemeClr val="tx1">
-                    <a:lumMod val="65000"/>
-                    <a:lumOff val="35000"/>
+                    <a:lumMod val="75000"/>
+                    <a:lumOff val="25000"/>
                   </a:schemeClr>
                 </a:solidFill>
               </a:rPr>
@@ -4529,8 +4236,8 @@
               <a:rPr lang="en-US" sz="900" dirty="0" err="1" smtClean="0">
                 <a:solidFill>
                   <a:schemeClr val="tx1">
-                    <a:lumMod val="65000"/>
-                    <a:lumOff val="35000"/>
+                    <a:lumMod val="75000"/>
+                    <a:lumOff val="25000"/>
                   </a:schemeClr>
                 </a:solidFill>
               </a:rPr>
@@ -4540,8 +4247,8 @@
               <a:rPr lang="en-US" sz="900" dirty="0" smtClean="0">
                 <a:solidFill>
                   <a:schemeClr val="tx1">
-                    <a:lumMod val="65000"/>
-                    <a:lumOff val="35000"/>
+                    <a:lumMod val="75000"/>
+                    <a:lumOff val="25000"/>
                   </a:schemeClr>
                 </a:solidFill>
               </a:rPr>
@@ -4550,8 +4257,8 @@
             <a:endParaRPr lang="en-US" sz="900" dirty="0">
               <a:solidFill>
                 <a:schemeClr val="tx1">
-                  <a:lumMod val="65000"/>
-                  <a:lumOff val="35000"/>
+                  <a:lumMod val="75000"/>
+                  <a:lumOff val="25000"/>
                 </a:schemeClr>
               </a:solidFill>
             </a:endParaRPr>
@@ -4572,30 +4279,19 @@
           <a:prstGeom prst="flowChartAlternateProcess">
             <a:avLst/>
           </a:prstGeom>
-          <a:solidFill>
-            <a:schemeClr val="bg1">
-              <a:lumMod val="95000"/>
-            </a:schemeClr>
-          </a:solidFill>
-          <a:ln>
-            <a:solidFill>
-              <a:schemeClr val="bg1">
-                <a:lumMod val="85000"/>
-              </a:schemeClr>
-            </a:solidFill>
-          </a:ln>
+          <a:ln/>
         </p:spPr>
         <p:style>
           <a:lnRef idx="2">
-            <a:schemeClr val="accent3">
+            <a:schemeClr val="accent4">
               <a:shade val="50000"/>
             </a:schemeClr>
           </a:lnRef>
           <a:fillRef idx="1">
-            <a:schemeClr val="accent3"/>
+            <a:schemeClr val="accent4"/>
           </a:fillRef>
           <a:effectRef idx="0">
-            <a:schemeClr val="accent3"/>
+            <a:schemeClr val="accent4"/>
           </a:effectRef>
           <a:fontRef idx="minor">
             <a:schemeClr val="lt1"/>
@@ -4610,8 +4306,8 @@
               <a:rPr lang="en-US" sz="900" dirty="0" err="1" smtClean="0">
                 <a:solidFill>
                   <a:schemeClr val="tx1">
-                    <a:lumMod val="65000"/>
-                    <a:lumOff val="35000"/>
+                    <a:lumMod val="75000"/>
+                    <a:lumOff val="25000"/>
                   </a:schemeClr>
                 </a:solidFill>
               </a:rPr>
@@ -4621,8 +4317,8 @@
               <a:rPr lang="en-US" sz="900" dirty="0" smtClean="0">
                 <a:solidFill>
                   <a:schemeClr val="tx1">
-                    <a:lumMod val="65000"/>
-                    <a:lumOff val="35000"/>
+                    <a:lumMod val="75000"/>
+                    <a:lumOff val="25000"/>
                   </a:schemeClr>
                 </a:solidFill>
               </a:rPr>
@@ -4635,8 +4331,8 @@
               <a:rPr lang="en-US" sz="900" dirty="0" smtClean="0">
                 <a:solidFill>
                   <a:schemeClr val="tx1">
-                    <a:lumMod val="65000"/>
-                    <a:lumOff val="35000"/>
+                    <a:lumMod val="75000"/>
+                    <a:lumOff val="25000"/>
                   </a:schemeClr>
                 </a:solidFill>
               </a:rPr>
@@ -4646,8 +4342,8 @@
               <a:rPr lang="en-US" sz="900" dirty="0" err="1" smtClean="0">
                 <a:solidFill>
                   <a:schemeClr val="tx1">
-                    <a:lumMod val="65000"/>
-                    <a:lumOff val="35000"/>
+                    <a:lumMod val="75000"/>
+                    <a:lumOff val="25000"/>
                   </a:schemeClr>
                 </a:solidFill>
               </a:rPr>
@@ -4657,8 +4353,8 @@
               <a:rPr lang="en-US" sz="900" dirty="0" smtClean="0">
                 <a:solidFill>
                   <a:schemeClr val="tx1">
-                    <a:lumMod val="65000"/>
-                    <a:lumOff val="35000"/>
+                    <a:lumMod val="75000"/>
+                    <a:lumOff val="25000"/>
                   </a:schemeClr>
                 </a:solidFill>
               </a:rPr>
@@ -4668,8 +4364,8 @@
               <a:rPr lang="en-US" sz="900" dirty="0" err="1" smtClean="0">
                 <a:solidFill>
                   <a:schemeClr val="tx1">
-                    <a:lumMod val="65000"/>
-                    <a:lumOff val="35000"/>
+                    <a:lumMod val="75000"/>
+                    <a:lumOff val="25000"/>
                   </a:schemeClr>
                 </a:solidFill>
               </a:rPr>
@@ -4679,8 +4375,8 @@
               <a:rPr lang="en-US" sz="900" dirty="0" smtClean="0">
                 <a:solidFill>
                   <a:schemeClr val="tx1">
-                    <a:lumMod val="65000"/>
-                    <a:lumOff val="35000"/>
+                    <a:lumMod val="75000"/>
+                    <a:lumOff val="25000"/>
                   </a:schemeClr>
                 </a:solidFill>
               </a:rPr>
@@ -4690,8 +4386,8 @@
               <a:rPr lang="en-US" sz="900" dirty="0" err="1" smtClean="0">
                 <a:solidFill>
                   <a:schemeClr val="tx1">
-                    <a:lumMod val="65000"/>
-                    <a:lumOff val="35000"/>
+                    <a:lumMod val="75000"/>
+                    <a:lumOff val="25000"/>
                   </a:schemeClr>
                 </a:solidFill>
               </a:rPr>
@@ -4701,8 +4397,8 @@
               <a:rPr lang="en-US" sz="900" dirty="0" smtClean="0">
                 <a:solidFill>
                   <a:schemeClr val="tx1">
-                    <a:lumMod val="65000"/>
-                    <a:lumOff val="35000"/>
+                    <a:lumMod val="75000"/>
+                    <a:lumOff val="25000"/>
                   </a:schemeClr>
                 </a:solidFill>
               </a:rPr>
@@ -4711,8 +4407,8 @@
             <a:endParaRPr lang="en-US" sz="900" dirty="0">
               <a:solidFill>
                 <a:schemeClr val="tx1">
-                  <a:lumMod val="65000"/>
-                  <a:lumOff val="35000"/>
+                  <a:lumMod val="75000"/>
+                  <a:lumOff val="25000"/>
                 </a:schemeClr>
               </a:solidFill>
             </a:endParaRPr>
@@ -4733,30 +4429,19 @@
           <a:prstGeom prst="flowChartAlternateProcess">
             <a:avLst/>
           </a:prstGeom>
-          <a:solidFill>
-            <a:schemeClr val="bg1">
-              <a:lumMod val="95000"/>
-            </a:schemeClr>
-          </a:solidFill>
-          <a:ln>
-            <a:solidFill>
-              <a:schemeClr val="bg1">
-                <a:lumMod val="85000"/>
-              </a:schemeClr>
-            </a:solidFill>
-          </a:ln>
+          <a:ln/>
         </p:spPr>
         <p:style>
           <a:lnRef idx="2">
-            <a:schemeClr val="accent2">
+            <a:schemeClr val="accent4">
               <a:shade val="50000"/>
             </a:schemeClr>
           </a:lnRef>
           <a:fillRef idx="1">
-            <a:schemeClr val="accent2"/>
+            <a:schemeClr val="accent4"/>
           </a:fillRef>
           <a:effectRef idx="0">
-            <a:schemeClr val="accent2"/>
+            <a:schemeClr val="accent4"/>
           </a:effectRef>
           <a:fontRef idx="minor">
             <a:schemeClr val="lt1"/>
@@ -4771,8 +4456,8 @@
               <a:rPr lang="en-US" sz="900" b="1" dirty="0" err="1" smtClean="0">
                 <a:solidFill>
                   <a:schemeClr val="tx1">
-                    <a:lumMod val="65000"/>
-                    <a:lumOff val="35000"/>
+                    <a:lumMod val="75000"/>
+                    <a:lumOff val="25000"/>
                   </a:schemeClr>
                 </a:solidFill>
               </a:rPr>
@@ -4781,8 +4466,8 @@
             <a:endParaRPr lang="en-US" sz="900" b="1" dirty="0" smtClean="0">
               <a:solidFill>
                 <a:schemeClr val="tx1">
-                  <a:lumMod val="65000"/>
-                  <a:lumOff val="35000"/>
+                  <a:lumMod val="75000"/>
+                  <a:lumOff val="25000"/>
                 </a:schemeClr>
               </a:solidFill>
             </a:endParaRPr>
@@ -4793,8 +4478,8 @@
               <a:rPr lang="en-US" sz="900" dirty="0" smtClean="0">
                 <a:solidFill>
                   <a:schemeClr val="tx1">
-                    <a:lumMod val="65000"/>
-                    <a:lumOff val="35000"/>
+                    <a:lumMod val="75000"/>
+                    <a:lumOff val="25000"/>
                   </a:schemeClr>
                 </a:solidFill>
               </a:rPr>
@@ -4804,8 +4489,8 @@
               <a:rPr lang="en-US" sz="900" dirty="0" err="1" smtClean="0">
                 <a:solidFill>
                   <a:schemeClr val="tx1">
-                    <a:lumMod val="65000"/>
-                    <a:lumOff val="35000"/>
+                    <a:lumMod val="75000"/>
+                    <a:lumOff val="25000"/>
                   </a:schemeClr>
                 </a:solidFill>
               </a:rPr>
@@ -4815,8 +4500,8 @@
               <a:rPr lang="en-US" sz="900" dirty="0" smtClean="0">
                 <a:solidFill>
                   <a:schemeClr val="tx1">
-                    <a:lumMod val="65000"/>
-                    <a:lumOff val="35000"/>
+                    <a:lumMod val="75000"/>
+                    <a:lumOff val="25000"/>
                   </a:schemeClr>
                 </a:solidFill>
               </a:rPr>
@@ -4826,8 +4511,8 @@
               <a:rPr lang="en-US" sz="900" dirty="0" err="1" smtClean="0">
                 <a:solidFill>
                   <a:schemeClr val="tx1">
-                    <a:lumMod val="65000"/>
-                    <a:lumOff val="35000"/>
+                    <a:lumMod val="75000"/>
+                    <a:lumOff val="25000"/>
                   </a:schemeClr>
                 </a:solidFill>
               </a:rPr>
@@ -4837,8 +4522,8 @@
               <a:rPr lang="en-US" sz="900" dirty="0" smtClean="0">
                 <a:solidFill>
                   <a:schemeClr val="tx1">
-                    <a:lumMod val="65000"/>
-                    <a:lumOff val="35000"/>
+                    <a:lumMod val="75000"/>
+                    <a:lumOff val="25000"/>
                   </a:schemeClr>
                 </a:solidFill>
               </a:rPr>
@@ -4847,8 +4532,8 @@
             <a:endParaRPr lang="en-US" sz="900" dirty="0">
               <a:solidFill>
                 <a:schemeClr val="tx1">
-                  <a:lumMod val="65000"/>
-                  <a:lumOff val="35000"/>
+                  <a:lumMod val="75000"/>
+                  <a:lumOff val="25000"/>
                 </a:schemeClr>
               </a:solidFill>
             </a:endParaRPr>
@@ -4874,11 +4559,9 @@
               <a:gd name="adj1" fmla="val 50000"/>
             </a:avLst>
           </a:prstGeom>
-          <a:ln w="9525">
+          <a:ln w="12700">
             <a:solidFill>
-              <a:schemeClr val="bg1">
-                <a:lumMod val="85000"/>
-              </a:schemeClr>
+              <a:schemeClr val="tx1"/>
             </a:solidFill>
             <a:prstDash val="dash"/>
           </a:ln>
@@ -4918,11 +4601,9 @@
               <a:gd name="adj1" fmla="val 50000"/>
             </a:avLst>
           </a:prstGeom>
-          <a:ln w="9525">
+          <a:ln w="12700">
             <a:solidFill>
-              <a:schemeClr val="bg1">
-                <a:lumMod val="85000"/>
-              </a:schemeClr>
+              <a:schemeClr val="tx1"/>
             </a:solidFill>
             <a:prstDash val="dash"/>
           </a:ln>
@@ -4962,11 +4643,9 @@
               <a:gd name="adj1" fmla="val 50000"/>
             </a:avLst>
           </a:prstGeom>
-          <a:ln w="9525">
+          <a:ln w="12700">
             <a:solidFill>
-              <a:schemeClr val="bg1">
-                <a:lumMod val="85000"/>
-              </a:schemeClr>
+              <a:schemeClr val="tx1"/>
             </a:solidFill>
             <a:prstDash val="dash"/>
           </a:ln>
@@ -5004,11 +4683,9 @@
           <a:prstGeom prst="bentConnector2">
             <a:avLst/>
           </a:prstGeom>
-          <a:ln w="9525">
+          <a:ln w="12700">
             <a:solidFill>
-              <a:schemeClr val="bg1">
-                <a:lumMod val="85000"/>
-              </a:schemeClr>
+              <a:schemeClr val="tx1"/>
             </a:solidFill>
             <a:prstDash val="dash"/>
           </a:ln>
@@ -5046,11 +4723,9 @@
           <a:prstGeom prst="bentConnector2">
             <a:avLst/>
           </a:prstGeom>
-          <a:ln w="9525">
+          <a:ln w="12700">
             <a:solidFill>
-              <a:schemeClr val="bg1">
-                <a:lumMod val="85000"/>
-              </a:schemeClr>
+              <a:schemeClr val="tx1"/>
             </a:solidFill>
             <a:prstDash val="dash"/>
           </a:ln>
@@ -5090,11 +4765,9 @@
               <a:gd name="adj1" fmla="val 50000"/>
             </a:avLst>
           </a:prstGeom>
-          <a:ln w="9525">
+          <a:ln w="12700">
             <a:solidFill>
-              <a:schemeClr val="bg1">
-                <a:lumMod val="85000"/>
-              </a:schemeClr>
+              <a:schemeClr val="tx1"/>
             </a:solidFill>
             <a:prstDash val="dash"/>
           </a:ln>
@@ -5134,11 +4807,9 @@
               <a:gd name="adj1" fmla="val 50000"/>
             </a:avLst>
           </a:prstGeom>
-          <a:ln w="9525">
+          <a:ln w="12700">
             <a:solidFill>
-              <a:schemeClr val="bg1">
-                <a:lumMod val="85000"/>
-              </a:schemeClr>
+              <a:schemeClr val="tx1"/>
             </a:solidFill>
             <a:prstDash val="dash"/>
           </a:ln>
@@ -5178,11 +4849,9 @@
               <a:gd name="adj1" fmla="val 50000"/>
             </a:avLst>
           </a:prstGeom>
-          <a:ln w="9525">
+          <a:ln w="12700">
             <a:solidFill>
-              <a:schemeClr val="bg1">
-                <a:lumMod val="85000"/>
-              </a:schemeClr>
+              <a:schemeClr val="tx1"/>
             </a:solidFill>
             <a:prstDash val="dash"/>
           </a:ln>
@@ -5222,11 +4891,9 @@
               <a:gd name="adj1" fmla="val 50000"/>
             </a:avLst>
           </a:prstGeom>
-          <a:ln w="9525">
+          <a:ln w="12700">
             <a:solidFill>
-              <a:schemeClr val="bg1">
-                <a:lumMod val="85000"/>
-              </a:schemeClr>
+              <a:schemeClr val="tx1"/>
             </a:solidFill>
             <a:prstDash val="dash"/>
           </a:ln>
@@ -5266,11 +4933,9 @@
               <a:gd name="adj1" fmla="val 50000"/>
             </a:avLst>
           </a:prstGeom>
-          <a:ln w="9525">
+          <a:ln w="12700">
             <a:solidFill>
-              <a:schemeClr val="bg1">
-                <a:lumMod val="85000"/>
-              </a:schemeClr>
+              <a:schemeClr val="tx1"/>
             </a:solidFill>
             <a:prstDash val="dash"/>
           </a:ln>
@@ -5310,11 +4975,9 @@
               <a:gd name="adj1" fmla="val 50000"/>
             </a:avLst>
           </a:prstGeom>
-          <a:ln w="9525">
+          <a:ln w="12700">
             <a:solidFill>
-              <a:schemeClr val="bg1">
-                <a:lumMod val="85000"/>
-              </a:schemeClr>
+              <a:schemeClr val="tx1"/>
             </a:solidFill>
             <a:prstDash val="dash"/>
           </a:ln>
@@ -5352,11 +5015,9 @@
           <a:prstGeom prst="bentConnector2">
             <a:avLst/>
           </a:prstGeom>
-          <a:ln w="9525">
+          <a:ln w="12700">
             <a:solidFill>
-              <a:schemeClr val="bg1">
-                <a:lumMod val="85000"/>
-              </a:schemeClr>
+              <a:schemeClr val="tx1"/>
             </a:solidFill>
             <a:prstDash val="dash"/>
           </a:ln>
@@ -5396,11 +5057,9 @@
               <a:gd name="adj1" fmla="val 50000"/>
             </a:avLst>
           </a:prstGeom>
-          <a:ln w="9525">
+          <a:ln w="12700">
             <a:solidFill>
-              <a:schemeClr val="bg1">
-                <a:lumMod val="85000"/>
-              </a:schemeClr>
+              <a:schemeClr val="tx1"/>
             </a:solidFill>
             <a:prstDash val="dash"/>
           </a:ln>
@@ -5440,11 +5099,9 @@
               <a:gd name="adj1" fmla="val 50000"/>
             </a:avLst>
           </a:prstGeom>
-          <a:ln w="9525">
+          <a:ln w="12700">
             <a:solidFill>
-              <a:schemeClr val="bg1">
-                <a:lumMod val="85000"/>
-              </a:schemeClr>
+              <a:schemeClr val="tx1"/>
             </a:solidFill>
             <a:prstDash val="dash"/>
           </a:ln>
@@ -5482,11 +5139,9 @@
           <a:prstGeom prst="bentConnector2">
             <a:avLst/>
           </a:prstGeom>
-          <a:ln w="9525">
+          <a:ln w="12700">
             <a:solidFill>
-              <a:schemeClr val="bg1">
-                <a:lumMod val="85000"/>
-              </a:schemeClr>
+              <a:schemeClr val="tx1"/>
             </a:solidFill>
             <a:prstDash val="dash"/>
           </a:ln>
@@ -5524,11 +5179,9 @@
           <a:prstGeom prst="bentConnector2">
             <a:avLst/>
           </a:prstGeom>
-          <a:ln w="9525">
+          <a:ln w="12700">
             <a:solidFill>
-              <a:schemeClr val="bg1">
-                <a:lumMod val="85000"/>
-              </a:schemeClr>
+              <a:schemeClr val="tx1"/>
             </a:solidFill>
             <a:prstDash val="dash"/>
           </a:ln>
